--- a/Utbildningsmaterial/Steg 1 - Manus/Utbildning Blankettproduktion Manus.pptx
+++ b/Utbildningsmaterial/Steg 1 - Manus/Utbildning Blankettproduktion Manus.pptx
@@ -248,7 +248,7 @@
           <a:p>
             <a:fld id="{B0CBC212-F8B5-4C2E-81E6-7E62664EE8E8}" type="datetimeFigureOut">
               <a:rPr lang="sv-SE" smtClean="0"/>
-              <a:t>2015-06-15</a:t>
+              <a:t>2016-08-23</a:t>
             </a:fld>
             <a:endParaRPr lang="sv-SE"/>
           </a:p>
@@ -414,7 +414,7 @@
             <a:fld id="{3E49C2C0-97DA-499D-9E25-C813C9F39A10}" type="datetimeFigureOut">
               <a:rPr lang="nb-NO" smtClean="0"/>
               <a:pPr/>
-              <a:t>15.06.2015</a:t>
+              <a:t>23.08.2016</a:t>
             </a:fld>
             <a:endParaRPr lang="nb-NO"/>
           </a:p>
@@ -478,35 +478,35 @@
           <a:p>
             <a:pPr lvl="0"/>
             <a:r>
-              <a:rPr lang="en-US" smtClean="0"/>
+              <a:rPr lang="en-US"/>
               <a:t>Click to edit Master text styles</a:t>
             </a:r>
           </a:p>
           <a:p>
             <a:pPr lvl="1"/>
             <a:r>
-              <a:rPr lang="en-US" smtClean="0"/>
+              <a:rPr lang="en-US"/>
               <a:t>Second level</a:t>
             </a:r>
           </a:p>
           <a:p>
             <a:pPr lvl="2"/>
             <a:r>
-              <a:rPr lang="en-US" smtClean="0"/>
+              <a:rPr lang="en-US"/>
               <a:t>Third level</a:t>
             </a:r>
           </a:p>
           <a:p>
             <a:pPr lvl="3"/>
             <a:r>
-              <a:rPr lang="en-US" smtClean="0"/>
+              <a:rPr lang="en-US"/>
               <a:t>Fourth level</a:t>
             </a:r>
           </a:p>
           <a:p>
             <a:pPr lvl="4"/>
             <a:r>
-              <a:rPr lang="en-US" smtClean="0"/>
+              <a:rPr lang="en-US"/>
               <a:t>Fifth level</a:t>
             </a:r>
             <a:endParaRPr lang="nb-NO"/>
@@ -731,37 +731,37 @@
               <a:defRPr/>
             </a:pPr>
             <a:r>
-              <a:rPr lang="sv-SE" b="1" i="0" dirty="0" smtClean="0"/>
+              <a:rPr lang="sv-SE" b="1" i="0" dirty="0"/>
               <a:t>Utbildning </a:t>
             </a:r>
             <a:r>
-              <a:rPr lang="sv-SE" b="0" i="0" dirty="0" smtClean="0"/>
+              <a:rPr lang="sv-SE" b="0" i="0" dirty="0"/>
               <a:t>för att förstå EyeDoc och kunna ta fram manus till blanketter/mallar som ska produceras</a:t>
             </a:r>
             <a:r>
-              <a:rPr lang="sv-SE" b="0" i="0" baseline="0" dirty="0" smtClean="0"/>
+              <a:rPr lang="sv-SE" b="0" i="0" baseline="0" dirty="0"/>
               <a:t> in i EyeDoc.</a:t>
             </a:r>
-            <a:endParaRPr lang="sv-SE" b="0" i="0" dirty="0" smtClean="0"/>
+            <a:endParaRPr lang="sv-SE" b="0" i="0" dirty="0"/>
           </a:p>
           <a:p>
             <a:pPr>
               <a:defRPr/>
             </a:pPr>
-            <a:endParaRPr lang="sv-SE" b="0" i="0" dirty="0" smtClean="0"/>
+            <a:endParaRPr lang="sv-SE" b="0" i="0" dirty="0"/>
           </a:p>
           <a:p>
             <a:pPr>
               <a:defRPr/>
             </a:pPr>
-            <a:endParaRPr lang="sv-SE" b="1" i="0" dirty="0" smtClean="0"/>
+            <a:endParaRPr lang="sv-SE" b="1" i="0" dirty="0"/>
           </a:p>
           <a:p>
             <a:pPr>
               <a:defRPr/>
             </a:pPr>
             <a:r>
-              <a:rPr lang="sv-SE" b="1" i="0" dirty="0" smtClean="0"/>
+              <a:rPr lang="sv-SE" b="1" i="0" dirty="0"/>
               <a:t>Meningen med EyeDoc</a:t>
             </a:r>
           </a:p>
@@ -769,14 +769,14 @@
             <a:pPr>
               <a:defRPr/>
             </a:pPr>
-            <a:endParaRPr lang="sv-SE" i="1" dirty="0" smtClean="0"/>
+            <a:endParaRPr lang="sv-SE" i="1" dirty="0"/>
           </a:p>
           <a:p>
             <a:pPr>
               <a:defRPr/>
             </a:pPr>
             <a:r>
-              <a:rPr lang="sv-SE" i="1" dirty="0" smtClean="0"/>
+              <a:rPr lang="sv-SE" i="1" dirty="0"/>
               <a:t>Fånga, lagra och kommunicera strukturerad data på ett effektivt sätt med högre kvalitet. Detta sker med ordning och reda, versionshantering och att ett mänskligt öga ska kunna interagera med denna data samtidigt som den är tillgänglig för andra system.</a:t>
             </a:r>
           </a:p>
@@ -784,14 +784,14 @@
             <a:pPr>
               <a:defRPr/>
             </a:pPr>
-            <a:endParaRPr lang="sv-SE" i="1" dirty="0" smtClean="0"/>
+            <a:endParaRPr lang="sv-SE" i="1" dirty="0"/>
           </a:p>
           <a:p>
             <a:pPr>
               <a:defRPr/>
             </a:pPr>
             <a:r>
-              <a:rPr lang="sv-SE" b="1" dirty="0" smtClean="0"/>
+              <a:rPr lang="sv-SE" b="1" dirty="0"/>
               <a:t>Fokusområden:</a:t>
             </a:r>
           </a:p>
@@ -802,7 +802,7 @@
               <a:defRPr/>
             </a:pPr>
             <a:r>
-              <a:rPr lang="sv-SE" dirty="0" smtClean="0"/>
+              <a:rPr lang="sv-SE" dirty="0"/>
               <a:t>Digitala blanketter</a:t>
             </a:r>
           </a:p>
@@ -813,7 +813,7 @@
               <a:defRPr/>
             </a:pPr>
             <a:r>
-              <a:rPr lang="sv-SE" dirty="0" smtClean="0"/>
+              <a:rPr lang="sv-SE" dirty="0"/>
               <a:t>Brev/Faktura</a:t>
             </a:r>
           </a:p>
@@ -824,23 +824,23 @@
               <a:defRPr/>
             </a:pPr>
             <a:r>
-              <a:rPr lang="sv-SE" dirty="0" smtClean="0"/>
+              <a:rPr lang="sv-SE" dirty="0"/>
               <a:t>Ärendehantering - liggare, </a:t>
             </a:r>
             <a:r>
-              <a:rPr lang="sv-SE" dirty="0" err="1" smtClean="0"/>
+              <a:rPr lang="sv-SE" dirty="0" err="1"/>
               <a:t>eSign</a:t>
             </a:r>
             <a:r>
-              <a:rPr lang="sv-SE" dirty="0" smtClean="0"/>
+              <a:rPr lang="sv-SE" dirty="0"/>
               <a:t>, workflow, In/</a:t>
             </a:r>
             <a:r>
-              <a:rPr lang="sv-SE" dirty="0" err="1" smtClean="0"/>
+              <a:rPr lang="sv-SE" dirty="0" err="1"/>
               <a:t>Ut-korg</a:t>
             </a:r>
             <a:r>
-              <a:rPr lang="sv-SE" dirty="0" smtClean="0"/>
+              <a:rPr lang="sv-SE" dirty="0"/>
               <a:t>, fråga/svar, EDI (elektroniskt datautbyte)</a:t>
             </a:r>
           </a:p>
@@ -851,7 +851,7 @@
               <a:defRPr/>
             </a:pPr>
             <a:r>
-              <a:rPr lang="sv-SE" dirty="0" smtClean="0"/>
+              <a:rPr lang="sv-SE" dirty="0"/>
               <a:t>Dynamiska dokument - Standardvårdplan, processdokument</a:t>
             </a:r>
           </a:p>
@@ -862,10 +862,10 @@
               <a:defRPr/>
             </a:pPr>
             <a:r>
-              <a:rPr lang="sv-SE" dirty="0" err="1" smtClean="0"/>
+              <a:rPr lang="sv-SE" dirty="0" err="1"/>
               <a:t>ePenna</a:t>
             </a:r>
-            <a:endParaRPr lang="sv-SE" dirty="0" smtClean="0"/>
+            <a:endParaRPr lang="sv-SE" dirty="0"/>
           </a:p>
           <a:p>
             <a:pPr marL="634776" lvl="1" indent="-177736">
@@ -874,7 +874,7 @@
               <a:defRPr/>
             </a:pPr>
             <a:r>
-              <a:rPr lang="sv-SE" dirty="0" smtClean="0"/>
+              <a:rPr lang="sv-SE" dirty="0"/>
               <a:t>Kvalitetsregister - nationella databaser/system</a:t>
             </a:r>
           </a:p>
@@ -885,7 +885,7 @@
               <a:defRPr/>
             </a:pPr>
             <a:r>
-              <a:rPr lang="sv-SE" dirty="0" smtClean="0"/>
+              <a:rPr lang="sv-SE" dirty="0"/>
               <a:t>Bidragsansökan</a:t>
             </a:r>
           </a:p>
@@ -910,10 +910,9 @@
           <a:lstStyle/>
           <a:p>
             <a:r>
-              <a:rPr lang="nb-NO" smtClean="0"/>
+              <a:rPr lang="nb-NO"/>
               <a:t>© 2013 EVRY</a:t>
             </a:r>
-            <a:endParaRPr lang="nb-NO"/>
           </a:p>
         </p:txBody>
       </p:sp>
@@ -921,6 +920,91 @@
     <p:extLst>
       <p:ext uri="{BB962C8B-B14F-4D97-AF65-F5344CB8AC3E}">
         <p14:creationId xmlns:p14="http://schemas.microsoft.com/office/powerpoint/2010/main" val="2633778383"/>
+      </p:ext>
+    </p:extLst>
+  </p:cSld>
+  <p:clrMapOvr>
+    <a:masterClrMapping/>
+  </p:clrMapOvr>
+</p:notes>
+</file>
+
+<file path=ppt/notesSlides/notesSlide2.xml><?xml version="1.0" encoding="utf-8"?>
+<p:notes xmlns:a="http://schemas.openxmlformats.org/drawingml/2006/main" xmlns:r="http://schemas.openxmlformats.org/officeDocument/2006/relationships" xmlns:p="http://schemas.openxmlformats.org/presentationml/2006/main">
+  <p:cSld>
+    <p:spTree>
+      <p:nvGrpSpPr>
+        <p:cNvPr id="1" name=""/>
+        <p:cNvGrpSpPr/>
+        <p:nvPr/>
+      </p:nvGrpSpPr>
+      <p:grpSpPr>
+        <a:xfrm>
+          <a:off x="0" y="0"/>
+          <a:ext cx="0" cy="0"/>
+          <a:chOff x="0" y="0"/>
+          <a:chExt cx="0" cy="0"/>
+        </a:xfrm>
+      </p:grpSpPr>
+      <p:sp>
+        <p:nvSpPr>
+          <p:cNvPr id="2" name="Slide Image Placeholder 1"/>
+          <p:cNvSpPr>
+            <a:spLocks noGrp="1" noRot="1" noChangeAspect="1"/>
+          </p:cNvSpPr>
+          <p:nvPr>
+            <p:ph type="sldImg"/>
+          </p:nvPr>
+        </p:nvSpPr>
+        <p:spPr/>
+      </p:sp>
+      <p:sp>
+        <p:nvSpPr>
+          <p:cNvPr id="3" name="Notes Placeholder 2"/>
+          <p:cNvSpPr>
+            <a:spLocks noGrp="1"/>
+          </p:cNvSpPr>
+          <p:nvPr>
+            <p:ph type="body" idx="1"/>
+          </p:nvPr>
+        </p:nvSpPr>
+        <p:spPr/>
+        <p:txBody>
+          <a:bodyPr/>
+          <a:lstStyle/>
+          <a:p>
+            <a:endParaRPr lang="sv-SE" dirty="0"/>
+          </a:p>
+        </p:txBody>
+      </p:sp>
+      <p:sp>
+        <p:nvSpPr>
+          <p:cNvPr id="4" name="Slide Number Placeholder 3"/>
+          <p:cNvSpPr>
+            <a:spLocks noGrp="1"/>
+          </p:cNvSpPr>
+          <p:nvPr>
+            <p:ph type="sldNum" sz="quarter" idx="10"/>
+          </p:nvPr>
+        </p:nvSpPr>
+        <p:spPr/>
+        <p:txBody>
+          <a:bodyPr/>
+          <a:lstStyle/>
+          <a:p>
+            <a:fld id="{7579B03F-A892-4A67-8671-FE6AA3A6F0AE}" type="slidenum">
+              <a:rPr lang="nb-NO" smtClean="0"/>
+              <a:pPr/>
+              <a:t>31</a:t>
+            </a:fld>
+            <a:endParaRPr lang="nb-NO"/>
+          </a:p>
+        </p:txBody>
+      </p:sp>
+    </p:spTree>
+    <p:extLst>
+      <p:ext uri="{BB962C8B-B14F-4D97-AF65-F5344CB8AC3E}">
+        <p14:creationId xmlns:p14="http://schemas.microsoft.com/office/powerpoint/2010/main" val="309834755"/>
       </p:ext>
     </p:extLst>
   </p:cSld>
@@ -963,7 +1047,7 @@
           <a:lstStyle/>
           <a:p>
             <a:r>
-              <a:rPr lang="sv-SE" smtClean="0"/>
+              <a:rPr lang="sv-SE"/>
               <a:t>Klicka här för att ändra format</a:t>
             </a:r>
             <a:endParaRPr lang="nb-NO" dirty="0"/>
@@ -987,35 +1071,35 @@
           <a:p>
             <a:pPr lvl="0"/>
             <a:r>
-              <a:rPr lang="sv-SE" smtClean="0"/>
+              <a:rPr lang="sv-SE"/>
               <a:t>Klicka här för att ändra format på bakgrundstexten</a:t>
             </a:r>
           </a:p>
           <a:p>
             <a:pPr lvl="1"/>
             <a:r>
-              <a:rPr lang="sv-SE" smtClean="0"/>
+              <a:rPr lang="sv-SE"/>
               <a:t>Nivå två</a:t>
             </a:r>
           </a:p>
           <a:p>
             <a:pPr lvl="2"/>
             <a:r>
-              <a:rPr lang="sv-SE" smtClean="0"/>
+              <a:rPr lang="sv-SE"/>
               <a:t>Nivå tre</a:t>
             </a:r>
           </a:p>
           <a:p>
             <a:pPr lvl="3"/>
             <a:r>
-              <a:rPr lang="sv-SE" smtClean="0"/>
+              <a:rPr lang="sv-SE"/>
               <a:t>Nivå fyra</a:t>
             </a:r>
           </a:p>
           <a:p>
             <a:pPr lvl="4"/>
             <a:r>
-              <a:rPr lang="sv-SE" smtClean="0"/>
+              <a:rPr lang="sv-SE"/>
               <a:t>Nivå fem</a:t>
             </a:r>
             <a:endParaRPr lang="nb-NO" dirty="0"/>
@@ -1056,10 +1140,9 @@
           <a:p>
             <a:pPr lvl="0"/>
             <a:r>
-              <a:rPr lang="en-US" noProof="0" dirty="0" smtClean="0"/>
+              <a:rPr lang="en-US" noProof="0" dirty="0"/>
               <a:t>Small title</a:t>
             </a:r>
-            <a:endParaRPr lang="en-US" noProof="0" dirty="0"/>
           </a:p>
         </p:txBody>
       </p:sp>
@@ -1149,13 +1232,6 @@
   <p:clrMapOvr>
     <a:masterClrMapping/>
   </p:clrMapOvr>
-  <p:timing>
-    <p:tnLst>
-      <p:par>
-        <p:cTn id="1" dur="indefinite" restart="never" nodeType="tmRoot"/>
-      </p:par>
-    </p:tnLst>
-  </p:timing>
 </p:sldLayout>
 </file>
 
@@ -1203,10 +1279,9 @@
           <a:p>
             <a:pPr lvl="0"/>
             <a:r>
-              <a:rPr lang="en-US" noProof="0" smtClean="0"/>
+              <a:rPr lang="en-US" noProof="0"/>
               <a:t>Insert content</a:t>
             </a:r>
-            <a:endParaRPr lang="en-US" noProof="0"/>
           </a:p>
         </p:txBody>
       </p:sp>
@@ -1237,10 +1312,9 @@
           <a:p>
             <a:pPr lvl="0"/>
             <a:r>
-              <a:rPr lang="en-US" noProof="0" smtClean="0"/>
+              <a:rPr lang="en-US" noProof="0"/>
               <a:t>Insert content</a:t>
             </a:r>
-            <a:endParaRPr lang="en-US" noProof="0"/>
           </a:p>
         </p:txBody>
       </p:sp>
@@ -1271,10 +1345,9 @@
           <a:p>
             <a:pPr lvl="0"/>
             <a:r>
-              <a:rPr lang="en-US" noProof="0" smtClean="0"/>
+              <a:rPr lang="en-US" noProof="0"/>
               <a:t>Insert content</a:t>
             </a:r>
-            <a:endParaRPr lang="en-US" noProof="0"/>
           </a:p>
         </p:txBody>
       </p:sp>
@@ -1375,7 +1448,7 @@
           <a:lstStyle/>
           <a:p>
             <a:r>
-              <a:rPr lang="en-US" dirty="0" smtClean="0"/>
+              <a:rPr lang="en-US" dirty="0"/>
               <a:t>Click to edit Master title style</a:t>
             </a:r>
             <a:endParaRPr lang="nb-NO" dirty="0"/>
@@ -1416,10 +1489,9 @@
           <a:p>
             <a:pPr lvl="0"/>
             <a:r>
-              <a:rPr lang="en-US" noProof="0" dirty="0" smtClean="0"/>
+              <a:rPr lang="en-US" noProof="0" dirty="0"/>
               <a:t>Small title</a:t>
             </a:r>
-            <a:endParaRPr lang="en-US" noProof="0" dirty="0"/>
           </a:p>
         </p:txBody>
       </p:sp>
@@ -1433,13 +1505,6 @@
   <p:clrMapOvr>
     <a:masterClrMapping/>
   </p:clrMapOvr>
-  <p:timing>
-    <p:tnLst>
-      <p:par>
-        <p:cTn id="1" dur="indefinite" restart="never" nodeType="tmRoot"/>
-      </p:par>
-    </p:tnLst>
-  </p:timing>
 </p:sldLayout>
 </file>
 
@@ -1563,10 +1628,9 @@
           <a:p>
             <a:pPr lvl="0"/>
             <a:r>
-              <a:rPr lang="en-US" noProof="0" smtClean="0"/>
+              <a:rPr lang="en-US" noProof="0"/>
               <a:t>Insert content</a:t>
             </a:r>
-            <a:endParaRPr lang="en-US" noProof="0"/>
           </a:p>
         </p:txBody>
       </p:sp>
@@ -1606,10 +1670,9 @@
           <a:p>
             <a:pPr lvl="0"/>
             <a:r>
-              <a:rPr lang="en-US" noProof="0" smtClean="0"/>
+              <a:rPr lang="en-US" noProof="0"/>
               <a:t> </a:t>
             </a:r>
-            <a:endParaRPr lang="en-US" noProof="0"/>
           </a:p>
         </p:txBody>
       </p:sp>
@@ -1623,13 +1686,6 @@
   <p:clrMapOvr>
     <a:masterClrMapping/>
   </p:clrMapOvr>
-  <p:timing>
-    <p:tnLst>
-      <p:par>
-        <p:cTn id="1" dur="indefinite" restart="never" nodeType="tmRoot"/>
-      </p:par>
-    </p:tnLst>
-  </p:timing>
 </p:sldLayout>
 </file>
 
@@ -1753,10 +1809,9 @@
           <a:p>
             <a:pPr lvl="0"/>
             <a:r>
-              <a:rPr lang="en-US" noProof="0" smtClean="0"/>
+              <a:rPr lang="en-US" noProof="0"/>
               <a:t>Insert content</a:t>
             </a:r>
-            <a:endParaRPr lang="en-US" noProof="0"/>
           </a:p>
         </p:txBody>
       </p:sp>
@@ -1796,10 +1851,9 @@
           <a:p>
             <a:pPr lvl="0"/>
             <a:r>
-              <a:rPr lang="en-US" noProof="0" smtClean="0"/>
+              <a:rPr lang="en-US" noProof="0"/>
               <a:t> </a:t>
             </a:r>
-            <a:endParaRPr lang="en-US" noProof="0"/>
           </a:p>
         </p:txBody>
       </p:sp>
@@ -1813,13 +1867,6 @@
   <p:clrMapOvr>
     <a:masterClrMapping/>
   </p:clrMapOvr>
-  <p:timing>
-    <p:tnLst>
-      <p:par>
-        <p:cTn id="1" dur="indefinite" restart="never" nodeType="tmRoot"/>
-      </p:par>
-    </p:tnLst>
-  </p:timing>
 </p:sldLayout>
 </file>
 
@@ -1861,7 +1908,7 @@
           <a:lstStyle/>
           <a:p>
             <a:r>
-              <a:rPr lang="en-US" dirty="0" smtClean="0"/>
+              <a:rPr lang="en-US" dirty="0"/>
               <a:t>Click to edit Master title style</a:t>
             </a:r>
             <a:endParaRPr lang="nb-NO" dirty="0"/>
@@ -1902,10 +1949,9 @@
           <a:p>
             <a:pPr lvl="0"/>
             <a:r>
-              <a:rPr lang="en-US" noProof="0" dirty="0" smtClean="0"/>
+              <a:rPr lang="en-US" noProof="0" dirty="0"/>
               <a:t>Small title</a:t>
             </a:r>
-            <a:endParaRPr lang="en-US" noProof="0" dirty="0"/>
           </a:p>
         </p:txBody>
       </p:sp>
@@ -1935,10 +1981,9 @@
           </a:lstStyle>
           <a:p>
             <a:r>
-              <a:rPr lang="en-US" noProof="0" dirty="0" smtClean="0"/>
+              <a:rPr lang="en-US" noProof="0" dirty="0"/>
               <a:t>Insert picture</a:t>
             </a:r>
-            <a:endParaRPr lang="en-US" noProof="0" dirty="0"/>
           </a:p>
         </p:txBody>
       </p:sp>
@@ -1968,10 +2013,9 @@
           </a:lstStyle>
           <a:p>
             <a:r>
-              <a:rPr lang="en-US" noProof="0" dirty="0" smtClean="0"/>
+              <a:rPr lang="en-US" noProof="0" dirty="0"/>
               <a:t>Insert picture</a:t>
             </a:r>
-            <a:endParaRPr lang="en-US" noProof="0" dirty="0"/>
           </a:p>
         </p:txBody>
       </p:sp>
@@ -2001,10 +2045,9 @@
           </a:lstStyle>
           <a:p>
             <a:r>
-              <a:rPr lang="en-US" noProof="0" dirty="0" smtClean="0"/>
+              <a:rPr lang="en-US" noProof="0" dirty="0"/>
               <a:t>Insert picture</a:t>
             </a:r>
-            <a:endParaRPr lang="en-US" noProof="0" dirty="0"/>
           </a:p>
         </p:txBody>
       </p:sp>
@@ -2034,10 +2077,9 @@
           </a:lstStyle>
           <a:p>
             <a:r>
-              <a:rPr lang="en-US" noProof="0" dirty="0" smtClean="0"/>
+              <a:rPr lang="en-US" noProof="0" dirty="0"/>
               <a:t>Insert picture</a:t>
             </a:r>
-            <a:endParaRPr lang="en-US" noProof="0" dirty="0"/>
           </a:p>
         </p:txBody>
       </p:sp>
@@ -2067,10 +2109,9 @@
           </a:lstStyle>
           <a:p>
             <a:r>
-              <a:rPr lang="en-US" noProof="0" dirty="0" smtClean="0"/>
+              <a:rPr lang="en-US" noProof="0" dirty="0"/>
               <a:t>Insert picture</a:t>
             </a:r>
-            <a:endParaRPr lang="en-US" noProof="0" dirty="0"/>
           </a:p>
         </p:txBody>
       </p:sp>
@@ -2160,13 +2201,6 @@
   <p:clrMapOvr>
     <a:masterClrMapping/>
   </p:clrMapOvr>
-  <p:timing>
-    <p:tnLst>
-      <p:par>
-        <p:cTn id="1" dur="indefinite" restart="never" nodeType="tmRoot"/>
-      </p:par>
-    </p:tnLst>
-  </p:timing>
 </p:sldLayout>
 </file>
 
@@ -2284,7 +2318,7 @@
           <a:lstStyle/>
           <a:p>
             <a:r>
-              <a:rPr lang="en-US" dirty="0" smtClean="0"/>
+              <a:rPr lang="en-US" dirty="0"/>
               <a:t>Click to edit Master title style</a:t>
             </a:r>
             <a:endParaRPr lang="nb-NO" dirty="0"/>
@@ -2325,10 +2359,9 @@
           <a:p>
             <a:pPr lvl="0"/>
             <a:r>
-              <a:rPr lang="en-US" noProof="0" dirty="0" smtClean="0"/>
+              <a:rPr lang="en-US" noProof="0" dirty="0"/>
               <a:t>Small title</a:t>
             </a:r>
-            <a:endParaRPr lang="en-US" noProof="0" dirty="0"/>
           </a:p>
         </p:txBody>
       </p:sp>
@@ -2342,13 +2375,6 @@
   <p:clrMapOvr>
     <a:masterClrMapping/>
   </p:clrMapOvr>
-  <p:timing>
-    <p:tnLst>
-      <p:par>
-        <p:cTn id="1" dur="indefinite" restart="never" nodeType="tmRoot"/>
-      </p:par>
-    </p:tnLst>
-  </p:timing>
 </p:sldLayout>
 </file>
 
@@ -2455,13 +2481,6 @@
   <p:clrMapOvr>
     <a:masterClrMapping/>
   </p:clrMapOvr>
-  <p:timing>
-    <p:tnLst>
-      <p:par>
-        <p:cTn id="1" dur="indefinite" restart="never" nodeType="tmRoot"/>
-      </p:par>
-    </p:tnLst>
-  </p:timing>
 </p:sldLayout>
 </file>
 
@@ -2579,7 +2598,7 @@
           </a:lstStyle>
           <a:p>
             <a:r>
-              <a:rPr lang="en-US" dirty="0" smtClean="0"/>
+              <a:rPr lang="en-US" dirty="0"/>
               <a:t>Click to edit Master title style</a:t>
             </a:r>
             <a:endParaRPr lang="nb-NO" dirty="0"/>
@@ -2699,7 +2718,7 @@
           </a:lstStyle>
           <a:p>
             <a:r>
-              <a:rPr lang="en-US" dirty="0" smtClean="0"/>
+              <a:rPr lang="en-US" dirty="0"/>
               <a:t>Click to edit Master subtitle style</a:t>
             </a:r>
             <a:endParaRPr lang="nb-NO" dirty="0"/>
@@ -2795,7 +2814,7 @@
           <a:lstStyle/>
           <a:p>
             <a:pPr algn="ctr"/>
-            <a:endParaRPr lang="nb-NO" dirty="0" err="1" smtClean="0">
+            <a:endParaRPr lang="nb-NO" dirty="0" err="1">
               <a:solidFill>
                 <a:schemeClr val="accent5"/>
               </a:solidFill>
@@ -2884,13 +2903,6 @@
   <p:clrMapOvr>
     <a:masterClrMapping/>
   </p:clrMapOvr>
-  <p:timing>
-    <p:tnLst>
-      <p:par>
-        <p:cTn id="1" dur="indefinite" restart="never" nodeType="tmRoot"/>
-      </p:par>
-    </p:tnLst>
-  </p:timing>
 </p:sldLayout>
 </file>
 
@@ -3089,7 +3101,7 @@
           </a:lstStyle>
           <a:p>
             <a:r>
-              <a:rPr lang="en-US" dirty="0" smtClean="0"/>
+              <a:rPr lang="en-US" dirty="0"/>
               <a:t>Click to edit Master subtitle style</a:t>
             </a:r>
             <a:endParaRPr lang="nb-NO" dirty="0"/>
@@ -3163,7 +3175,7 @@
           </a:lstStyle>
           <a:p>
             <a:r>
-              <a:rPr lang="en-US" dirty="0" smtClean="0"/>
+              <a:rPr lang="en-US" dirty="0"/>
               <a:t>Click to edit Master title style</a:t>
             </a:r>
             <a:endParaRPr lang="nb-NO" dirty="0"/>
@@ -3224,7 +3236,7 @@
           <a:lstStyle/>
           <a:p>
             <a:pPr algn="ctr"/>
-            <a:endParaRPr lang="nb-NO" dirty="0" err="1" smtClean="0">
+            <a:endParaRPr lang="nb-NO" dirty="0" err="1">
               <a:solidFill>
                 <a:schemeClr val="accent5"/>
               </a:solidFill>
@@ -3313,13 +3325,6 @@
   <p:clrMapOvr>
     <a:masterClrMapping/>
   </p:clrMapOvr>
-  <p:timing>
-    <p:tnLst>
-      <p:par>
-        <p:cTn id="1" dur="indefinite" restart="never" nodeType="tmRoot"/>
-      </p:par>
-    </p:tnLst>
-  </p:timing>
 </p:sldLayout>
 </file>
 
@@ -3518,7 +3523,7 @@
           </a:lstStyle>
           <a:p>
             <a:r>
-              <a:rPr lang="en-US" dirty="0" smtClean="0"/>
+              <a:rPr lang="en-US" dirty="0"/>
               <a:t>Click to edit Master subtitle style</a:t>
             </a:r>
             <a:endParaRPr lang="nb-NO" dirty="0"/>
@@ -3592,7 +3597,7 @@
           </a:lstStyle>
           <a:p>
             <a:r>
-              <a:rPr lang="en-US" dirty="0" smtClean="0"/>
+              <a:rPr lang="en-US" dirty="0"/>
               <a:t>Click to edit Master title style</a:t>
             </a:r>
             <a:endParaRPr lang="nb-NO" dirty="0"/>
@@ -3653,7 +3658,7 @@
           <a:lstStyle/>
           <a:p>
             <a:pPr algn="ctr"/>
-            <a:endParaRPr lang="nb-NO" dirty="0" err="1" smtClean="0">
+            <a:endParaRPr lang="nb-NO" dirty="0" err="1">
               <a:solidFill>
                 <a:schemeClr val="accent5"/>
               </a:solidFill>
@@ -3742,13 +3747,6 @@
   <p:clrMapOvr>
     <a:masterClrMapping/>
   </p:clrMapOvr>
-  <p:timing>
-    <p:tnLst>
-      <p:par>
-        <p:cTn id="1" dur="indefinite" restart="never" nodeType="tmRoot"/>
-      </p:par>
-    </p:tnLst>
-  </p:timing>
 </p:sldLayout>
 </file>
 
@@ -3947,7 +3945,7 @@
           </a:lstStyle>
           <a:p>
             <a:r>
-              <a:rPr lang="en-US" dirty="0" smtClean="0"/>
+              <a:rPr lang="en-US" dirty="0"/>
               <a:t>Click to edit Master subtitle style</a:t>
             </a:r>
             <a:endParaRPr lang="nb-NO" dirty="0"/>
@@ -4021,7 +4019,7 @@
           </a:lstStyle>
           <a:p>
             <a:r>
-              <a:rPr lang="en-US" dirty="0" smtClean="0"/>
+              <a:rPr lang="en-US" dirty="0"/>
               <a:t>Click to edit Master title style</a:t>
             </a:r>
             <a:endParaRPr lang="nb-NO" dirty="0"/>
@@ -4082,7 +4080,7 @@
           <a:lstStyle/>
           <a:p>
             <a:pPr algn="ctr"/>
-            <a:endParaRPr lang="nb-NO" dirty="0" err="1" smtClean="0">
+            <a:endParaRPr lang="nb-NO" dirty="0" err="1">
               <a:solidFill>
                 <a:schemeClr val="accent5"/>
               </a:solidFill>
@@ -4171,13 +4169,6 @@
   <p:clrMapOvr>
     <a:masterClrMapping/>
   </p:clrMapOvr>
-  <p:timing>
-    <p:tnLst>
-      <p:par>
-        <p:cTn id="1" dur="indefinite" restart="never" nodeType="tmRoot"/>
-      </p:par>
-    </p:tnLst>
-  </p:timing>
 </p:sldLayout>
 </file>
 
@@ -4220,35 +4211,35 @@
           <a:p>
             <a:pPr lvl="0"/>
             <a:r>
-              <a:rPr lang="sv-SE" smtClean="0"/>
+              <a:rPr lang="sv-SE"/>
               <a:t>Klicka här för att ändra format på bakgrundstexten</a:t>
             </a:r>
           </a:p>
           <a:p>
             <a:pPr lvl="1"/>
             <a:r>
-              <a:rPr lang="sv-SE" smtClean="0"/>
+              <a:rPr lang="sv-SE"/>
               <a:t>Nivå två</a:t>
             </a:r>
           </a:p>
           <a:p>
             <a:pPr lvl="2"/>
             <a:r>
-              <a:rPr lang="sv-SE" smtClean="0"/>
+              <a:rPr lang="sv-SE"/>
               <a:t>Nivå tre</a:t>
             </a:r>
           </a:p>
           <a:p>
             <a:pPr lvl="3"/>
             <a:r>
-              <a:rPr lang="sv-SE" smtClean="0"/>
+              <a:rPr lang="sv-SE"/>
               <a:t>Nivå fyra</a:t>
             </a:r>
           </a:p>
           <a:p>
             <a:pPr lvl="4"/>
             <a:r>
-              <a:rPr lang="sv-SE" smtClean="0"/>
+              <a:rPr lang="sv-SE"/>
               <a:t>Nivå fem</a:t>
             </a:r>
             <a:endParaRPr lang="nb-NO" dirty="0"/>
@@ -4277,35 +4268,35 @@
           <a:p>
             <a:pPr lvl="0"/>
             <a:r>
-              <a:rPr lang="sv-SE" smtClean="0"/>
+              <a:rPr lang="sv-SE"/>
               <a:t>Klicka här för att ändra format på bakgrundstexten</a:t>
             </a:r>
           </a:p>
           <a:p>
             <a:pPr lvl="1"/>
             <a:r>
-              <a:rPr lang="sv-SE" smtClean="0"/>
+              <a:rPr lang="sv-SE"/>
               <a:t>Nivå två</a:t>
             </a:r>
           </a:p>
           <a:p>
             <a:pPr lvl="2"/>
             <a:r>
-              <a:rPr lang="sv-SE" smtClean="0"/>
+              <a:rPr lang="sv-SE"/>
               <a:t>Nivå tre</a:t>
             </a:r>
           </a:p>
           <a:p>
             <a:pPr lvl="3"/>
             <a:r>
-              <a:rPr lang="sv-SE" smtClean="0"/>
+              <a:rPr lang="sv-SE"/>
               <a:t>Nivå fyra</a:t>
             </a:r>
           </a:p>
           <a:p>
             <a:pPr lvl="4"/>
             <a:r>
-              <a:rPr lang="sv-SE" smtClean="0"/>
+              <a:rPr lang="sv-SE"/>
               <a:t>Nivå fem</a:t>
             </a:r>
             <a:endParaRPr lang="nb-NO" dirty="0"/>
@@ -4409,7 +4400,7 @@
           <a:lstStyle/>
           <a:p>
             <a:r>
-              <a:rPr lang="sv-SE" smtClean="0"/>
+              <a:rPr lang="sv-SE"/>
               <a:t>Klicka här för att ändra format</a:t>
             </a:r>
             <a:endParaRPr lang="nb-NO" dirty="0"/>
@@ -4450,10 +4441,9 @@
           <a:p>
             <a:pPr lvl="0"/>
             <a:r>
-              <a:rPr lang="en-US" noProof="0" dirty="0" smtClean="0"/>
+              <a:rPr lang="en-US" noProof="0" dirty="0"/>
               <a:t>Small title</a:t>
             </a:r>
-            <a:endParaRPr lang="en-US" noProof="0" dirty="0"/>
           </a:p>
         </p:txBody>
       </p:sp>
@@ -4467,13 +4457,6 @@
   <p:clrMapOvr>
     <a:masterClrMapping/>
   </p:clrMapOvr>
-  <p:timing>
-    <p:tnLst>
-      <p:par>
-        <p:cTn id="1" dur="indefinite" restart="never" nodeType="tmRoot"/>
-      </p:par>
-    </p:tnLst>
-  </p:timing>
 </p:sldLayout>
 </file>
 
@@ -4515,7 +4498,7 @@
           <a:lstStyle/>
           <a:p>
             <a:r>
-              <a:rPr lang="en-US" dirty="0" smtClean="0"/>
+              <a:rPr lang="en-US" dirty="0"/>
               <a:t>Click to edit Master title style</a:t>
             </a:r>
             <a:endParaRPr lang="nb-NO" dirty="0"/>
@@ -4639,38 +4622,37 @@
           <a:p>
             <a:pPr lvl="0"/>
             <a:r>
-              <a:rPr lang="en-US" dirty="0" smtClean="0"/>
+              <a:rPr lang="en-US" dirty="0"/>
               <a:t>Click to edit Master text styles</a:t>
             </a:r>
           </a:p>
           <a:p>
             <a:pPr lvl="1"/>
             <a:r>
-              <a:rPr lang="en-US" dirty="0" smtClean="0"/>
+              <a:rPr lang="en-US" dirty="0"/>
               <a:t>Second level</a:t>
             </a:r>
           </a:p>
           <a:p>
             <a:pPr lvl="2"/>
             <a:r>
-              <a:rPr lang="en-US" dirty="0" smtClean="0"/>
+              <a:rPr lang="en-US" dirty="0"/>
               <a:t>Third level</a:t>
             </a:r>
           </a:p>
           <a:p>
             <a:pPr lvl="3"/>
             <a:r>
-              <a:rPr lang="en-US" dirty="0" smtClean="0"/>
+              <a:rPr lang="en-US" dirty="0"/>
               <a:t>Fourth level</a:t>
             </a:r>
           </a:p>
           <a:p>
             <a:pPr lvl="4"/>
             <a:r>
-              <a:rPr lang="en-US" dirty="0" smtClean="0"/>
+              <a:rPr lang="en-US" dirty="0"/>
               <a:t>Fifth level</a:t>
             </a:r>
-            <a:endParaRPr lang="en-US" dirty="0"/>
           </a:p>
         </p:txBody>
       </p:sp>
@@ -4684,13 +4666,6 @@
   <p:clrMapOvr>
     <a:masterClrMapping/>
   </p:clrMapOvr>
-  <p:timing>
-    <p:tnLst>
-      <p:par>
-        <p:cTn id="1" dur="indefinite" restart="never" nodeType="tmRoot"/>
-      </p:par>
-    </p:tnLst>
-  </p:timing>
 </p:sldLayout>
 </file>
 
@@ -4732,7 +4707,7 @@
           <a:lstStyle/>
           <a:p>
             <a:r>
-              <a:rPr lang="en-US" dirty="0" smtClean="0"/>
+              <a:rPr lang="en-US" dirty="0"/>
               <a:t>Click to edit Master title style</a:t>
             </a:r>
             <a:endParaRPr lang="nb-NO" dirty="0"/>
@@ -4856,38 +4831,37 @@
           <a:p>
             <a:pPr lvl="0"/>
             <a:r>
-              <a:rPr lang="en-US" dirty="0" smtClean="0"/>
+              <a:rPr lang="en-US" dirty="0"/>
               <a:t>Click to edit Master text styles</a:t>
             </a:r>
           </a:p>
           <a:p>
             <a:pPr lvl="1"/>
             <a:r>
-              <a:rPr lang="en-US" dirty="0" smtClean="0"/>
+              <a:rPr lang="en-US" dirty="0"/>
               <a:t>Second level</a:t>
             </a:r>
           </a:p>
           <a:p>
             <a:pPr lvl="2"/>
             <a:r>
-              <a:rPr lang="en-US" dirty="0" smtClean="0"/>
+              <a:rPr lang="en-US" dirty="0"/>
               <a:t>Third level</a:t>
             </a:r>
           </a:p>
           <a:p>
             <a:pPr lvl="3"/>
             <a:r>
-              <a:rPr lang="en-US" dirty="0" smtClean="0"/>
+              <a:rPr lang="en-US" dirty="0"/>
               <a:t>Fourth level</a:t>
             </a:r>
           </a:p>
           <a:p>
             <a:pPr lvl="4"/>
             <a:r>
-              <a:rPr lang="en-US" dirty="0" smtClean="0"/>
+              <a:rPr lang="en-US" dirty="0"/>
               <a:t>Fifth level</a:t>
             </a:r>
-            <a:endParaRPr lang="en-US" dirty="0"/>
           </a:p>
         </p:txBody>
       </p:sp>
@@ -4932,38 +4906,37 @@
           <a:p>
             <a:pPr lvl="0"/>
             <a:r>
-              <a:rPr lang="en-US" dirty="0" smtClean="0"/>
+              <a:rPr lang="en-US" dirty="0"/>
               <a:t>Click to edit Master text styles</a:t>
             </a:r>
           </a:p>
           <a:p>
             <a:pPr lvl="1"/>
             <a:r>
-              <a:rPr lang="en-US" dirty="0" smtClean="0"/>
+              <a:rPr lang="en-US" dirty="0"/>
               <a:t>Second level</a:t>
             </a:r>
           </a:p>
           <a:p>
             <a:pPr lvl="2"/>
             <a:r>
-              <a:rPr lang="en-US" dirty="0" smtClean="0"/>
+              <a:rPr lang="en-US" dirty="0"/>
               <a:t>Third level</a:t>
             </a:r>
           </a:p>
           <a:p>
             <a:pPr lvl="3"/>
             <a:r>
-              <a:rPr lang="en-US" dirty="0" smtClean="0"/>
+              <a:rPr lang="en-US" dirty="0"/>
               <a:t>Fourth level</a:t>
             </a:r>
           </a:p>
           <a:p>
             <a:pPr lvl="4"/>
             <a:r>
-              <a:rPr lang="en-US" dirty="0" smtClean="0"/>
+              <a:rPr lang="en-US" dirty="0"/>
               <a:t>Fifth level</a:t>
             </a:r>
-            <a:endParaRPr lang="en-US" dirty="0"/>
           </a:p>
         </p:txBody>
       </p:sp>
@@ -4977,13 +4950,6 @@
   <p:clrMapOvr>
     <a:masterClrMapping/>
   </p:clrMapOvr>
-  <p:timing>
-    <p:tnLst>
-      <p:par>
-        <p:cTn id="1" dur="indefinite" restart="never" nodeType="tmRoot"/>
-      </p:par>
-    </p:tnLst>
-  </p:timing>
 </p:sldLayout>
 </file>
 
@@ -5025,7 +4991,7 @@
           <a:lstStyle/>
           <a:p>
             <a:r>
-              <a:rPr lang="en-US" dirty="0" smtClean="0"/>
+              <a:rPr lang="en-US" dirty="0"/>
               <a:t>Click to edit Master title style</a:t>
             </a:r>
             <a:endParaRPr lang="nb-NO" dirty="0"/>
@@ -5149,38 +5115,37 @@
           <a:p>
             <a:pPr lvl="0"/>
             <a:r>
-              <a:rPr lang="en-US" dirty="0" smtClean="0"/>
+              <a:rPr lang="en-US" dirty="0"/>
               <a:t>Click to edit Master text styles</a:t>
             </a:r>
           </a:p>
           <a:p>
             <a:pPr lvl="1"/>
             <a:r>
-              <a:rPr lang="en-US" dirty="0" smtClean="0"/>
+              <a:rPr lang="en-US" dirty="0"/>
               <a:t>Second level</a:t>
             </a:r>
           </a:p>
           <a:p>
             <a:pPr lvl="2"/>
             <a:r>
-              <a:rPr lang="en-US" dirty="0" smtClean="0"/>
+              <a:rPr lang="en-US" dirty="0"/>
               <a:t>Third level</a:t>
             </a:r>
           </a:p>
           <a:p>
             <a:pPr lvl="3"/>
             <a:r>
-              <a:rPr lang="en-US" dirty="0" smtClean="0"/>
+              <a:rPr lang="en-US" dirty="0"/>
               <a:t>Fourth level</a:t>
             </a:r>
           </a:p>
           <a:p>
             <a:pPr lvl="4"/>
             <a:r>
-              <a:rPr lang="en-US" dirty="0" smtClean="0"/>
+              <a:rPr lang="en-US" dirty="0"/>
               <a:t>Fifth level</a:t>
             </a:r>
-            <a:endParaRPr lang="en-US" dirty="0"/>
           </a:p>
         </p:txBody>
       </p:sp>
@@ -5211,10 +5176,9 @@
           <a:p>
             <a:pPr lvl="0"/>
             <a:r>
-              <a:rPr lang="en-US" dirty="0" smtClean="0"/>
+              <a:rPr lang="en-US" dirty="0"/>
               <a:t>Insert content</a:t>
             </a:r>
-            <a:endParaRPr lang="en-US" dirty="0"/>
           </a:p>
         </p:txBody>
       </p:sp>
@@ -5228,13 +5192,6 @@
   <p:clrMapOvr>
     <a:masterClrMapping/>
   </p:clrMapOvr>
-  <p:timing>
-    <p:tnLst>
-      <p:par>
-        <p:cTn id="1" dur="indefinite" restart="never" nodeType="tmRoot"/>
-      </p:par>
-    </p:tnLst>
-  </p:timing>
 </p:sldLayout>
 </file>
 
@@ -5351,7 +5308,7 @@
           </a:lstStyle>
           <a:p>
             <a:r>
-              <a:rPr lang="en-US" dirty="0" smtClean="0"/>
+              <a:rPr lang="en-US" dirty="0"/>
               <a:t>Click to edit Master title style</a:t>
             </a:r>
             <a:endParaRPr lang="nb-NO" dirty="0"/>
@@ -5471,7 +5428,7 @@
           </a:lstStyle>
           <a:p>
             <a:r>
-              <a:rPr lang="en-US" dirty="0" smtClean="0"/>
+              <a:rPr lang="en-US" dirty="0"/>
               <a:t>Click to edit Master subtitle style</a:t>
             </a:r>
             <a:endParaRPr lang="nb-NO" dirty="0"/>
@@ -5567,7 +5524,7 @@
           <a:lstStyle/>
           <a:p>
             <a:pPr algn="ctr"/>
-            <a:endParaRPr lang="nb-NO" dirty="0" err="1" smtClean="0">
+            <a:endParaRPr lang="nb-NO" dirty="0" err="1">
               <a:solidFill>
                 <a:schemeClr val="accent5"/>
               </a:solidFill>
@@ -5648,10 +5605,9 @@
           <a:p>
             <a:pPr lvl="0"/>
             <a:r>
-              <a:rPr lang="en-US" dirty="0" smtClean="0"/>
+              <a:rPr lang="en-US" dirty="0"/>
               <a:t>Click to add date</a:t>
             </a:r>
-            <a:endParaRPr lang="en-US" dirty="0"/>
           </a:p>
         </p:txBody>
       </p:sp>
@@ -5695,13 +5651,6 @@
   <p:clrMapOvr>
     <a:masterClrMapping/>
   </p:clrMapOvr>
-  <p:timing>
-    <p:tnLst>
-      <p:par>
-        <p:cTn id="1" dur="indefinite" restart="never" nodeType="tmRoot"/>
-      </p:par>
-    </p:tnLst>
-  </p:timing>
   <p:hf hdr="0"/>
 </p:sldLayout>
 </file>
@@ -5815,7 +5764,7 @@
           <a:lstStyle/>
           <a:p>
             <a:pPr algn="ctr"/>
-            <a:endParaRPr lang="nb-NO" dirty="0" err="1" smtClean="0">
+            <a:endParaRPr lang="nb-NO" dirty="0" err="1">
               <a:solidFill>
                 <a:schemeClr val="accent5"/>
               </a:solidFill>
@@ -5969,13 +5918,6 @@
   <p:clrMapOvr>
     <a:masterClrMapping/>
   </p:clrMapOvr>
-  <p:timing>
-    <p:tnLst>
-      <p:par>
-        <p:cTn id="1" dur="indefinite" restart="never" nodeType="tmRoot"/>
-      </p:par>
-    </p:tnLst>
-  </p:timing>
 </p:sldLayout>
 </file>
 
@@ -6012,7 +5954,7 @@
           <a:lstStyle/>
           <a:p>
             <a:r>
-              <a:rPr lang="sv-SE" smtClean="0"/>
+              <a:rPr lang="sv-SE"/>
               <a:t>Klicka här för att ändra format</a:t>
             </a:r>
             <a:endParaRPr lang="nb-NO" dirty="0"/>
@@ -6036,35 +5978,35 @@
           <a:p>
             <a:pPr lvl="0"/>
             <a:r>
-              <a:rPr lang="sv-SE" smtClean="0"/>
+              <a:rPr lang="sv-SE"/>
               <a:t>Klicka här för att ändra format på bakgrundstexten</a:t>
             </a:r>
           </a:p>
           <a:p>
             <a:pPr lvl="1"/>
             <a:r>
-              <a:rPr lang="sv-SE" smtClean="0"/>
+              <a:rPr lang="sv-SE"/>
               <a:t>Nivå två</a:t>
             </a:r>
           </a:p>
           <a:p>
             <a:pPr lvl="2"/>
             <a:r>
-              <a:rPr lang="sv-SE" smtClean="0"/>
+              <a:rPr lang="sv-SE"/>
               <a:t>Nivå tre</a:t>
             </a:r>
           </a:p>
           <a:p>
             <a:pPr lvl="3"/>
             <a:r>
-              <a:rPr lang="sv-SE" smtClean="0"/>
+              <a:rPr lang="sv-SE"/>
               <a:t>Nivå fyra</a:t>
             </a:r>
           </a:p>
           <a:p>
             <a:pPr lvl="4"/>
             <a:r>
-              <a:rPr lang="sv-SE" smtClean="0"/>
+              <a:rPr lang="sv-SE"/>
               <a:t>Nivå fem</a:t>
             </a:r>
             <a:endParaRPr lang="nb-NO" dirty="0"/>
@@ -6105,10 +6047,9 @@
           <a:p>
             <a:pPr lvl="0"/>
             <a:r>
-              <a:rPr lang="en-US" noProof="0" dirty="0" smtClean="0"/>
+              <a:rPr lang="en-US" noProof="0" dirty="0"/>
               <a:t>Small title</a:t>
             </a:r>
-            <a:endParaRPr lang="en-US" noProof="0" dirty="0"/>
           </a:p>
         </p:txBody>
       </p:sp>
@@ -6198,13 +6139,6 @@
   <p:clrMapOvr>
     <a:masterClrMapping/>
   </p:clrMapOvr>
-  <p:timing>
-    <p:tnLst>
-      <p:par>
-        <p:cTn id="1" dur="indefinite" restart="never" nodeType="tmRoot"/>
-      </p:par>
-    </p:tnLst>
-  </p:timing>
 </p:sldLayout>
 </file>
 
@@ -6403,7 +6337,7 @@
           </a:lstStyle>
           <a:p>
             <a:r>
-              <a:rPr lang="en-US" dirty="0" smtClean="0"/>
+              <a:rPr lang="en-US" dirty="0"/>
               <a:t>Click to edit Master subtitle style</a:t>
             </a:r>
             <a:endParaRPr lang="nb-NO" dirty="0"/>
@@ -6477,7 +6411,7 @@
           </a:lstStyle>
           <a:p>
             <a:r>
-              <a:rPr lang="en-US" dirty="0" smtClean="0"/>
+              <a:rPr lang="en-US" dirty="0"/>
               <a:t>Click to edit Master title style</a:t>
             </a:r>
             <a:endParaRPr lang="nb-NO" dirty="0"/>
@@ -6538,7 +6472,7 @@
           <a:lstStyle/>
           <a:p>
             <a:pPr algn="ctr"/>
-            <a:endParaRPr lang="nb-NO" dirty="0" err="1" smtClean="0">
+            <a:endParaRPr lang="nb-NO" dirty="0" err="1">
               <a:solidFill>
                 <a:schemeClr val="accent5"/>
               </a:solidFill>
@@ -6627,13 +6561,6 @@
   <p:clrMapOvr>
     <a:masterClrMapping/>
   </p:clrMapOvr>
-  <p:timing>
-    <p:tnLst>
-      <p:par>
-        <p:cTn id="1" dur="indefinite" restart="never" nodeType="tmRoot"/>
-      </p:par>
-    </p:tnLst>
-  </p:timing>
 </p:sldLayout>
 </file>
 
@@ -6676,35 +6603,35 @@
           <a:p>
             <a:pPr lvl="0"/>
             <a:r>
-              <a:rPr lang="sv-SE" smtClean="0"/>
+              <a:rPr lang="sv-SE"/>
               <a:t>Klicka här för att ändra format på bakgrundstexten</a:t>
             </a:r>
           </a:p>
           <a:p>
             <a:pPr lvl="1"/>
             <a:r>
-              <a:rPr lang="sv-SE" smtClean="0"/>
+              <a:rPr lang="sv-SE"/>
               <a:t>Nivå två</a:t>
             </a:r>
           </a:p>
           <a:p>
             <a:pPr lvl="2"/>
             <a:r>
-              <a:rPr lang="sv-SE" smtClean="0"/>
+              <a:rPr lang="sv-SE"/>
               <a:t>Nivå tre</a:t>
             </a:r>
           </a:p>
           <a:p>
             <a:pPr lvl="3"/>
             <a:r>
-              <a:rPr lang="sv-SE" smtClean="0"/>
+              <a:rPr lang="sv-SE"/>
               <a:t>Nivå fyra</a:t>
             </a:r>
           </a:p>
           <a:p>
             <a:pPr lvl="4"/>
             <a:r>
-              <a:rPr lang="sv-SE" smtClean="0"/>
+              <a:rPr lang="sv-SE"/>
               <a:t>Nivå fem</a:t>
             </a:r>
             <a:endParaRPr lang="nb-NO" dirty="0"/>
@@ -6733,35 +6660,35 @@
           <a:p>
             <a:pPr lvl="0"/>
             <a:r>
-              <a:rPr lang="sv-SE" smtClean="0"/>
+              <a:rPr lang="sv-SE"/>
               <a:t>Klicka här för att ändra format på bakgrundstexten</a:t>
             </a:r>
           </a:p>
           <a:p>
             <a:pPr lvl="1"/>
             <a:r>
-              <a:rPr lang="sv-SE" smtClean="0"/>
+              <a:rPr lang="sv-SE"/>
               <a:t>Nivå två</a:t>
             </a:r>
           </a:p>
           <a:p>
             <a:pPr lvl="2"/>
             <a:r>
-              <a:rPr lang="sv-SE" smtClean="0"/>
+              <a:rPr lang="sv-SE"/>
               <a:t>Nivå tre</a:t>
             </a:r>
           </a:p>
           <a:p>
             <a:pPr lvl="3"/>
             <a:r>
-              <a:rPr lang="sv-SE" smtClean="0"/>
+              <a:rPr lang="sv-SE"/>
               <a:t>Nivå fyra</a:t>
             </a:r>
           </a:p>
           <a:p>
             <a:pPr lvl="4"/>
             <a:r>
-              <a:rPr lang="sv-SE" smtClean="0"/>
+              <a:rPr lang="sv-SE"/>
               <a:t>Nivå fem</a:t>
             </a:r>
             <a:endParaRPr lang="nb-NO" dirty="0"/>
@@ -6865,7 +6792,7 @@
           <a:lstStyle/>
           <a:p>
             <a:r>
-              <a:rPr lang="sv-SE" smtClean="0"/>
+              <a:rPr lang="sv-SE"/>
               <a:t>Klicka här för att ändra format</a:t>
             </a:r>
             <a:endParaRPr lang="nb-NO" dirty="0"/>
@@ -6906,10 +6833,9 @@
           <a:p>
             <a:pPr lvl="0"/>
             <a:r>
-              <a:rPr lang="en-US" noProof="0" dirty="0" smtClean="0"/>
+              <a:rPr lang="en-US" noProof="0" dirty="0"/>
               <a:t>Small title</a:t>
             </a:r>
-            <a:endParaRPr lang="en-US" noProof="0" dirty="0"/>
           </a:p>
         </p:txBody>
       </p:sp>
@@ -6923,13 +6849,6 @@
   <p:clrMapOvr>
     <a:masterClrMapping/>
   </p:clrMapOvr>
-  <p:timing>
-    <p:tnLst>
-      <p:par>
-        <p:cTn id="1" dur="indefinite" restart="never" nodeType="tmRoot"/>
-      </p:par>
-    </p:tnLst>
-  </p:timing>
 </p:sldLayout>
 </file>
 
@@ -7047,7 +6966,7 @@
           </a:lstStyle>
           <a:p>
             <a:r>
-              <a:rPr lang="en-US" dirty="0" smtClean="0"/>
+              <a:rPr lang="en-US" dirty="0"/>
               <a:t>Click to edit Master title style</a:t>
             </a:r>
             <a:endParaRPr lang="nb-NO" dirty="0"/>
@@ -7167,7 +7086,7 @@
           </a:lstStyle>
           <a:p>
             <a:r>
-              <a:rPr lang="en-US" dirty="0" smtClean="0"/>
+              <a:rPr lang="en-US" dirty="0"/>
               <a:t>Click to edit Master subtitle style</a:t>
             </a:r>
             <a:endParaRPr lang="nb-NO" dirty="0"/>
@@ -7263,7 +7182,7 @@
           <a:lstStyle/>
           <a:p>
             <a:pPr algn="ctr"/>
-            <a:endParaRPr lang="nb-NO" dirty="0" err="1" smtClean="0">
+            <a:endParaRPr lang="nb-NO" dirty="0" err="1">
               <a:solidFill>
                 <a:schemeClr val="accent5"/>
               </a:solidFill>
@@ -7352,13 +7271,6 @@
   <p:clrMapOvr>
     <a:masterClrMapping/>
   </p:clrMapOvr>
-  <p:timing>
-    <p:tnLst>
-      <p:par>
-        <p:cTn id="1" dur="indefinite" restart="never" nodeType="tmRoot"/>
-      </p:par>
-    </p:tnLst>
-  </p:timing>
 </p:sldLayout>
 </file>
 
@@ -7401,35 +7313,35 @@
           <a:p>
             <a:pPr lvl="0"/>
             <a:r>
-              <a:rPr lang="sv-SE" smtClean="0"/>
+              <a:rPr lang="sv-SE"/>
               <a:t>Klicka här för att ändra format på bakgrundstexten</a:t>
             </a:r>
           </a:p>
           <a:p>
             <a:pPr lvl="1"/>
             <a:r>
-              <a:rPr lang="sv-SE" smtClean="0"/>
+              <a:rPr lang="sv-SE"/>
               <a:t>Nivå två</a:t>
             </a:r>
           </a:p>
           <a:p>
             <a:pPr lvl="2"/>
             <a:r>
-              <a:rPr lang="sv-SE" smtClean="0"/>
+              <a:rPr lang="sv-SE"/>
               <a:t>Nivå tre</a:t>
             </a:r>
           </a:p>
           <a:p>
             <a:pPr lvl="3"/>
             <a:r>
-              <a:rPr lang="sv-SE" smtClean="0"/>
+              <a:rPr lang="sv-SE"/>
               <a:t>Nivå fyra</a:t>
             </a:r>
           </a:p>
           <a:p>
             <a:pPr lvl="4"/>
             <a:r>
-              <a:rPr lang="sv-SE" smtClean="0"/>
+              <a:rPr lang="sv-SE"/>
               <a:t>Nivå fem</a:t>
             </a:r>
             <a:endParaRPr lang="nb-NO" dirty="0"/>
@@ -7463,10 +7375,9 @@
           <a:p>
             <a:pPr lvl="0"/>
             <a:r>
-              <a:rPr lang="en-US" noProof="0" dirty="0" smtClean="0"/>
+              <a:rPr lang="en-US" noProof="0" dirty="0"/>
               <a:t>Insert content</a:t>
             </a:r>
-            <a:endParaRPr lang="en-US" noProof="0" dirty="0"/>
           </a:p>
         </p:txBody>
       </p:sp>
@@ -7567,7 +7478,7 @@
           <a:lstStyle/>
           <a:p>
             <a:r>
-              <a:rPr lang="sv-SE" smtClean="0"/>
+              <a:rPr lang="sv-SE"/>
               <a:t>Klicka här för att ändra format</a:t>
             </a:r>
             <a:endParaRPr lang="nb-NO" dirty="0"/>
@@ -7608,10 +7519,9 @@
           <a:p>
             <a:pPr lvl="0"/>
             <a:r>
-              <a:rPr lang="en-US" noProof="0" dirty="0" smtClean="0"/>
+              <a:rPr lang="en-US" noProof="0" dirty="0"/>
               <a:t>Small title</a:t>
             </a:r>
-            <a:endParaRPr lang="en-US" noProof="0" dirty="0"/>
           </a:p>
         </p:txBody>
       </p:sp>
@@ -7625,13 +7535,6 @@
   <p:clrMapOvr>
     <a:masterClrMapping/>
   </p:clrMapOvr>
-  <p:timing>
-    <p:tnLst>
-      <p:par>
-        <p:cTn id="1" dur="indefinite" restart="never" nodeType="tmRoot"/>
-      </p:par>
-    </p:tnLst>
-  </p:timing>
 </p:sldLayout>
 </file>
 
@@ -7674,35 +7577,35 @@
           <a:p>
             <a:pPr lvl="0"/>
             <a:r>
-              <a:rPr lang="sv-SE" smtClean="0"/>
+              <a:rPr lang="sv-SE"/>
               <a:t>Klicka här för att ändra format på bakgrundstexten</a:t>
             </a:r>
           </a:p>
           <a:p>
             <a:pPr lvl="1"/>
             <a:r>
-              <a:rPr lang="sv-SE" smtClean="0"/>
+              <a:rPr lang="sv-SE"/>
               <a:t>Nivå två</a:t>
             </a:r>
           </a:p>
           <a:p>
             <a:pPr lvl="2"/>
             <a:r>
-              <a:rPr lang="sv-SE" smtClean="0"/>
+              <a:rPr lang="sv-SE"/>
               <a:t>Nivå tre</a:t>
             </a:r>
           </a:p>
           <a:p>
             <a:pPr lvl="3"/>
             <a:r>
-              <a:rPr lang="sv-SE" smtClean="0"/>
+              <a:rPr lang="sv-SE"/>
               <a:t>Nivå fyra</a:t>
             </a:r>
           </a:p>
           <a:p>
             <a:pPr lvl="4"/>
             <a:r>
-              <a:rPr lang="sv-SE" smtClean="0"/>
+              <a:rPr lang="sv-SE"/>
               <a:t>Nivå fem</a:t>
             </a:r>
             <a:endParaRPr lang="nb-NO" dirty="0"/>
@@ -7736,15 +7639,15 @@
           <a:p>
             <a:pPr lvl="0"/>
             <a:r>
-              <a:rPr lang="nb-NO" dirty="0" err="1" smtClean="0"/>
+              <a:rPr lang="nb-NO" dirty="0" err="1"/>
               <a:t>Insert</a:t>
             </a:r>
             <a:r>
-              <a:rPr lang="nb-NO" dirty="0" smtClean="0"/>
+              <a:rPr lang="nb-NO" dirty="0"/>
               <a:t> </a:t>
             </a:r>
             <a:r>
-              <a:rPr lang="nb-NO" dirty="0" err="1" smtClean="0"/>
+              <a:rPr lang="nb-NO" dirty="0" err="1"/>
               <a:t>content</a:t>
             </a:r>
             <a:endParaRPr lang="nb-NO" dirty="0"/>
@@ -7848,7 +7751,7 @@
           <a:lstStyle/>
           <a:p>
             <a:r>
-              <a:rPr lang="sv-SE" smtClean="0"/>
+              <a:rPr lang="sv-SE"/>
               <a:t>Klicka här för att ändra format</a:t>
             </a:r>
             <a:endParaRPr lang="nb-NO" dirty="0"/>
@@ -7889,10 +7792,9 @@
           <a:p>
             <a:pPr lvl="0"/>
             <a:r>
-              <a:rPr lang="en-US" noProof="0" dirty="0" smtClean="0"/>
+              <a:rPr lang="en-US" noProof="0" dirty="0"/>
               <a:t>Small title</a:t>
             </a:r>
-            <a:endParaRPr lang="en-US" noProof="0" dirty="0"/>
           </a:p>
         </p:txBody>
       </p:sp>
@@ -7906,13 +7808,6 @@
   <p:clrMapOvr>
     <a:masterClrMapping/>
   </p:clrMapOvr>
-  <p:timing>
-    <p:tnLst>
-      <p:par>
-        <p:cTn id="1" dur="indefinite" restart="never" nodeType="tmRoot"/>
-      </p:par>
-    </p:tnLst>
-  </p:timing>
 </p:sldLayout>
 </file>
 
@@ -7955,35 +7850,35 @@
           <a:p>
             <a:pPr lvl="0"/>
             <a:r>
-              <a:rPr lang="sv-SE" smtClean="0"/>
+              <a:rPr lang="sv-SE"/>
               <a:t>Klicka här för att ändra format på bakgrundstexten</a:t>
             </a:r>
           </a:p>
           <a:p>
             <a:pPr lvl="1"/>
             <a:r>
-              <a:rPr lang="sv-SE" smtClean="0"/>
+              <a:rPr lang="sv-SE"/>
               <a:t>Nivå två</a:t>
             </a:r>
           </a:p>
           <a:p>
             <a:pPr lvl="2"/>
             <a:r>
-              <a:rPr lang="sv-SE" smtClean="0"/>
+              <a:rPr lang="sv-SE"/>
               <a:t>Nivå tre</a:t>
             </a:r>
           </a:p>
           <a:p>
             <a:pPr lvl="3"/>
             <a:r>
-              <a:rPr lang="sv-SE" smtClean="0"/>
+              <a:rPr lang="sv-SE"/>
               <a:t>Nivå fyra</a:t>
             </a:r>
           </a:p>
           <a:p>
             <a:pPr lvl="4"/>
             <a:r>
-              <a:rPr lang="sv-SE" smtClean="0"/>
+              <a:rPr lang="sv-SE"/>
               <a:t>Nivå fem</a:t>
             </a:r>
             <a:endParaRPr lang="nb-NO" dirty="0"/>
@@ -8017,10 +7912,9 @@
           <a:p>
             <a:pPr lvl="0"/>
             <a:r>
-              <a:rPr lang="en-US" noProof="0" dirty="0" smtClean="0"/>
+              <a:rPr lang="en-US" noProof="0" dirty="0"/>
               <a:t>Insert content</a:t>
             </a:r>
-            <a:endParaRPr lang="en-US" noProof="0" dirty="0"/>
           </a:p>
         </p:txBody>
       </p:sp>
@@ -8051,10 +7945,9 @@
           <a:p>
             <a:pPr lvl="0"/>
             <a:r>
-              <a:rPr lang="en-US" noProof="0" dirty="0" smtClean="0"/>
+              <a:rPr lang="en-US" noProof="0" dirty="0"/>
               <a:t>Insert content</a:t>
             </a:r>
-            <a:endParaRPr lang="en-US" noProof="0" dirty="0"/>
           </a:p>
         </p:txBody>
       </p:sp>
@@ -8155,7 +8048,7 @@
           <a:lstStyle/>
           <a:p>
             <a:r>
-              <a:rPr lang="sv-SE" smtClean="0"/>
+              <a:rPr lang="sv-SE"/>
               <a:t>Klicka här för att ändra format</a:t>
             </a:r>
             <a:endParaRPr lang="nb-NO" dirty="0"/>
@@ -8196,10 +8089,9 @@
           <a:p>
             <a:pPr lvl="0"/>
             <a:r>
-              <a:rPr lang="en-US" noProof="0" dirty="0" smtClean="0"/>
+              <a:rPr lang="en-US" noProof="0" dirty="0"/>
               <a:t>Small title</a:t>
             </a:r>
-            <a:endParaRPr lang="en-US" noProof="0" dirty="0"/>
           </a:p>
         </p:txBody>
       </p:sp>
@@ -8213,13 +8105,6 @@
   <p:clrMapOvr>
     <a:masterClrMapping/>
   </p:clrMapOvr>
-  <p:timing>
-    <p:tnLst>
-      <p:par>
-        <p:cTn id="1" dur="indefinite" restart="never" nodeType="tmRoot"/>
-      </p:par>
-    </p:tnLst>
-  </p:timing>
 </p:sldLayout>
 </file>
 
@@ -8265,7 +8150,7 @@
           </a:lstStyle>
           <a:p>
             <a:r>
-              <a:rPr lang="sv-SE" smtClean="0"/>
+              <a:rPr lang="sv-SE"/>
               <a:t>Klicka här för att ändra format</a:t>
             </a:r>
             <a:endParaRPr lang="nb-NO" dirty="0"/>
@@ -8301,7 +8186,7 @@
           <a:p>
             <a:pPr lvl="0"/>
             <a:r>
-              <a:rPr lang="sv-SE" smtClean="0"/>
+              <a:rPr lang="sv-SE"/>
               <a:t>Klicka här för att ändra format på bakgrundstexten</a:t>
             </a:r>
           </a:p>
@@ -8393,13 +8278,6 @@
   <p:clrMapOvr>
     <a:masterClrMapping/>
   </p:clrMapOvr>
-  <p:timing>
-    <p:tnLst>
-      <p:par>
-        <p:cTn id="1" dur="indefinite" restart="never" nodeType="tmRoot"/>
-      </p:par>
-    </p:tnLst>
-  </p:timing>
 </p:sldLayout>
 </file>
 
@@ -8518,7 +8396,7 @@
           <a:p>
             <a:pPr lvl="0"/>
             <a:r>
-              <a:rPr lang="sv-SE" smtClean="0"/>
+              <a:rPr lang="sv-SE"/>
               <a:t>Klicka här för att ändra format på bakgrundstexten</a:t>
             </a:r>
           </a:p>
@@ -8553,7 +8431,7 @@
           </a:lstStyle>
           <a:p>
             <a:r>
-              <a:rPr lang="sv-SE" smtClean="0"/>
+              <a:rPr lang="sv-SE"/>
               <a:t>Klicka här för att ändra format</a:t>
             </a:r>
             <a:endParaRPr lang="nb-NO" dirty="0"/>
@@ -8614,7 +8492,7 @@
           <a:lstStyle/>
           <a:p>
             <a:pPr algn="ctr"/>
-            <a:endParaRPr lang="nb-NO" dirty="0" err="1" smtClean="0">
+            <a:endParaRPr lang="nb-NO" dirty="0" err="1">
               <a:solidFill>
                 <a:schemeClr val="accent5"/>
               </a:solidFill>
@@ -8738,13 +8616,6 @@
   <p:clrMapOvr>
     <a:masterClrMapping/>
   </p:clrMapOvr>
-  <p:timing>
-    <p:tnLst>
-      <p:par>
-        <p:cTn id="1" dur="indefinite" restart="never" nodeType="tmRoot"/>
-      </p:par>
-    </p:tnLst>
-  </p:timing>
 </p:sldLayout>
 </file>
 
@@ -8802,7 +8673,7 @@
           </a:lstStyle>
           <a:p>
             <a:r>
-              <a:rPr lang="sv-SE" smtClean="0"/>
+              <a:rPr lang="sv-SE"/>
               <a:t>Klicka här för att ändra format</a:t>
             </a:r>
             <a:endParaRPr lang="nb-NO" dirty="0"/>
@@ -8842,7 +8713,7 @@
           <a:p>
             <a:pPr lvl="0"/>
             <a:r>
-              <a:rPr lang="sv-SE" smtClean="0"/>
+              <a:rPr lang="sv-SE"/>
               <a:t>Klicka här för att ändra format på bakgrundstexten</a:t>
             </a:r>
           </a:p>
@@ -8937,7 +8808,7 @@
           <a:lstStyle/>
           <a:p>
             <a:pPr algn="ctr"/>
-            <a:endParaRPr lang="nb-NO" dirty="0" err="1" smtClean="0">
+            <a:endParaRPr lang="nb-NO" dirty="0" err="1">
               <a:solidFill>
                 <a:schemeClr val="accent5"/>
               </a:solidFill>
@@ -9061,13 +8932,6 @@
   <p:clrMapOvr>
     <a:masterClrMapping/>
   </p:clrMapOvr>
-  <p:timing>
-    <p:tnLst>
-      <p:par>
-        <p:cTn id="1" dur="indefinite" restart="never" nodeType="tmRoot"/>
-      </p:par>
-    </p:tnLst>
-  </p:timing>
 </p:sldLayout>
 </file>
 
@@ -9266,7 +9130,7 @@
           </a:lstStyle>
           <a:p>
             <a:r>
-              <a:rPr lang="en-US" dirty="0" smtClean="0"/>
+              <a:rPr lang="en-US" dirty="0"/>
               <a:t>Click to edit Master subtitle style</a:t>
             </a:r>
             <a:endParaRPr lang="nb-NO" dirty="0"/>
@@ -9340,7 +9204,7 @@
           </a:lstStyle>
           <a:p>
             <a:r>
-              <a:rPr lang="en-US" dirty="0" smtClean="0"/>
+              <a:rPr lang="en-US" dirty="0"/>
               <a:t>Click to edit Master title style</a:t>
             </a:r>
             <a:endParaRPr lang="nb-NO" dirty="0"/>
@@ -9401,7 +9265,7 @@
           <a:lstStyle/>
           <a:p>
             <a:pPr algn="ctr"/>
-            <a:endParaRPr lang="nb-NO" dirty="0" err="1" smtClean="0">
+            <a:endParaRPr lang="nb-NO" dirty="0" err="1">
               <a:solidFill>
                 <a:schemeClr val="accent5"/>
               </a:solidFill>
@@ -9490,13 +9354,6 @@
   <p:clrMapOvr>
     <a:masterClrMapping/>
   </p:clrMapOvr>
-  <p:timing>
-    <p:tnLst>
-      <p:par>
-        <p:cTn id="1" dur="indefinite" restart="never" nodeType="tmRoot"/>
-      </p:par>
-    </p:tnLst>
-  </p:timing>
 </p:sldLayout>
 </file>
 
@@ -9551,7 +9408,7 @@
           <a:lstStyle/>
           <a:p>
             <a:r>
-              <a:rPr lang="sv-SE" noProof="0" smtClean="0"/>
+              <a:rPr lang="sv-SE" noProof="0"/>
               <a:t>Klicka här för att ändra format</a:t>
             </a:r>
             <a:endParaRPr lang="en-US" noProof="0" dirty="0"/>
@@ -9585,35 +9442,35 @@
           <a:p>
             <a:pPr lvl="0"/>
             <a:r>
-              <a:rPr lang="sv-SE" noProof="0" smtClean="0"/>
+              <a:rPr lang="sv-SE" noProof="0"/>
               <a:t>Klicka här för att ändra format på bakgrundstexten</a:t>
             </a:r>
           </a:p>
           <a:p>
             <a:pPr lvl="1"/>
             <a:r>
-              <a:rPr lang="sv-SE" noProof="0" smtClean="0"/>
+              <a:rPr lang="sv-SE" noProof="0"/>
               <a:t>Nivå två</a:t>
             </a:r>
           </a:p>
           <a:p>
             <a:pPr lvl="2"/>
             <a:r>
-              <a:rPr lang="sv-SE" noProof="0" smtClean="0"/>
+              <a:rPr lang="sv-SE" noProof="0"/>
               <a:t>Nivå tre</a:t>
             </a:r>
           </a:p>
           <a:p>
             <a:pPr lvl="3"/>
             <a:r>
-              <a:rPr lang="sv-SE" noProof="0" smtClean="0"/>
+              <a:rPr lang="sv-SE" noProof="0"/>
               <a:t>Nivå fyra</a:t>
             </a:r>
           </a:p>
           <a:p>
             <a:pPr lvl="4"/>
             <a:r>
-              <a:rPr lang="sv-SE" noProof="0" smtClean="0"/>
+              <a:rPr lang="sv-SE" noProof="0"/>
               <a:t>Nivå fem</a:t>
             </a:r>
             <a:endParaRPr lang="en-US" noProof="0" dirty="0"/>
@@ -9785,7 +9642,7 @@
           <a:lstStyle/>
           <a:p>
             <a:pPr algn="ctr"/>
-            <a:endParaRPr lang="nb-NO" dirty="0" err="1" smtClean="0">
+            <a:endParaRPr lang="nb-NO" dirty="0" err="1">
               <a:solidFill>
                 <a:schemeClr val="accent5"/>
               </a:solidFill>
@@ -9842,13 +9699,6 @@
     <p:sldLayoutId id="2147483777" r:id="rId8"/>
     <p:sldLayoutId id="2147483827" r:id="rId9"/>
   </p:sldLayoutIdLst>
-  <p:timing>
-    <p:tnLst>
-      <p:par>
-        <p:cTn id="1" dur="indefinite" restart="never" nodeType="tmRoot"/>
-      </p:par>
-    </p:tnLst>
-  </p:timing>
   <p:hf hdr="0" dt="0"/>
   <p:txStyles>
     <p:titleStyle>
@@ -10176,10 +10026,9 @@
           <a:lstStyle/>
           <a:p>
             <a:r>
-              <a:rPr lang="en-US" noProof="0" dirty="0" smtClean="0"/>
+              <a:rPr lang="en-US" noProof="0" dirty="0"/>
               <a:t>Click to edit Master title style</a:t>
             </a:r>
-            <a:endParaRPr lang="en-US" noProof="0" dirty="0"/>
           </a:p>
         </p:txBody>
       </p:sp>
@@ -10210,38 +10059,37 @@
           <a:p>
             <a:pPr lvl="0"/>
             <a:r>
-              <a:rPr lang="en-US" noProof="0" dirty="0" smtClean="0"/>
+              <a:rPr lang="en-US" noProof="0" dirty="0"/>
               <a:t>Click to edit Master text styles</a:t>
             </a:r>
           </a:p>
           <a:p>
             <a:pPr lvl="1"/>
             <a:r>
-              <a:rPr lang="en-US" noProof="0" dirty="0" smtClean="0"/>
+              <a:rPr lang="en-US" noProof="0" dirty="0"/>
               <a:t>Second level</a:t>
             </a:r>
           </a:p>
           <a:p>
             <a:pPr lvl="2"/>
             <a:r>
-              <a:rPr lang="en-US" noProof="0" dirty="0" smtClean="0"/>
+              <a:rPr lang="en-US" noProof="0" dirty="0"/>
               <a:t>Third level</a:t>
             </a:r>
           </a:p>
           <a:p>
             <a:pPr lvl="3"/>
             <a:r>
-              <a:rPr lang="en-US" noProof="0" dirty="0" smtClean="0"/>
+              <a:rPr lang="en-US" noProof="0" dirty="0"/>
               <a:t>Fourth level</a:t>
             </a:r>
           </a:p>
           <a:p>
             <a:pPr lvl="4"/>
             <a:r>
-              <a:rPr lang="en-US" noProof="0" dirty="0" smtClean="0"/>
+              <a:rPr lang="en-US" noProof="0" dirty="0"/>
               <a:t>Fifth level</a:t>
             </a:r>
-            <a:endParaRPr lang="en-US" noProof="0" dirty="0"/>
           </a:p>
         </p:txBody>
       </p:sp>
@@ -10299,7 +10147,7 @@
           <a:lstStyle/>
           <a:p>
             <a:pPr algn="ctr"/>
-            <a:endParaRPr lang="nb-NO" dirty="0" err="1" smtClean="0">
+            <a:endParaRPr lang="nb-NO" dirty="0" err="1">
               <a:solidFill>
                 <a:schemeClr val="accent5"/>
               </a:solidFill>
@@ -10464,13 +10312,6 @@
     <p:sldLayoutId id="2147483784" r:id="rId5"/>
     <p:sldLayoutId id="2147483785" r:id="rId6"/>
   </p:sldLayoutIdLst>
-  <p:timing>
-    <p:tnLst>
-      <p:par>
-        <p:cTn id="1" dur="indefinite" restart="never" nodeType="tmRoot"/>
-      </p:par>
-    </p:tnLst>
-  </p:timing>
   <p:hf hdr="0" dt="0"/>
   <p:txStyles>
     <p:titleStyle>
@@ -10798,10 +10639,9 @@
           <a:lstStyle/>
           <a:p>
             <a:r>
-              <a:rPr lang="en-US" noProof="0" dirty="0" smtClean="0"/>
+              <a:rPr lang="en-US" noProof="0" dirty="0"/>
               <a:t>Click to edit Master title style</a:t>
             </a:r>
-            <a:endParaRPr lang="en-US" noProof="0" dirty="0"/>
           </a:p>
         </p:txBody>
       </p:sp>
@@ -10832,38 +10672,37 @@
           <a:p>
             <a:pPr lvl="0"/>
             <a:r>
-              <a:rPr lang="en-US" noProof="0" dirty="0" smtClean="0"/>
+              <a:rPr lang="en-US" noProof="0" dirty="0"/>
               <a:t>Click to edit Master text styles</a:t>
             </a:r>
           </a:p>
           <a:p>
             <a:pPr lvl="1"/>
             <a:r>
-              <a:rPr lang="en-US" noProof="0" dirty="0" smtClean="0"/>
+              <a:rPr lang="en-US" noProof="0" dirty="0"/>
               <a:t>Second level</a:t>
             </a:r>
           </a:p>
           <a:p>
             <a:pPr lvl="2"/>
             <a:r>
-              <a:rPr lang="en-US" noProof="0" dirty="0" smtClean="0"/>
+              <a:rPr lang="en-US" noProof="0" dirty="0"/>
               <a:t>Third level</a:t>
             </a:r>
           </a:p>
           <a:p>
             <a:pPr lvl="3"/>
             <a:r>
-              <a:rPr lang="en-US" noProof="0" dirty="0" smtClean="0"/>
+              <a:rPr lang="en-US" noProof="0" dirty="0"/>
               <a:t>Fourth level</a:t>
             </a:r>
           </a:p>
           <a:p>
             <a:pPr lvl="4"/>
             <a:r>
-              <a:rPr lang="en-US" noProof="0" dirty="0" smtClean="0"/>
+              <a:rPr lang="en-US" noProof="0" dirty="0"/>
               <a:t>Fifth level</a:t>
             </a:r>
-            <a:endParaRPr lang="en-US" noProof="0" dirty="0"/>
           </a:p>
         </p:txBody>
       </p:sp>
@@ -10921,7 +10760,7 @@
           <a:lstStyle/>
           <a:p>
             <a:pPr algn="ctr"/>
-            <a:endParaRPr lang="nb-NO" dirty="0" err="1" smtClean="0">
+            <a:endParaRPr lang="nb-NO" dirty="0" err="1">
               <a:solidFill>
                 <a:schemeClr val="accent5"/>
               </a:solidFill>
@@ -11084,13 +10923,6 @@
     <p:sldLayoutId id="2147483811" r:id="rId3"/>
     <p:sldLayoutId id="2147483812" r:id="rId4"/>
   </p:sldLayoutIdLst>
-  <p:timing>
-    <p:tnLst>
-      <p:par>
-        <p:cTn id="1" dur="indefinite" restart="never" nodeType="tmRoot"/>
-      </p:par>
-    </p:tnLst>
-  </p:timing>
   <p:hf hdr="0" dt="0"/>
   <p:txStyles>
     <p:titleStyle>
@@ -11412,10 +11244,9 @@
           <a:lstStyle/>
           <a:p>
             <a:r>
-              <a:rPr lang="en-US" noProof="0" dirty="0" smtClean="0"/>
+              <a:rPr lang="en-US" noProof="0" dirty="0"/>
               <a:t>Click to edit Master title style</a:t>
             </a:r>
-            <a:endParaRPr lang="en-US" noProof="0" dirty="0"/>
           </a:p>
         </p:txBody>
       </p:sp>
@@ -11446,38 +11277,37 @@
           <a:p>
             <a:pPr lvl="0"/>
             <a:r>
-              <a:rPr lang="en-US" noProof="0" dirty="0" smtClean="0"/>
+              <a:rPr lang="en-US" noProof="0" dirty="0"/>
               <a:t>Click to edit Master text styles</a:t>
             </a:r>
           </a:p>
           <a:p>
             <a:pPr lvl="1"/>
             <a:r>
-              <a:rPr lang="en-US" noProof="0" dirty="0" smtClean="0"/>
+              <a:rPr lang="en-US" noProof="0" dirty="0"/>
               <a:t>Second level</a:t>
             </a:r>
           </a:p>
           <a:p>
             <a:pPr lvl="2"/>
             <a:r>
-              <a:rPr lang="en-US" noProof="0" dirty="0" smtClean="0"/>
+              <a:rPr lang="en-US" noProof="0" dirty="0"/>
               <a:t>Third level</a:t>
             </a:r>
           </a:p>
           <a:p>
             <a:pPr lvl="3"/>
             <a:r>
-              <a:rPr lang="en-US" noProof="0" dirty="0" smtClean="0"/>
+              <a:rPr lang="en-US" noProof="0" dirty="0"/>
               <a:t>Fourth level</a:t>
             </a:r>
           </a:p>
           <a:p>
             <a:pPr lvl="4"/>
             <a:r>
-              <a:rPr lang="en-US" noProof="0" dirty="0" smtClean="0"/>
+              <a:rPr lang="en-US" noProof="0" dirty="0"/>
               <a:t>Fifth level</a:t>
             </a:r>
-            <a:endParaRPr lang="en-US" noProof="0" dirty="0"/>
           </a:p>
         </p:txBody>
       </p:sp>
@@ -11646,7 +11476,7 @@
           <a:lstStyle/>
           <a:p>
             <a:pPr algn="ctr"/>
-            <a:endParaRPr lang="nb-NO" dirty="0" err="1" smtClean="0">
+            <a:endParaRPr lang="nb-NO" dirty="0" err="1">
               <a:solidFill>
                 <a:schemeClr val="accent5"/>
               </a:solidFill>
@@ -11697,13 +11527,6 @@
     <p:sldLayoutId id="2147483816" r:id="rId2"/>
     <p:sldLayoutId id="2147483817" r:id="rId3"/>
   </p:sldLayoutIdLst>
-  <p:timing>
-    <p:tnLst>
-      <p:par>
-        <p:cTn id="1" dur="indefinite" restart="never" nodeType="tmRoot"/>
-      </p:par>
-    </p:tnLst>
-  </p:timing>
   <p:hf hdr="0" dt="0"/>
   <p:txStyles>
     <p:titleStyle>
@@ -12031,10 +11854,9 @@
           <a:lstStyle/>
           <a:p>
             <a:r>
-              <a:rPr lang="en-US" noProof="0" dirty="0" smtClean="0"/>
+              <a:rPr lang="en-US" noProof="0" dirty="0"/>
               <a:t>Click to edit Master title style</a:t>
             </a:r>
-            <a:endParaRPr lang="en-US" noProof="0" dirty="0"/>
           </a:p>
         </p:txBody>
       </p:sp>
@@ -12065,38 +11887,37 @@
           <a:p>
             <a:pPr lvl="0"/>
             <a:r>
-              <a:rPr lang="en-US" noProof="0" dirty="0" smtClean="0"/>
+              <a:rPr lang="en-US" noProof="0" dirty="0"/>
               <a:t>Click to edit Master text styles</a:t>
             </a:r>
           </a:p>
           <a:p>
             <a:pPr lvl="1"/>
             <a:r>
-              <a:rPr lang="en-US" noProof="0" dirty="0" smtClean="0"/>
+              <a:rPr lang="en-US" noProof="0" dirty="0"/>
               <a:t>Second level</a:t>
             </a:r>
           </a:p>
           <a:p>
             <a:pPr lvl="2"/>
             <a:r>
-              <a:rPr lang="en-US" noProof="0" dirty="0" smtClean="0"/>
+              <a:rPr lang="en-US" noProof="0" dirty="0"/>
               <a:t>Third level</a:t>
             </a:r>
           </a:p>
           <a:p>
             <a:pPr lvl="3"/>
             <a:r>
-              <a:rPr lang="en-US" noProof="0" dirty="0" smtClean="0"/>
+              <a:rPr lang="en-US" noProof="0" dirty="0"/>
               <a:t>Fourth level</a:t>
             </a:r>
           </a:p>
           <a:p>
             <a:pPr lvl="4"/>
             <a:r>
-              <a:rPr lang="en-US" noProof="0" dirty="0" smtClean="0"/>
+              <a:rPr lang="en-US" noProof="0" dirty="0"/>
               <a:t>Fifth level</a:t>
             </a:r>
-            <a:endParaRPr lang="en-US" noProof="0" dirty="0"/>
           </a:p>
         </p:txBody>
       </p:sp>
@@ -12154,7 +11975,7 @@
           <a:lstStyle/>
           <a:p>
             <a:pPr algn="ctr"/>
-            <a:endParaRPr lang="nb-NO" dirty="0" err="1" smtClean="0">
+            <a:endParaRPr lang="nb-NO" dirty="0" err="1">
               <a:solidFill>
                 <a:schemeClr val="accent5"/>
               </a:solidFill>
@@ -12319,13 +12140,6 @@
     <p:sldLayoutId id="2147483822" r:id="rId5"/>
     <p:sldLayoutId id="2147483826" r:id="rId6"/>
   </p:sldLayoutIdLst>
-  <p:timing>
-    <p:tnLst>
-      <p:par>
-        <p:cTn id="1" dur="indefinite" restart="never" nodeType="tmRoot"/>
-      </p:par>
-    </p:tnLst>
-  </p:timing>
   <p:hf hdr="0" dt="0"/>
   <p:txStyles>
     <p:titleStyle>
@@ -12653,10 +12467,9 @@
           <a:lstStyle/>
           <a:p>
             <a:r>
-              <a:rPr lang="sv-SE" sz="2400" dirty="0" smtClean="0"/>
+              <a:rPr lang="sv-SE" sz="2400" dirty="0"/>
               <a:t>System för strukturerad datafångst och datakommunikation</a:t>
             </a:r>
-            <a:endParaRPr lang="sv-SE" sz="2400" dirty="0"/>
           </a:p>
         </p:txBody>
       </p:sp>
@@ -12684,38 +12497,6 @@
           </a:p>
         </p:txBody>
       </p:sp>
-      <p:pic>
-        <p:nvPicPr>
-          <p:cNvPr id="6" name="Picture 6" descr="EyeDoc_med_text"/>
-          <p:cNvPicPr>
-            <a:picLocks noChangeAspect="1" noChangeArrowheads="1"/>
-          </p:cNvPicPr>
-          <p:nvPr/>
-        </p:nvPicPr>
-        <p:blipFill>
-          <a:blip r:embed="rId3" cstate="print"/>
-          <a:srcRect/>
-          <a:stretch>
-            <a:fillRect/>
-          </a:stretch>
-        </p:blipFill>
-        <p:spPr bwMode="auto">
-          <a:xfrm>
-            <a:off x="1536503" y="2132856"/>
-            <a:ext cx="5702300" cy="1038225"/>
-          </a:xfrm>
-          <a:prstGeom prst="rect">
-            <a:avLst/>
-          </a:prstGeom>
-          <a:noFill/>
-          <a:ln w="9525">
-            <a:noFill/>
-            <a:miter lim="800000"/>
-            <a:headEnd/>
-            <a:tailEnd/>
-          </a:ln>
-        </p:spPr>
-      </p:pic>
       <p:pic>
         <p:nvPicPr>
           <p:cNvPr id="7" name="Picture 8"/>
@@ -12725,7 +12506,7 @@
           <p:nvPr/>
         </p:nvPicPr>
         <p:blipFill>
-          <a:blip r:embed="rId4" cstate="print">
+          <a:blip r:embed="rId3" cstate="print">
             <a:extLst>
               <a:ext uri="{28A0092B-C50C-407E-A947-70E740481C1C}">
                 <a14:useLocalDpi xmlns:a14="http://schemas.microsoft.com/office/drawing/2010/main" val="0"/>
@@ -12755,7 +12536,7 @@
           <p:nvPr/>
         </p:nvPicPr>
         <p:blipFill>
-          <a:blip r:embed="rId5"/>
+          <a:blip r:embed="rId4"/>
           <a:stretch>
             <a:fillRect/>
           </a:stretch>
@@ -12817,7 +12598,7 @@
           <a:lstStyle/>
           <a:p>
             <a:pPr algn="ctr"/>
-            <a:endParaRPr lang="sv-SE" dirty="0" err="1" smtClean="0">
+            <a:endParaRPr lang="sv-SE" dirty="0" err="1">
               <a:solidFill>
                 <a:schemeClr val="accent5"/>
               </a:solidFill>
@@ -12865,15 +12646,15 @@
           <a:p>
             <a:pPr algn="r"/>
             <a:r>
-              <a:rPr lang="nb-NO" sz="2800" b="1" dirty="0" smtClean="0"/>
+              <a:rPr lang="nb-NO" sz="2800" b="1" dirty="0"/>
               <a:t>Utbildning – </a:t>
             </a:r>
             <a:r>
-              <a:rPr lang="nb-NO" sz="2800" b="1" dirty="0" err="1" smtClean="0"/>
+              <a:rPr lang="nb-NO" sz="2800" b="1" dirty="0" err="1"/>
               <a:t>Blankettproduktion</a:t>
             </a:r>
             <a:r>
-              <a:rPr lang="nb-NO" sz="2800" b="1" dirty="0" smtClean="0"/>
+              <a:rPr lang="nb-NO" sz="2800" b="1" dirty="0"/>
               <a:t> manus</a:t>
             </a:r>
           </a:p>
@@ -13056,17 +12837,41 @@
               <a:buNone/>
             </a:pPr>
             <a:r>
-              <a:rPr lang="nb-NO" sz="1900" b="1" dirty="0" smtClean="0">
+              <a:rPr lang="nb-NO" sz="1900" b="1" dirty="0">
                 <a:solidFill>
                   <a:srgbClr val="7E5FA8"/>
                 </a:solidFill>
                 <a:latin typeface="Arial Narrow" pitchFamily="34" charset="0"/>
               </a:rPr>
-              <a:t>2015-06-16</a:t>
-            </a:r>
-          </a:p>
-        </p:txBody>
-      </p:sp>
+              <a:t>2016-08-23</a:t>
+            </a:r>
+          </a:p>
+        </p:txBody>
+      </p:sp>
+      <p:pic>
+        <p:nvPicPr>
+          <p:cNvPr id="3" name="Picture 2"/>
+          <p:cNvPicPr>
+            <a:picLocks noChangeAspect="1"/>
+          </p:cNvPicPr>
+          <p:nvPr/>
+        </p:nvPicPr>
+        <p:blipFill>
+          <a:blip r:embed="rId5"/>
+          <a:stretch>
+            <a:fillRect/>
+          </a:stretch>
+        </p:blipFill>
+        <p:spPr>
+          <a:xfrm>
+            <a:off x="1979712" y="2130497"/>
+            <a:ext cx="4905375" cy="1038225"/>
+          </a:xfrm>
+          <a:prstGeom prst="rect">
+            <a:avLst/>
+          </a:prstGeom>
+        </p:spPr>
+      </p:pic>
     </p:spTree>
     <p:extLst>
       <p:ext uri="{BB962C8B-B14F-4D97-AF65-F5344CB8AC3E}">
@@ -13077,13 +12882,6 @@
   <p:clrMapOvr>
     <a:masterClrMapping/>
   </p:clrMapOvr>
-  <p:timing>
-    <p:tnLst>
-      <p:par>
-        <p:cTn id="1" dur="indefinite" restart="never" nodeType="tmRoot"/>
-      </p:par>
-    </p:tnLst>
-  </p:timing>
 </p:sld>
 </file>
 
@@ -13121,21 +12919,13 @@
           <a:p>
             <a:r>
               <a:rPr lang="sv-SE" dirty="0"/>
-              <a:t>Blankettens layout överensstämmer med </a:t>
-            </a:r>
-            <a:r>
-              <a:rPr lang="sv-SE" dirty="0" smtClean="0"/>
-              <a:t>ett standardutseende</a:t>
-            </a:r>
-          </a:p>
-          <a:p>
-            <a:r>
-              <a:rPr lang="sv-SE" dirty="0" smtClean="0"/>
-              <a:t>Typsnitt </a:t>
-            </a:r>
+              <a:t>Blankettens layout överensstämmer med ett standardutseende</a:t>
+            </a:r>
+          </a:p>
+          <a:p>
             <a:r>
               <a:rPr lang="sv-SE" dirty="0"/>
-              <a:t>och stilar är rätt</a:t>
+              <a:t>Typsnitt och stilar är rätt</a:t>
             </a:r>
           </a:p>
           <a:p>
@@ -13176,21 +12966,13 @@
           <a:p>
             <a:r>
               <a:rPr lang="sv-SE" dirty="0"/>
-              <a:t>Hur ska blanketten se ut</a:t>
-            </a:r>
-            <a:r>
-              <a:rPr lang="sv-SE" dirty="0" smtClean="0"/>
-              <a:t>?</a:t>
-            </a:r>
-          </a:p>
-          <a:p>
-            <a:r>
-              <a:rPr lang="sv-SE" dirty="0" smtClean="0"/>
-              <a:t>Ser </a:t>
-            </a:r>
+              <a:t>Hur ska blanketten se ut?</a:t>
+            </a:r>
+          </a:p>
+          <a:p>
             <a:r>
               <a:rPr lang="sv-SE" dirty="0"/>
-              <a:t>blanketten tillräckligt bra ut, eller vad behöver förbättras?</a:t>
+              <a:t>Ser blanketten tillräckligt bra ut, eller vad behöver förbättras?</a:t>
             </a:r>
           </a:p>
           <a:p>
@@ -13202,13 +12984,8 @@
           <a:p>
             <a:r>
               <a:rPr lang="sv-SE" dirty="0"/>
-              <a:t>Finns blanketten i EyeDoc sedan tidigare</a:t>
-            </a:r>
-            <a:r>
-              <a:rPr lang="sv-SE" dirty="0" smtClean="0"/>
-              <a:t>?</a:t>
-            </a:r>
-            <a:endParaRPr lang="sv-SE" dirty="0"/>
+              <a:t>Finns blanketten i EyeDoc sedan tidigare?</a:t>
+            </a:r>
           </a:p>
         </p:txBody>
       </p:sp>
@@ -13271,7 +13048,7 @@
           <a:lstStyle/>
           <a:p>
             <a:r>
-              <a:rPr lang="sv-SE" dirty="0" smtClean="0"/>
+              <a:rPr lang="sv-SE" dirty="0"/>
               <a:t>Layout</a:t>
             </a:r>
             <a:endParaRPr lang="en-US" dirty="0"/>
@@ -13295,11 +13072,7 @@
           <a:p>
             <a:r>
               <a:rPr lang="sv-SE" dirty="0"/>
-              <a:t>Blankettutbildning - </a:t>
-            </a:r>
-            <a:r>
-              <a:rPr lang="sv-SE" dirty="0" smtClean="0"/>
-              <a:t>Manus</a:t>
+              <a:t>Blankettutbildning - Manus</a:t>
             </a:r>
             <a:endParaRPr lang="en-US" dirty="0"/>
           </a:p>
@@ -13315,13 +13088,6 @@
   <p:clrMapOvr>
     <a:masterClrMapping/>
   </p:clrMapOvr>
-  <p:timing>
-    <p:tnLst>
-      <p:par>
-        <p:cTn id="1" dur="indefinite" restart="never" nodeType="tmRoot"/>
-      </p:par>
-    </p:tnLst>
-  </p:timing>
 </p:sld>
 </file>
 
@@ -13358,44 +13124,44 @@
           <a:lstStyle/>
           <a:p>
             <a:r>
-              <a:rPr lang="sv-SE" dirty="0" smtClean="0"/>
+              <a:rPr lang="sv-SE" dirty="0"/>
               <a:t>XPS innehåller alltid specialgenererade fonter</a:t>
             </a:r>
           </a:p>
           <a:p>
             <a:r>
-              <a:rPr lang="sv-SE" dirty="0" smtClean="0"/>
+              <a:rPr lang="sv-SE" dirty="0"/>
               <a:t>Dessa kan inte användas i en EyeDoc blankett</a:t>
             </a:r>
           </a:p>
           <a:p>
             <a:r>
-              <a:rPr lang="sv-SE" dirty="0" smtClean="0"/>
+              <a:rPr lang="sv-SE" dirty="0"/>
               <a:t>Dessa ersätts därför vid produktion med fonter implementerade i </a:t>
             </a:r>
             <a:r>
-              <a:rPr lang="sv-SE" dirty="0" err="1" smtClean="0"/>
+              <a:rPr lang="sv-SE" dirty="0" err="1"/>
               <a:t>EyeDoc</a:t>
             </a:r>
             <a:r>
-              <a:rPr lang="sv-SE" dirty="0" smtClean="0"/>
+              <a:rPr lang="sv-SE" dirty="0"/>
               <a:t> Forms</a:t>
             </a:r>
           </a:p>
           <a:p>
             <a:r>
-              <a:rPr lang="sv-SE" dirty="0" smtClean="0"/>
+              <a:rPr lang="sv-SE" dirty="0"/>
               <a:t>Vilket säkerställer utseende på skärm och vid utskrift</a:t>
             </a:r>
           </a:p>
           <a:p>
             <a:r>
-              <a:rPr lang="sv-SE" dirty="0" smtClean="0"/>
+              <a:rPr lang="sv-SE" dirty="0"/>
               <a:t>Systemfonter kan användas</a:t>
             </a:r>
           </a:p>
           <a:p>
-            <a:endParaRPr lang="sv-SE" dirty="0" smtClean="0"/>
+            <a:endParaRPr lang="sv-SE" dirty="0"/>
           </a:p>
         </p:txBody>
       </p:sp>
@@ -13418,26 +13184,25 @@
               <a:buNone/>
             </a:pPr>
             <a:r>
-              <a:rPr lang="sv-SE" u="sng" dirty="0" smtClean="0"/>
+              <a:rPr lang="sv-SE" u="sng" dirty="0"/>
               <a:t>Följande fonter finns idag:</a:t>
             </a:r>
           </a:p>
           <a:p>
             <a:r>
-              <a:rPr lang="en-US" dirty="0" smtClean="0"/>
+              <a:rPr lang="en-US" dirty="0"/>
               <a:t>Arial</a:t>
             </a:r>
           </a:p>
           <a:p>
             <a:r>
-              <a:rPr lang="en-US" dirty="0" smtClean="0"/>
+              <a:rPr lang="en-US" dirty="0"/>
               <a:t>Times</a:t>
             </a:r>
-            <a:endParaRPr lang="en-US" dirty="0"/>
-          </a:p>
-          <a:p>
-            <a:r>
-              <a:rPr lang="en-US" dirty="0" smtClean="0"/>
+          </a:p>
+          <a:p>
+            <a:r>
+              <a:rPr lang="en-US" dirty="0"/>
               <a:t>Verdana</a:t>
             </a:r>
             <a:endParaRPr lang="sv-SE" dirty="0"/>
@@ -13458,21 +13223,13 @@
           </a:p>
           <a:p>
             <a:r>
-              <a:rPr lang="sv-SE" dirty="0" smtClean="0"/>
-              <a:t>Samt variationer </a:t>
-            </a:r>
-            <a:r>
               <a:rPr lang="sv-SE" dirty="0"/>
-              <a:t>av </a:t>
-            </a:r>
-            <a:r>
-              <a:rPr lang="sv-SE" dirty="0" smtClean="0"/>
-              <a:t>fet och kursiv</a:t>
-            </a:r>
-          </a:p>
-          <a:p>
-            <a:r>
-              <a:rPr lang="sv-SE" dirty="0" smtClean="0"/>
+              <a:t>Samt variationer av fet och kursiv</a:t>
+            </a:r>
+          </a:p>
+          <a:p>
+            <a:r>
+              <a:rPr lang="sv-SE" dirty="0"/>
               <a:t>Vid intresse skulle det gå att lägga till fler</a:t>
             </a:r>
           </a:p>
@@ -13537,10 +13294,9 @@
           <a:lstStyle/>
           <a:p>
             <a:r>
-              <a:rPr lang="sv-SE" dirty="0" smtClean="0"/>
+              <a:rPr lang="sv-SE" dirty="0"/>
               <a:t>Fonter</a:t>
             </a:r>
-            <a:endParaRPr lang="sv-SE" dirty="0"/>
           </a:p>
         </p:txBody>
       </p:sp>
@@ -13560,10 +13316,9 @@
           <a:lstStyle/>
           <a:p>
             <a:r>
-              <a:rPr lang="sv-SE" dirty="0" smtClean="0"/>
+              <a:rPr lang="sv-SE" dirty="0"/>
               <a:t>EyeDoc</a:t>
             </a:r>
-            <a:endParaRPr lang="sv-SE" dirty="0"/>
           </a:p>
         </p:txBody>
       </p:sp>
@@ -13577,13 +13332,6 @@
   <p:clrMapOvr>
     <a:masterClrMapping/>
   </p:clrMapOvr>
-  <p:timing>
-    <p:tnLst>
-      <p:par>
-        <p:cTn id="1" dur="indefinite" restart="never" nodeType="tmRoot"/>
-      </p:par>
-    </p:tnLst>
-  </p:timing>
 </p:sld>
 </file>
 
@@ -13689,27 +13437,27 @@
           <a:lstStyle/>
           <a:p>
             <a:r>
-              <a:rPr lang="en-US" dirty="0" smtClean="0"/>
+              <a:rPr lang="en-US" dirty="0"/>
               <a:t>Layout - </a:t>
             </a:r>
             <a:r>
-              <a:rPr lang="en-US" dirty="0" err="1" smtClean="0"/>
+              <a:rPr lang="en-US" dirty="0" err="1"/>
               <a:t>Före</a:t>
             </a:r>
             <a:r>
-              <a:rPr lang="en-US" dirty="0" smtClean="0"/>
+              <a:rPr lang="en-US" dirty="0"/>
               <a:t> </a:t>
             </a:r>
             <a:r>
-              <a:rPr lang="en-US" dirty="0" err="1" smtClean="0"/>
+              <a:rPr lang="en-US" dirty="0" err="1"/>
               <a:t>och</a:t>
             </a:r>
             <a:r>
-              <a:rPr lang="en-US" dirty="0" smtClean="0"/>
+              <a:rPr lang="en-US" dirty="0"/>
               <a:t> </a:t>
             </a:r>
             <a:r>
-              <a:rPr lang="en-US" dirty="0" err="1" smtClean="0"/>
+              <a:rPr lang="en-US" dirty="0" err="1"/>
               <a:t>efter</a:t>
             </a:r>
             <a:endParaRPr lang="en-US" dirty="0"/>
@@ -13733,11 +13481,7 @@
           <a:p>
             <a:r>
               <a:rPr lang="sv-SE" dirty="0"/>
-              <a:t>Blankettutbildning - </a:t>
-            </a:r>
-            <a:r>
-              <a:rPr lang="sv-SE" dirty="0" smtClean="0"/>
-              <a:t>Manus</a:t>
+              <a:t>Blankettutbildning - Manus</a:t>
             </a:r>
             <a:endParaRPr lang="en-US" dirty="0"/>
           </a:p>
@@ -13779,13 +13523,6 @@
   <p:clrMapOvr>
     <a:masterClrMapping/>
   </p:clrMapOvr>
-  <p:timing>
-    <p:tnLst>
-      <p:par>
-        <p:cTn id="1" dur="indefinite" restart="never" nodeType="tmRoot"/>
-      </p:par>
-    </p:tnLst>
-  </p:timing>
 </p:sld>
 </file>
 
@@ -13977,13 +13714,6 @@
   <p:clrMapOvr>
     <a:masterClrMapping/>
   </p:clrMapOvr>
-  <p:timing>
-    <p:tnLst>
-      <p:par>
-        <p:cTn id="1" dur="indefinite" restart="never" nodeType="tmRoot"/>
-      </p:par>
-    </p:tnLst>
-  </p:timing>
 </p:sld>
 </file>
 
@@ -14175,13 +13905,6 @@
   <p:clrMapOvr>
     <a:masterClrMapping/>
   </p:clrMapOvr>
-  <p:timing>
-    <p:tnLst>
-      <p:par>
-        <p:cTn id="1" dur="indefinite" restart="never" nodeType="tmRoot"/>
-      </p:par>
-    </p:tnLst>
-  </p:timing>
 </p:sld>
 </file>
 
@@ -14373,13 +14096,6 @@
   <p:clrMapOvr>
     <a:masterClrMapping/>
   </p:clrMapOvr>
-  <p:timing>
-    <p:tnLst>
-      <p:par>
-        <p:cTn id="1" dur="indefinite" restart="never" nodeType="tmRoot"/>
-      </p:par>
-    </p:tnLst>
-  </p:timing>
 </p:sld>
 </file>
 
@@ -14457,7 +14173,7 @@
           <a:lstStyle/>
           <a:p>
             <a:r>
-              <a:rPr lang="sv-SE" dirty="0" smtClean="0"/>
+              <a:rPr lang="sv-SE" dirty="0"/>
               <a:t>Ifyllnad</a:t>
             </a:r>
             <a:endParaRPr lang="en-US" dirty="0"/>
@@ -14498,13 +14214,6 @@
   <p:clrMapOvr>
     <a:masterClrMapping/>
   </p:clrMapOvr>
-  <p:timing>
-    <p:tnLst>
-      <p:par>
-        <p:cTn id="1" dur="indefinite" restart="never" nodeType="tmRoot"/>
-      </p:par>
-    </p:tnLst>
-  </p:timing>
 </p:sld>
 </file>
 
@@ -14548,13 +14257,8 @@
           <a:p>
             <a:r>
               <a:rPr lang="sv-SE" dirty="0"/>
-              <a:t>Vad är det för </a:t>
-            </a:r>
-            <a:r>
-              <a:rPr lang="sv-SE" dirty="0" smtClean="0"/>
-              <a:t>data som ska fyllas i?</a:t>
-            </a:r>
-            <a:endParaRPr lang="sv-SE" dirty="0"/>
+              <a:t>Vad är det för data som ska fyllas i?</a:t>
+            </a:r>
           </a:p>
           <a:p>
             <a:r>
@@ -14565,24 +14269,16 @@
           <a:p>
             <a:r>
               <a:rPr lang="sv-SE" dirty="0"/>
-              <a:t>Förenklande funktioner som kan hjälpa användaren</a:t>
-            </a:r>
-            <a:r>
-              <a:rPr lang="sv-SE" dirty="0" smtClean="0"/>
-              <a:t>?</a:t>
+              <a:t>Förenklande funktioner som kan hjälpa användaren?</a:t>
             </a:r>
           </a:p>
           <a:p>
             <a:r>
               <a:rPr lang="sv-SE" dirty="0"/>
-              <a:t>Element som inte har en egen </a:t>
-            </a:r>
-            <a:r>
-              <a:rPr lang="sv-SE" dirty="0" smtClean="0"/>
-              <a:t>ledtext kan ha en </a:t>
-            </a:r>
-            <a:r>
-              <a:rPr lang="sv-SE" dirty="0" err="1" smtClean="0"/>
+              <a:t>Element som inte har en egen ledtext kan ha en </a:t>
+            </a:r>
+            <a:r>
+              <a:rPr lang="sv-SE" dirty="0" err="1"/>
               <a:t>tooltip</a:t>
             </a:r>
             <a:endParaRPr lang="sv-SE" dirty="0"/>
@@ -14631,11 +14327,7 @@
             <a:pPr lvl="1"/>
             <a:r>
               <a:rPr lang="sv-SE" dirty="0"/>
-              <a:t>Ska blanketten göra något speciellt i en process och då enl. vilka regler</a:t>
-            </a:r>
-            <a:r>
-              <a:rPr lang="sv-SE" dirty="0" smtClean="0"/>
-              <a:t>?</a:t>
+              <a:t>Ska blanketten göra något speciellt i en process och då enl. vilka regler?</a:t>
             </a:r>
           </a:p>
           <a:p>
@@ -14649,11 +14341,7 @@
             <a:pPr lvl="1"/>
             <a:r>
               <a:rPr lang="sv-SE" dirty="0"/>
-              <a:t>Vad är syftet med fältet</a:t>
-            </a:r>
-            <a:r>
-              <a:rPr lang="sv-SE" dirty="0" smtClean="0"/>
-              <a:t>?</a:t>
+              <a:t>Vad är syftet med fältet?</a:t>
             </a:r>
           </a:p>
           <a:p>
@@ -14720,7 +14408,7 @@
           <a:lstStyle/>
           <a:p>
             <a:r>
-              <a:rPr lang="en-US" dirty="0" err="1" smtClean="0"/>
+              <a:rPr lang="en-US" dirty="0" err="1"/>
               <a:t>Ifyllnad</a:t>
             </a:r>
             <a:endParaRPr lang="en-US" dirty="0"/>
@@ -14760,13 +14448,6 @@
   <p:clrMapOvr>
     <a:masterClrMapping/>
   </p:clrMapOvr>
-  <p:timing>
-    <p:tnLst>
-      <p:par>
-        <p:cTn id="1" dur="indefinite" restart="never" nodeType="tmRoot"/>
-      </p:par>
-    </p:tnLst>
-  </p:timing>
 </p:sld>
 </file>
 
@@ -14803,43 +14484,42 @@
           <a:lstStyle/>
           <a:p>
             <a:r>
-              <a:rPr lang="sv-SE" dirty="0" smtClean="0"/>
+              <a:rPr lang="sv-SE" dirty="0"/>
               <a:t>Det är i dessa som användaren sen fyller i data som ska fångas in i just denna mall</a:t>
             </a:r>
           </a:p>
           <a:p>
             <a:r>
-              <a:rPr lang="sv-SE" dirty="0" smtClean="0"/>
+              <a:rPr lang="sv-SE" dirty="0"/>
               <a:t>Genom att välja rätt, hjälper vi användaren i sitt arbete och höjer kvaliteten på fångad data</a:t>
             </a:r>
           </a:p>
           <a:p>
             <a:r>
-              <a:rPr lang="sv-SE" dirty="0" smtClean="0"/>
+              <a:rPr lang="sv-SE" dirty="0"/>
               <a:t>Viktigt att tänka på relationer mellan fält</a:t>
             </a:r>
           </a:p>
           <a:p>
             <a:pPr lvl="1"/>
             <a:r>
-              <a:rPr lang="sv-SE" dirty="0" smtClean="0"/>
+              <a:rPr lang="sv-SE" dirty="0"/>
               <a:t>Hör de ihop</a:t>
             </a:r>
           </a:p>
           <a:p>
             <a:pPr lvl="1"/>
             <a:r>
-              <a:rPr lang="sv-SE" dirty="0" smtClean="0"/>
+              <a:rPr lang="sv-SE" dirty="0"/>
               <a:t>Påverkar de varandra</a:t>
             </a:r>
           </a:p>
           <a:p>
             <a:pPr lvl="1"/>
             <a:r>
-              <a:rPr lang="sv-SE" dirty="0" smtClean="0"/>
+              <a:rPr lang="sv-SE" dirty="0"/>
               <a:t>Vilken är den mest naturliga ifyllnadsordningen</a:t>
             </a:r>
-            <a:endParaRPr lang="sv-SE" dirty="0"/>
           </a:p>
         </p:txBody>
       </p:sp>
@@ -14862,92 +14542,92 @@
               <a:buNone/>
             </a:pPr>
             <a:r>
-              <a:rPr lang="sv-SE" u="sng" dirty="0" smtClean="0"/>
+              <a:rPr lang="sv-SE" u="sng" dirty="0"/>
               <a:t>Typer av fält:</a:t>
             </a:r>
           </a:p>
           <a:p>
             <a:pPr lvl="1"/>
             <a:r>
-              <a:rPr lang="sv-SE" dirty="0" smtClean="0"/>
+              <a:rPr lang="sv-SE" dirty="0"/>
               <a:t>Enradiga textfält</a:t>
             </a:r>
           </a:p>
           <a:p>
             <a:pPr lvl="1"/>
             <a:r>
-              <a:rPr lang="sv-SE" dirty="0" smtClean="0"/>
+              <a:rPr lang="sv-SE" dirty="0"/>
               <a:t>Numeriska fält</a:t>
             </a:r>
           </a:p>
           <a:p>
             <a:pPr lvl="1"/>
             <a:r>
-              <a:rPr lang="sv-SE" dirty="0" smtClean="0"/>
+              <a:rPr lang="sv-SE" dirty="0"/>
               <a:t>Datum/tid</a:t>
             </a:r>
           </a:p>
           <a:p>
             <a:pPr lvl="1"/>
             <a:r>
-              <a:rPr lang="sv-SE" dirty="0" smtClean="0"/>
+              <a:rPr lang="sv-SE" dirty="0"/>
               <a:t>Personnr</a:t>
             </a:r>
           </a:p>
           <a:p>
             <a:pPr lvl="1"/>
             <a:r>
-              <a:rPr lang="sv-SE" dirty="0" err="1" smtClean="0"/>
+              <a:rPr lang="sv-SE" dirty="0" err="1"/>
               <a:t>Flerval</a:t>
             </a:r>
             <a:r>
-              <a:rPr lang="sv-SE" dirty="0" smtClean="0"/>
+              <a:rPr lang="sv-SE" dirty="0"/>
               <a:t>/</a:t>
             </a:r>
             <a:r>
-              <a:rPr lang="sv-SE" dirty="0" err="1" smtClean="0"/>
+              <a:rPr lang="sv-SE" dirty="0" err="1"/>
               <a:t>enval</a:t>
             </a:r>
-            <a:endParaRPr lang="sv-SE" dirty="0" smtClean="0"/>
+            <a:endParaRPr lang="sv-SE" dirty="0"/>
           </a:p>
           <a:p>
             <a:pPr lvl="1"/>
             <a:r>
-              <a:rPr lang="sv-SE" dirty="0" smtClean="0"/>
+              <a:rPr lang="sv-SE" dirty="0"/>
               <a:t>Fritextfält</a:t>
             </a:r>
           </a:p>
           <a:p>
             <a:pPr lvl="1"/>
             <a:r>
-              <a:rPr lang="sv-SE" dirty="0" smtClean="0"/>
+              <a:rPr lang="sv-SE" dirty="0"/>
               <a:t>Textruta (text som ej kan redigeras)</a:t>
             </a:r>
           </a:p>
           <a:p>
             <a:pPr lvl="1"/>
             <a:r>
-              <a:rPr lang="sv-SE" dirty="0" smtClean="0"/>
+              <a:rPr lang="sv-SE" dirty="0"/>
               <a:t>M.fl.</a:t>
             </a:r>
           </a:p>
           <a:p>
             <a:r>
-              <a:rPr lang="sv-SE" dirty="0" smtClean="0"/>
+              <a:rPr lang="sv-SE" dirty="0"/>
               <a:t>Fält som hör ihop syns ofta i mallen:</a:t>
             </a:r>
           </a:p>
           <a:p>
             <a:pPr lvl="1"/>
             <a:r>
-              <a:rPr lang="sv-SE" dirty="0" smtClean="0"/>
+              <a:rPr lang="sv-SE" dirty="0"/>
               <a:t>Med ramar</a:t>
             </a:r>
           </a:p>
           <a:p>
             <a:pPr lvl="1"/>
             <a:r>
-              <a:rPr lang="sv-SE" dirty="0" smtClean="0"/>
+              <a:rPr lang="sv-SE" dirty="0"/>
               <a:t>Ligger grupperade</a:t>
             </a:r>
           </a:p>
@@ -15018,10 +14698,9 @@
           <a:lstStyle/>
           <a:p>
             <a:r>
-              <a:rPr lang="sv-SE" dirty="0" smtClean="0"/>
+              <a:rPr lang="sv-SE" dirty="0"/>
               <a:t>Ifyllnad - Fält</a:t>
             </a:r>
-            <a:endParaRPr lang="sv-SE" dirty="0"/>
           </a:p>
         </p:txBody>
       </p:sp>
@@ -15057,13 +14736,6 @@
   <p:clrMapOvr>
     <a:masterClrMapping/>
   </p:clrMapOvr>
-  <p:timing>
-    <p:tnLst>
-      <p:par>
-        <p:cTn id="1" dur="indefinite" restart="never" nodeType="tmRoot"/>
-      </p:par>
-    </p:tnLst>
-  </p:timing>
 </p:sld>
 </file>
 
@@ -15100,22 +14772,21 @@
           <a:lstStyle/>
           <a:p>
             <a:r>
-              <a:rPr lang="sv-SE" dirty="0" smtClean="0"/>
+              <a:rPr lang="sv-SE" dirty="0"/>
               <a:t>Grundläggande validering av värdets typ (text, nummer, kryssruta, o.s.v.) som säkerställer att värdet går att spara</a:t>
             </a:r>
           </a:p>
           <a:p>
             <a:r>
-              <a:rPr lang="sv-SE" dirty="0" smtClean="0"/>
+              <a:rPr lang="sv-SE" dirty="0"/>
               <a:t>Utökande valideringar för att kontrollera att ett värde har ett visst format/är inom ett visst intervall</a:t>
             </a:r>
           </a:p>
           <a:p>
             <a:r>
-              <a:rPr lang="sv-SE" dirty="0" smtClean="0"/>
+              <a:rPr lang="sv-SE" dirty="0"/>
               <a:t>Obligatoriska fält, som kan vara beroende av val i andra fält</a:t>
             </a:r>
-            <a:endParaRPr lang="sv-SE" dirty="0"/>
           </a:p>
         </p:txBody>
       </p:sp>
@@ -15135,55 +14806,45 @@
           <a:lstStyle/>
           <a:p>
             <a:r>
-              <a:rPr lang="sv-SE" u="sng" dirty="0" smtClean="0"/>
+              <a:rPr lang="sv-SE" u="sng" dirty="0"/>
               <a:t>Exempel på valideringar</a:t>
             </a:r>
           </a:p>
           <a:p>
             <a:r>
-              <a:rPr lang="sv-SE" dirty="0" smtClean="0"/>
+              <a:rPr lang="sv-SE" dirty="0"/>
               <a:t>Min/max värde</a:t>
             </a:r>
-            <a:endParaRPr lang="sv-SE" dirty="0"/>
           </a:p>
           <a:p>
             <a:r>
               <a:rPr lang="sv-SE" dirty="0"/>
-              <a:t>Min/max antal </a:t>
-            </a:r>
-            <a:r>
-              <a:rPr lang="sv-SE" dirty="0" smtClean="0"/>
-              <a:t>valda kryssrutor</a:t>
-            </a:r>
-          </a:p>
-          <a:p>
-            <a:r>
-              <a:rPr lang="sv-SE" dirty="0" smtClean="0"/>
+              <a:t>Min/max antal valda kryssrutor</a:t>
+            </a:r>
+          </a:p>
+          <a:p>
+            <a:r>
+              <a:rPr lang="sv-SE" dirty="0"/>
               <a:t>Personnummer</a:t>
             </a:r>
           </a:p>
           <a:p>
             <a:r>
-              <a:rPr lang="sv-SE" dirty="0" smtClean="0"/>
+              <a:rPr lang="sv-SE" dirty="0"/>
               <a:t>Datumintervall</a:t>
             </a:r>
           </a:p>
           <a:p>
             <a:r>
               <a:rPr lang="sv-SE" dirty="0"/>
-              <a:t>Obligatoriska </a:t>
-            </a:r>
-            <a:r>
-              <a:rPr lang="sv-SE" dirty="0" smtClean="0"/>
-              <a:t>fält</a:t>
-            </a:r>
-          </a:p>
-          <a:p>
-            <a:r>
-              <a:rPr lang="sv-SE" dirty="0" smtClean="0"/>
+              <a:t>Obligatoriska fält</a:t>
+            </a:r>
+          </a:p>
+          <a:p>
+            <a:r>
+              <a:rPr lang="sv-SE" dirty="0"/>
               <a:t>Reguljära uttryck</a:t>
             </a:r>
-            <a:endParaRPr lang="sv-SE" dirty="0"/>
           </a:p>
         </p:txBody>
       </p:sp>
@@ -15246,10 +14907,9 @@
           <a:lstStyle/>
           <a:p>
             <a:r>
-              <a:rPr lang="sv-SE" dirty="0" smtClean="0"/>
+              <a:rPr lang="sv-SE" dirty="0"/>
               <a:t>Ifyllnad - Validering</a:t>
             </a:r>
-            <a:endParaRPr lang="sv-SE" dirty="0"/>
           </a:p>
         </p:txBody>
       </p:sp>
@@ -15285,13 +14945,6 @@
   <p:clrMapOvr>
     <a:masterClrMapping/>
   </p:clrMapOvr>
-  <p:timing>
-    <p:tnLst>
-      <p:par>
-        <p:cTn id="1" dur="indefinite" restart="never" nodeType="tmRoot"/>
-      </p:par>
-    </p:tnLst>
-  </p:timing>
 </p:sld>
 </file>
 
@@ -15348,36 +15001,30 @@
           <a:p>
             <a:r>
               <a:rPr lang="sv-SE" dirty="0"/>
-              <a:t>Blankettutbildning - </a:t>
-            </a:r>
-            <a:r>
-              <a:rPr lang="sv-SE" dirty="0" smtClean="0"/>
+              <a:t>Blankettutbildning - Manus</a:t>
+            </a:r>
+          </a:p>
+        </p:txBody>
+      </p:sp>
+      <p:sp>
+        <p:nvSpPr>
+          <p:cNvPr id="3" name="Rubrik 2"/>
+          <p:cNvSpPr>
+            <a:spLocks noGrp="1"/>
+          </p:cNvSpPr>
+          <p:nvPr>
+            <p:ph type="ctrTitle"/>
+          </p:nvPr>
+        </p:nvSpPr>
+        <p:spPr/>
+        <p:txBody>
+          <a:bodyPr/>
+          <a:lstStyle/>
+          <a:p>
+            <a:r>
+              <a:rPr lang="sv-SE" dirty="0"/>
               <a:t>Manus</a:t>
             </a:r>
-            <a:endParaRPr lang="sv-SE" dirty="0"/>
-          </a:p>
-        </p:txBody>
-      </p:sp>
-      <p:sp>
-        <p:nvSpPr>
-          <p:cNvPr id="3" name="Rubrik 2"/>
-          <p:cNvSpPr>
-            <a:spLocks noGrp="1"/>
-          </p:cNvSpPr>
-          <p:nvPr>
-            <p:ph type="ctrTitle"/>
-          </p:nvPr>
-        </p:nvSpPr>
-        <p:spPr/>
-        <p:txBody>
-          <a:bodyPr/>
-          <a:lstStyle/>
-          <a:p>
-            <a:r>
-              <a:rPr lang="sv-SE" dirty="0" smtClean="0"/>
-              <a:t>Manus</a:t>
-            </a:r>
-            <a:endParaRPr lang="sv-SE" dirty="0"/>
           </a:p>
         </p:txBody>
       </p:sp>
@@ -15415,13 +15062,6 @@
   <p:clrMapOvr>
     <a:masterClrMapping/>
   </p:clrMapOvr>
-  <p:timing>
-    <p:tnLst>
-      <p:par>
-        <p:cTn id="1" dur="indefinite" restart="never" nodeType="tmRoot"/>
-      </p:par>
-    </p:tnLst>
-  </p:timing>
 </p:sld>
 </file>
 
@@ -15458,18 +15098,18 @@
           <a:lstStyle/>
           <a:p>
             <a:r>
-              <a:rPr lang="sv-SE" dirty="0" smtClean="0"/>
+              <a:rPr lang="sv-SE" dirty="0"/>
               <a:t>Blankettmallen själv kan aktivera funktioner för blanketten</a:t>
             </a:r>
           </a:p>
           <a:p>
             <a:r>
-              <a:rPr lang="sv-SE" dirty="0" smtClean="0"/>
+              <a:rPr lang="sv-SE" dirty="0"/>
               <a:t>Det finns inställningar som kan göras i mallen för t.ex. hur utskrift ska fungera</a:t>
             </a:r>
           </a:p>
           <a:p>
-            <a:endParaRPr lang="sv-SE" dirty="0" smtClean="0"/>
+            <a:endParaRPr lang="sv-SE" dirty="0"/>
           </a:p>
         </p:txBody>
       </p:sp>
@@ -15492,22 +15132,21 @@
               <a:buNone/>
             </a:pPr>
             <a:r>
-              <a:rPr lang="sv-SE" u="sng" dirty="0" smtClean="0"/>
+              <a:rPr lang="sv-SE" u="sng" dirty="0"/>
               <a:t>Definiera i manuset:</a:t>
             </a:r>
           </a:p>
           <a:p>
             <a:r>
-              <a:rPr lang="sv-SE" dirty="0" smtClean="0"/>
+              <a:rPr lang="sv-SE" dirty="0"/>
               <a:t>Det är viktigt att alla varianter av påverkan definieras tydligt</a:t>
             </a:r>
           </a:p>
           <a:p>
             <a:r>
-              <a:rPr lang="sv-SE" dirty="0" smtClean="0"/>
+              <a:rPr lang="sv-SE" dirty="0"/>
               <a:t>Detta definieras via ett bifogat beskrivande dokument till manuset</a:t>
             </a:r>
-            <a:endParaRPr lang="sv-SE" dirty="0"/>
           </a:p>
         </p:txBody>
       </p:sp>
@@ -15570,10 +15209,9 @@
           <a:lstStyle/>
           <a:p>
             <a:r>
-              <a:rPr lang="sv-SE" dirty="0" smtClean="0"/>
+              <a:rPr lang="sv-SE" dirty="0"/>
               <a:t>Tilläggsfunktioner</a:t>
             </a:r>
-            <a:endParaRPr lang="sv-SE" dirty="0"/>
           </a:p>
         </p:txBody>
       </p:sp>
@@ -15609,13 +15247,6 @@
   <p:clrMapOvr>
     <a:masterClrMapping/>
   </p:clrMapOvr>
-  <p:timing>
-    <p:tnLst>
-      <p:par>
-        <p:cTn id="1" dur="indefinite" restart="never" nodeType="tmRoot"/>
-      </p:par>
-    </p:tnLst>
-  </p:timing>
 </p:sld>
 </file>
 
@@ -15652,40 +15283,39 @@
           <a:lstStyle/>
           <a:p>
             <a:r>
-              <a:rPr lang="sv-SE" dirty="0" smtClean="0"/>
+              <a:rPr lang="sv-SE" dirty="0"/>
               <a:t>Matematiska uträkningar</a:t>
             </a:r>
           </a:p>
           <a:p>
             <a:r>
-              <a:rPr lang="sv-SE" dirty="0" smtClean="0"/>
+              <a:rPr lang="sv-SE" dirty="0"/>
               <a:t>Gömma/visa fält utifrån gjorda val</a:t>
             </a:r>
           </a:p>
           <a:p>
             <a:r>
-              <a:rPr lang="sv-SE" dirty="0" smtClean="0"/>
+              <a:rPr lang="sv-SE" dirty="0"/>
               <a:t>Flytta data mellan fält vid specifika händelser</a:t>
             </a:r>
           </a:p>
           <a:p>
             <a:r>
-              <a:rPr lang="sv-SE" dirty="0" smtClean="0"/>
+              <a:rPr lang="sv-SE" dirty="0"/>
               <a:t>Ritfunktion</a:t>
             </a:r>
           </a:p>
           <a:p>
             <a:r>
-              <a:rPr lang="sv-SE" dirty="0" smtClean="0"/>
+              <a:rPr lang="sv-SE" dirty="0"/>
               <a:t>Låsning av fält</a:t>
             </a:r>
           </a:p>
           <a:p>
             <a:r>
-              <a:rPr lang="sv-SE" dirty="0" smtClean="0"/>
+              <a:rPr lang="sv-SE" dirty="0"/>
               <a:t>Delsigneringar</a:t>
             </a:r>
-            <a:endParaRPr lang="sv-SE" dirty="0"/>
           </a:p>
         </p:txBody>
       </p:sp>
@@ -15705,16 +15335,15 @@
           <a:lstStyle/>
           <a:p>
             <a:r>
-              <a:rPr lang="sv-SE" dirty="0" smtClean="0"/>
+              <a:rPr lang="sv-SE" dirty="0"/>
               <a:t>Vissa funktioner är framtagna i EyeDoc</a:t>
             </a:r>
           </a:p>
           <a:p>
             <a:r>
-              <a:rPr lang="sv-SE" dirty="0" smtClean="0"/>
+              <a:rPr lang="sv-SE" dirty="0"/>
               <a:t>Andra är funktioner som ingår i grunden i XAML-språket</a:t>
             </a:r>
-            <a:endParaRPr lang="sv-SE" dirty="0"/>
           </a:p>
         </p:txBody>
       </p:sp>
@@ -15815,13 +15444,6 @@
   <p:clrMapOvr>
     <a:masterClrMapping/>
   </p:clrMapOvr>
-  <p:timing>
-    <p:tnLst>
-      <p:par>
-        <p:cTn id="1" dur="indefinite" restart="never" nodeType="tmRoot"/>
-      </p:par>
-    </p:tnLst>
-  </p:timing>
 </p:sld>
 </file>
 
@@ -15858,58 +15480,57 @@
           <a:lstStyle/>
           <a:p>
             <a:r>
-              <a:rPr lang="sv-SE" dirty="0" smtClean="0"/>
+              <a:rPr lang="sv-SE" dirty="0"/>
               <a:t>Data som kommer med från initierande system</a:t>
             </a:r>
           </a:p>
           <a:p>
             <a:r>
-              <a:rPr lang="sv-SE" dirty="0" smtClean="0"/>
+              <a:rPr lang="sv-SE" dirty="0"/>
               <a:t>Data som ska ”</a:t>
             </a:r>
             <a:r>
-              <a:rPr lang="sv-SE" dirty="0" err="1" smtClean="0"/>
+              <a:rPr lang="sv-SE" dirty="0" err="1"/>
               <a:t>förifylla</a:t>
             </a:r>
             <a:r>
-              <a:rPr lang="sv-SE" dirty="0" smtClean="0"/>
+              <a:rPr lang="sv-SE" dirty="0"/>
               <a:t>” mallen så att användaren slipper fylla i dessa fält</a:t>
             </a:r>
           </a:p>
           <a:p>
             <a:r>
-              <a:rPr lang="sv-SE" dirty="0" smtClean="0"/>
+              <a:rPr lang="sv-SE" dirty="0"/>
               <a:t>Det går även </a:t>
             </a:r>
             <a:r>
-              <a:rPr lang="sv-SE" dirty="0" err="1" smtClean="0"/>
+              <a:rPr lang="sv-SE" dirty="0" err="1"/>
               <a:t>förifylla</a:t>
             </a:r>
             <a:r>
-              <a:rPr lang="sv-SE" dirty="0" smtClean="0"/>
+              <a:rPr lang="sv-SE" dirty="0"/>
               <a:t> fält med ett specifikt fördefinierat värde </a:t>
             </a:r>
           </a:p>
           <a:p>
             <a:r>
-              <a:rPr lang="sv-SE" dirty="0" smtClean="0"/>
+              <a:rPr lang="sv-SE" dirty="0"/>
               <a:t>Det går använda viss logik för t.ex. datum</a:t>
             </a:r>
           </a:p>
           <a:p>
             <a:r>
-              <a:rPr lang="sv-SE" dirty="0" smtClean="0"/>
+              <a:rPr lang="sv-SE" dirty="0"/>
               <a:t>Vilka fält som ska </a:t>
             </a:r>
             <a:r>
-              <a:rPr lang="sv-SE" dirty="0" err="1" smtClean="0"/>
+              <a:rPr lang="sv-SE" dirty="0" err="1"/>
               <a:t>förifyllas</a:t>
             </a:r>
             <a:r>
-              <a:rPr lang="sv-SE" dirty="0" smtClean="0"/>
+              <a:rPr lang="sv-SE" dirty="0"/>
               <a:t> definieras i en XML-fil</a:t>
             </a:r>
-            <a:endParaRPr lang="sv-SE" dirty="0"/>
           </a:p>
         </p:txBody>
       </p:sp>
@@ -15932,25 +15553,25 @@
               <a:buNone/>
             </a:pPr>
             <a:r>
-              <a:rPr lang="sv-SE" u="sng" dirty="0" smtClean="0"/>
+              <a:rPr lang="sv-SE" u="sng" dirty="0"/>
               <a:t>Manuset</a:t>
             </a:r>
           </a:p>
           <a:p>
             <a:r>
-              <a:rPr lang="sv-SE" dirty="0" smtClean="0"/>
+              <a:rPr lang="sv-SE" dirty="0"/>
               <a:t>Vad finns det för data i initierande system som användarna vill slippa fylla i?</a:t>
             </a:r>
           </a:p>
           <a:p>
             <a:r>
-              <a:rPr lang="sv-SE" dirty="0" smtClean="0"/>
+              <a:rPr lang="sv-SE" dirty="0"/>
               <a:t>Vilka data behöver systemet fylla i för att det inte ska bli fel i data som fångas i mallen?</a:t>
             </a:r>
           </a:p>
           <a:p>
             <a:r>
-              <a:rPr lang="sv-SE" dirty="0" smtClean="0"/>
+              <a:rPr lang="sv-SE" dirty="0"/>
               <a:t>Vilka värden som finns tillgängliga styrs av den anropande systemet</a:t>
             </a:r>
           </a:p>
@@ -16018,10 +15639,9 @@
           <a:lstStyle/>
           <a:p>
             <a:r>
-              <a:rPr lang="sv-SE" dirty="0" smtClean="0"/>
+              <a:rPr lang="sv-SE" dirty="0"/>
               <a:t>Förifyllda fält</a:t>
             </a:r>
-            <a:endParaRPr lang="sv-SE" dirty="0"/>
           </a:p>
         </p:txBody>
       </p:sp>
@@ -16057,13 +15677,6 @@
   <p:clrMapOvr>
     <a:masterClrMapping/>
   </p:clrMapOvr>
-  <p:timing>
-    <p:tnLst>
-      <p:par>
-        <p:cTn id="1" dur="indefinite" restart="never" nodeType="tmRoot"/>
-      </p:par>
-    </p:tnLst>
-  </p:timing>
 </p:sld>
 </file>
 
@@ -16105,8 +15718,20 @@
                 <a:tableStyleId>{5C22544A-7EE6-4342-B048-85BDC9FD1C3A}</a:tableStyleId>
               </a:tblPr>
               <a:tblGrid>
-                <a:gridCol w="1476519"/>
-                <a:gridCol w="1996931"/>
+                <a:gridCol w="1476519">
+                  <a:extLst>
+                    <a:ext uri="{9D8B030D-6E8A-4147-A177-3AD203B41FA5}">
+                      <a16:colId xmlns:a16="http://schemas.microsoft.com/office/drawing/2014/main" val="20000"/>
+                    </a:ext>
+                  </a:extLst>
+                </a:gridCol>
+                <a:gridCol w="1996931">
+                  <a:extLst>
+                    <a:ext uri="{9D8B030D-6E8A-4147-A177-3AD203B41FA5}">
+                      <a16:colId xmlns:a16="http://schemas.microsoft.com/office/drawing/2014/main" val="20001"/>
+                    </a:ext>
+                  </a:extLst>
+                </a:gridCol>
               </a:tblGrid>
               <a:tr h="181539">
                 <a:tc>
@@ -16155,6 +15780,11 @@
                   </a:txBody>
                   <a:tcPr marL="9077" marR="9077" marT="9077" marB="0" anchor="b"/>
                 </a:tc>
+                <a:extLst>
+                  <a:ext uri="{0D108BD9-81ED-4DB2-BD59-A6C34878D82A}">
+                    <a16:rowId xmlns:a16="http://schemas.microsoft.com/office/drawing/2014/main" val="10000"/>
+                  </a:ext>
+                </a:extLst>
               </a:tr>
               <a:tr h="181539">
                 <a:tc>
@@ -16203,6 +15833,11 @@
                   </a:txBody>
                   <a:tcPr marL="9077" marR="9077" marT="9077" marB="0" anchor="b"/>
                 </a:tc>
+                <a:extLst>
+                  <a:ext uri="{0D108BD9-81ED-4DB2-BD59-A6C34878D82A}">
+                    <a16:rowId xmlns:a16="http://schemas.microsoft.com/office/drawing/2014/main" val="10001"/>
+                  </a:ext>
+                </a:extLst>
               </a:tr>
               <a:tr h="181539">
                 <a:tc>
@@ -16251,6 +15886,11 @@
                   </a:txBody>
                   <a:tcPr marL="9077" marR="9077" marT="9077" marB="0" anchor="b"/>
                 </a:tc>
+                <a:extLst>
+                  <a:ext uri="{0D108BD9-81ED-4DB2-BD59-A6C34878D82A}">
+                    <a16:rowId xmlns:a16="http://schemas.microsoft.com/office/drawing/2014/main" val="10002"/>
+                  </a:ext>
+                </a:extLst>
               </a:tr>
               <a:tr h="181539">
                 <a:tc>
@@ -16299,6 +15939,11 @@
                   </a:txBody>
                   <a:tcPr marL="9077" marR="9077" marT="9077" marB="0" anchor="b"/>
                 </a:tc>
+                <a:extLst>
+                  <a:ext uri="{0D108BD9-81ED-4DB2-BD59-A6C34878D82A}">
+                    <a16:rowId xmlns:a16="http://schemas.microsoft.com/office/drawing/2014/main" val="10003"/>
+                  </a:ext>
+                </a:extLst>
               </a:tr>
               <a:tr h="181539">
                 <a:tc>
@@ -16347,6 +15992,11 @@
                   </a:txBody>
                   <a:tcPr marL="9077" marR="9077" marT="9077" marB="0" anchor="b"/>
                 </a:tc>
+                <a:extLst>
+                  <a:ext uri="{0D108BD9-81ED-4DB2-BD59-A6C34878D82A}">
+                    <a16:rowId xmlns:a16="http://schemas.microsoft.com/office/drawing/2014/main" val="10004"/>
+                  </a:ext>
+                </a:extLst>
               </a:tr>
               <a:tr h="181539">
                 <a:tc>
@@ -16395,6 +16045,11 @@
                   </a:txBody>
                   <a:tcPr marL="9077" marR="9077" marT="9077" marB="0" anchor="b"/>
                 </a:tc>
+                <a:extLst>
+                  <a:ext uri="{0D108BD9-81ED-4DB2-BD59-A6C34878D82A}">
+                    <a16:rowId xmlns:a16="http://schemas.microsoft.com/office/drawing/2014/main" val="10005"/>
+                  </a:ext>
+                </a:extLst>
               </a:tr>
               <a:tr h="181539">
                 <a:tc>
@@ -16443,6 +16098,11 @@
                   </a:txBody>
                   <a:tcPr marL="9077" marR="9077" marT="9077" marB="0" anchor="b"/>
                 </a:tc>
+                <a:extLst>
+                  <a:ext uri="{0D108BD9-81ED-4DB2-BD59-A6C34878D82A}">
+                    <a16:rowId xmlns:a16="http://schemas.microsoft.com/office/drawing/2014/main" val="10006"/>
+                  </a:ext>
+                </a:extLst>
               </a:tr>
               <a:tr h="181539">
                 <a:tc>
@@ -16491,6 +16151,11 @@
                   </a:txBody>
                   <a:tcPr marL="9077" marR="9077" marT="9077" marB="0" anchor="b"/>
                 </a:tc>
+                <a:extLst>
+                  <a:ext uri="{0D108BD9-81ED-4DB2-BD59-A6C34878D82A}">
+                    <a16:rowId xmlns:a16="http://schemas.microsoft.com/office/drawing/2014/main" val="10007"/>
+                  </a:ext>
+                </a:extLst>
               </a:tr>
               <a:tr h="181539">
                 <a:tc>
@@ -16539,6 +16204,11 @@
                   </a:txBody>
                   <a:tcPr marL="9077" marR="9077" marT="9077" marB="0" anchor="b"/>
                 </a:tc>
+                <a:extLst>
+                  <a:ext uri="{0D108BD9-81ED-4DB2-BD59-A6C34878D82A}">
+                    <a16:rowId xmlns:a16="http://schemas.microsoft.com/office/drawing/2014/main" val="10008"/>
+                  </a:ext>
+                </a:extLst>
               </a:tr>
               <a:tr h="181539">
                 <a:tc>
@@ -16587,6 +16257,11 @@
                   </a:txBody>
                   <a:tcPr marL="9077" marR="9077" marT="9077" marB="0" anchor="b"/>
                 </a:tc>
+                <a:extLst>
+                  <a:ext uri="{0D108BD9-81ED-4DB2-BD59-A6C34878D82A}">
+                    <a16:rowId xmlns:a16="http://schemas.microsoft.com/office/drawing/2014/main" val="10009"/>
+                  </a:ext>
+                </a:extLst>
               </a:tr>
               <a:tr h="181539">
                 <a:tc>
@@ -16635,6 +16310,11 @@
                   </a:txBody>
                   <a:tcPr marL="9077" marR="9077" marT="9077" marB="0" anchor="b"/>
                 </a:tc>
+                <a:extLst>
+                  <a:ext uri="{0D108BD9-81ED-4DB2-BD59-A6C34878D82A}">
+                    <a16:rowId xmlns:a16="http://schemas.microsoft.com/office/drawing/2014/main" val="10010"/>
+                  </a:ext>
+                </a:extLst>
               </a:tr>
               <a:tr h="181539">
                 <a:tc>
@@ -16683,6 +16363,11 @@
                   </a:txBody>
                   <a:tcPr marL="9077" marR="9077" marT="9077" marB="0" anchor="b"/>
                 </a:tc>
+                <a:extLst>
+                  <a:ext uri="{0D108BD9-81ED-4DB2-BD59-A6C34878D82A}">
+                    <a16:rowId xmlns:a16="http://schemas.microsoft.com/office/drawing/2014/main" val="10011"/>
+                  </a:ext>
+                </a:extLst>
               </a:tr>
               <a:tr h="181539">
                 <a:tc>
@@ -16731,6 +16416,11 @@
                   </a:txBody>
                   <a:tcPr marL="9077" marR="9077" marT="9077" marB="0" anchor="b"/>
                 </a:tc>
+                <a:extLst>
+                  <a:ext uri="{0D108BD9-81ED-4DB2-BD59-A6C34878D82A}">
+                    <a16:rowId xmlns:a16="http://schemas.microsoft.com/office/drawing/2014/main" val="10012"/>
+                  </a:ext>
+                </a:extLst>
               </a:tr>
               <a:tr h="181539">
                 <a:tc>
@@ -16779,6 +16469,11 @@
                   </a:txBody>
                   <a:tcPr marL="9077" marR="9077" marT="9077" marB="0" anchor="b"/>
                 </a:tc>
+                <a:extLst>
+                  <a:ext uri="{0D108BD9-81ED-4DB2-BD59-A6C34878D82A}">
+                    <a16:rowId xmlns:a16="http://schemas.microsoft.com/office/drawing/2014/main" val="10013"/>
+                  </a:ext>
+                </a:extLst>
               </a:tr>
               <a:tr h="181539">
                 <a:tc>
@@ -16827,6 +16522,11 @@
                   </a:txBody>
                   <a:tcPr marL="9077" marR="9077" marT="9077" marB="0" anchor="b"/>
                 </a:tc>
+                <a:extLst>
+                  <a:ext uri="{0D108BD9-81ED-4DB2-BD59-A6C34878D82A}">
+                    <a16:rowId xmlns:a16="http://schemas.microsoft.com/office/drawing/2014/main" val="10014"/>
+                  </a:ext>
+                </a:extLst>
               </a:tr>
               <a:tr h="181539">
                 <a:tc>
@@ -16875,6 +16575,11 @@
                   </a:txBody>
                   <a:tcPr marL="9077" marR="9077" marT="9077" marB="0" anchor="b"/>
                 </a:tc>
+                <a:extLst>
+                  <a:ext uri="{0D108BD9-81ED-4DB2-BD59-A6C34878D82A}">
+                    <a16:rowId xmlns:a16="http://schemas.microsoft.com/office/drawing/2014/main" val="10015"/>
+                  </a:ext>
+                </a:extLst>
               </a:tr>
               <a:tr h="181539">
                 <a:tc>
@@ -16923,6 +16628,11 @@
                   </a:txBody>
                   <a:tcPr marL="9077" marR="9077" marT="9077" marB="0" anchor="b"/>
                 </a:tc>
+                <a:extLst>
+                  <a:ext uri="{0D108BD9-81ED-4DB2-BD59-A6C34878D82A}">
+                    <a16:rowId xmlns:a16="http://schemas.microsoft.com/office/drawing/2014/main" val="10016"/>
+                  </a:ext>
+                </a:extLst>
               </a:tr>
               <a:tr h="181539">
                 <a:tc>
@@ -16971,6 +16681,11 @@
                   </a:txBody>
                   <a:tcPr marL="9077" marR="9077" marT="9077" marB="0" anchor="b"/>
                 </a:tc>
+                <a:extLst>
+                  <a:ext uri="{0D108BD9-81ED-4DB2-BD59-A6C34878D82A}">
+                    <a16:rowId xmlns:a16="http://schemas.microsoft.com/office/drawing/2014/main" val="10017"/>
+                  </a:ext>
+                </a:extLst>
               </a:tr>
               <a:tr h="181539">
                 <a:tc>
@@ -17019,6 +16734,11 @@
                   </a:txBody>
                   <a:tcPr marL="9077" marR="9077" marT="9077" marB="0" anchor="b"/>
                 </a:tc>
+                <a:extLst>
+                  <a:ext uri="{0D108BD9-81ED-4DB2-BD59-A6C34878D82A}">
+                    <a16:rowId xmlns:a16="http://schemas.microsoft.com/office/drawing/2014/main" val="10018"/>
+                  </a:ext>
+                </a:extLst>
               </a:tr>
               <a:tr h="181539">
                 <a:tc>
@@ -17061,6 +16781,11 @@
                   </a:txBody>
                   <a:tcPr marL="9077" marR="9077" marT="9077" marB="0" anchor="b"/>
                 </a:tc>
+                <a:extLst>
+                  <a:ext uri="{0D108BD9-81ED-4DB2-BD59-A6C34878D82A}">
+                    <a16:rowId xmlns:a16="http://schemas.microsoft.com/office/drawing/2014/main" val="10019"/>
+                  </a:ext>
+                </a:extLst>
               </a:tr>
               <a:tr h="181539">
                 <a:tc>
@@ -17109,6 +16834,11 @@
                   </a:txBody>
                   <a:tcPr marL="9077" marR="9077" marT="9077" marB="0" anchor="b"/>
                 </a:tc>
+                <a:extLst>
+                  <a:ext uri="{0D108BD9-81ED-4DB2-BD59-A6C34878D82A}">
+                    <a16:rowId xmlns:a16="http://schemas.microsoft.com/office/drawing/2014/main" val="10020"/>
+                  </a:ext>
+                </a:extLst>
               </a:tr>
               <a:tr h="181539">
                 <a:tc>
@@ -17157,6 +16887,11 @@
                   </a:txBody>
                   <a:tcPr marL="9077" marR="9077" marT="9077" marB="0" anchor="b"/>
                 </a:tc>
+                <a:extLst>
+                  <a:ext uri="{0D108BD9-81ED-4DB2-BD59-A6C34878D82A}">
+                    <a16:rowId xmlns:a16="http://schemas.microsoft.com/office/drawing/2014/main" val="10021"/>
+                  </a:ext>
+                </a:extLst>
               </a:tr>
               <a:tr h="181539">
                 <a:tc>
@@ -17205,6 +16940,11 @@
                   </a:txBody>
                   <a:tcPr marL="9077" marR="9077" marT="9077" marB="0" anchor="b"/>
                 </a:tc>
+                <a:extLst>
+                  <a:ext uri="{0D108BD9-81ED-4DB2-BD59-A6C34878D82A}">
+                    <a16:rowId xmlns:a16="http://schemas.microsoft.com/office/drawing/2014/main" val="10022"/>
+                  </a:ext>
+                </a:extLst>
               </a:tr>
             </a:tbl>
           </a:graphicData>
@@ -17226,10 +16966,9 @@
           <a:lstStyle/>
           <a:p>
             <a:r>
-              <a:rPr lang="sv-SE" dirty="0" smtClean="0"/>
+              <a:rPr lang="sv-SE" dirty="0"/>
               <a:t>Detta är de värden som idag skickas från nuvarande version av Cross</a:t>
             </a:r>
-            <a:endParaRPr lang="sv-SE" dirty="0"/>
           </a:p>
         </p:txBody>
       </p:sp>
@@ -17292,10 +17031,9 @@
           <a:lstStyle/>
           <a:p>
             <a:r>
-              <a:rPr lang="sv-SE" dirty="0" smtClean="0"/>
+              <a:rPr lang="sv-SE" dirty="0"/>
               <a:t>Förifyllda fält</a:t>
             </a:r>
-            <a:endParaRPr lang="sv-SE" dirty="0"/>
           </a:p>
         </p:txBody>
       </p:sp>
@@ -17331,13 +17069,6 @@
   <p:clrMapOvr>
     <a:masterClrMapping/>
   </p:clrMapOvr>
-  <p:timing>
-    <p:tnLst>
-      <p:par>
-        <p:cTn id="1" dur="indefinite" restart="never" nodeType="tmRoot"/>
-      </p:par>
-    </p:tnLst>
-  </p:timing>
 </p:sld>
 </file>
 
@@ -17374,22 +17105,21 @@
           <a:lstStyle/>
           <a:p>
             <a:r>
-              <a:rPr lang="sv-SE" dirty="0" smtClean="0"/>
+              <a:rPr lang="sv-SE" dirty="0"/>
               <a:t>Fungerar på liknande sätt som förifyllnad men mellan två ärenden av samma blankettmall istället</a:t>
             </a:r>
           </a:p>
           <a:p>
             <a:r>
-              <a:rPr lang="sv-SE" dirty="0" smtClean="0"/>
+              <a:rPr lang="sv-SE" dirty="0"/>
               <a:t>Kommer från en tidigare ifylld mall för samma individ där fälten stämmer mellan blanketterna</a:t>
             </a:r>
           </a:p>
           <a:p>
             <a:r>
-              <a:rPr lang="sv-SE" dirty="0" smtClean="0"/>
+              <a:rPr lang="sv-SE" dirty="0"/>
               <a:t>Värden kan flyttas till samma eller olika fält mellan de två ärendena</a:t>
             </a:r>
-            <a:endParaRPr lang="sv-SE" dirty="0"/>
           </a:p>
         </p:txBody>
       </p:sp>
@@ -17409,24 +17139,23 @@
           <a:lstStyle/>
           <a:p>
             <a:r>
-              <a:rPr lang="sv-SE" dirty="0" smtClean="0"/>
+              <a:rPr lang="sv-SE" dirty="0"/>
               <a:t>Definieras i manuset som ”kopia/</a:t>
             </a:r>
             <a:r>
-              <a:rPr lang="sv-SE" dirty="0" err="1" smtClean="0"/>
+              <a:rPr lang="sv-SE" dirty="0" err="1"/>
               <a:t>kop</a:t>
             </a:r>
             <a:r>
-              <a:rPr lang="sv-SE" dirty="0" smtClean="0"/>
+              <a:rPr lang="sv-SE" dirty="0"/>
               <a:t>” på de fält som ska vara kopiefält</a:t>
             </a:r>
           </a:p>
           <a:p>
             <a:r>
-              <a:rPr lang="sv-SE" dirty="0" smtClean="0"/>
+              <a:rPr lang="sv-SE" dirty="0"/>
               <a:t>Om värden ska flyttas mellan olika fält eller manipuleras måste detta framgå av manus</a:t>
             </a:r>
-            <a:endParaRPr lang="sv-SE" dirty="0"/>
           </a:p>
         </p:txBody>
       </p:sp>
@@ -17489,10 +17218,9 @@
           <a:lstStyle/>
           <a:p>
             <a:r>
-              <a:rPr lang="sv-SE" dirty="0" smtClean="0"/>
+              <a:rPr lang="sv-SE" dirty="0"/>
               <a:t>Kopiefält</a:t>
             </a:r>
-            <a:endParaRPr lang="sv-SE" dirty="0"/>
           </a:p>
         </p:txBody>
       </p:sp>
@@ -17528,13 +17256,6 @@
   <p:clrMapOvr>
     <a:masterClrMapping/>
   </p:clrMapOvr>
-  <p:timing>
-    <p:tnLst>
-      <p:par>
-        <p:cTn id="1" dur="indefinite" restart="never" nodeType="tmRoot"/>
-      </p:par>
-    </p:tnLst>
-  </p:timing>
 </p:sld>
 </file>
 
@@ -17571,36 +17292,27 @@
           <a:lstStyle/>
           <a:p>
             <a:r>
-              <a:rPr lang="sv-SE" dirty="0" smtClean="0"/>
+              <a:rPr lang="sv-SE" dirty="0"/>
               <a:t>Om initierade system vill ha tillbaka fångad data i mallen</a:t>
             </a:r>
           </a:p>
           <a:p>
             <a:r>
-              <a:rPr lang="sv-SE" dirty="0" smtClean="0"/>
-              <a:t>Kräver att </a:t>
-            </a:r>
-            <a:r>
               <a:rPr lang="sv-SE" dirty="0"/>
-              <a:t>initierade system kan ta emot och hantera dessa </a:t>
-            </a:r>
-            <a:r>
-              <a:rPr lang="sv-SE" dirty="0" smtClean="0"/>
-              <a:t>uppgifter</a:t>
-            </a:r>
-          </a:p>
-          <a:p>
-            <a:r>
-              <a:rPr lang="sv-SE" dirty="0" smtClean="0"/>
+              <a:t>Kräver att initierade system kan ta emot och hantera dessa uppgifter</a:t>
+            </a:r>
+          </a:p>
+          <a:p>
+            <a:r>
+              <a:rPr lang="sv-SE" dirty="0"/>
               <a:t>Kommer med i ett statusmeddelande från EyeDoc till initierande system</a:t>
             </a:r>
           </a:p>
           <a:p>
             <a:r>
-              <a:rPr lang="sv-SE" dirty="0" smtClean="0"/>
+              <a:rPr lang="sv-SE" dirty="0"/>
               <a:t>Det aktuella värdet kommer alltid med, även om den inte ändrats</a:t>
             </a:r>
-            <a:endParaRPr lang="sv-SE" dirty="0"/>
           </a:p>
         </p:txBody>
       </p:sp>
@@ -17620,21 +17332,21 @@
           <a:lstStyle/>
           <a:p>
             <a:r>
-              <a:rPr lang="sv-SE" dirty="0" smtClean="0"/>
+              <a:rPr lang="sv-SE" dirty="0"/>
               <a:t>Definieras som ”</a:t>
             </a:r>
             <a:r>
-              <a:rPr lang="sv-SE" dirty="0" err="1" smtClean="0"/>
+              <a:rPr lang="sv-SE" dirty="0" err="1"/>
               <a:t>Reply</a:t>
             </a:r>
             <a:r>
-              <a:rPr lang="sv-SE" dirty="0" smtClean="0"/>
+              <a:rPr lang="sv-SE" dirty="0"/>
               <a:t>” på fältet i manuset</a:t>
             </a:r>
           </a:p>
           <a:p>
             <a:r>
-              <a:rPr lang="sv-SE" dirty="0" smtClean="0"/>
+              <a:rPr lang="sv-SE" dirty="0"/>
               <a:t>Behöver sannolikt också kompletterande beskrivning med vilket namn som ska användas</a:t>
             </a:r>
           </a:p>
@@ -17699,10 +17411,9 @@
           <a:lstStyle/>
           <a:p>
             <a:r>
-              <a:rPr lang="sv-SE" dirty="0" smtClean="0"/>
+              <a:rPr lang="sv-SE" dirty="0"/>
               <a:t>Returdata</a:t>
             </a:r>
-            <a:endParaRPr lang="sv-SE" dirty="0"/>
           </a:p>
         </p:txBody>
       </p:sp>
@@ -17738,13 +17449,6 @@
   <p:clrMapOvr>
     <a:masterClrMapping/>
   </p:clrMapOvr>
-  <p:timing>
-    <p:tnLst>
-      <p:par>
-        <p:cTn id="1" dur="indefinite" restart="never" nodeType="tmRoot"/>
-      </p:par>
-    </p:tnLst>
-  </p:timing>
 </p:sld>
 </file>
 
@@ -17781,32 +17485,27 @@
           <a:lstStyle/>
           <a:p>
             <a:r>
-              <a:rPr lang="sv-SE" dirty="0" smtClean="0"/>
+              <a:rPr lang="sv-SE" dirty="0"/>
               <a:t>Denna del av manuset ska beskriva hur flödet för den som nyttjar blanketten ska vara.</a:t>
             </a:r>
           </a:p>
           <a:p>
             <a:r>
-              <a:rPr lang="sv-SE" dirty="0" smtClean="0"/>
+              <a:rPr lang="sv-SE" dirty="0"/>
               <a:t>Definition av dialoger, funktion av knappar, aktivering av knappar etc.</a:t>
             </a:r>
           </a:p>
           <a:p>
             <a:r>
-              <a:rPr lang="sv-SE" dirty="0" smtClean="0"/>
+              <a:rPr lang="sv-SE" dirty="0"/>
               <a:t>Processen kan vara både hanteringen inom mallen med steg och händelser</a:t>
             </a:r>
           </a:p>
           <a:p>
             <a:r>
               <a:rPr lang="sv-SE" dirty="0"/>
-              <a:t>M</a:t>
-            </a:r>
-            <a:r>
-              <a:rPr lang="sv-SE" dirty="0" smtClean="0"/>
-              <a:t>en också mallens process över flödet vid sidan av respektive användares ifyllnad och interaktion med mallen</a:t>
-            </a:r>
-            <a:endParaRPr lang="sv-SE" dirty="0"/>
+              <a:t>Men också mallens process över flödet vid sidan av respektive användares ifyllnad och interaktion med mallen</a:t>
+            </a:r>
           </a:p>
         </p:txBody>
       </p:sp>
@@ -17829,10 +17528,9 @@
               <a:buNone/>
             </a:pPr>
             <a:r>
-              <a:rPr lang="sv-SE" dirty="0" smtClean="0"/>
+              <a:rPr lang="sv-SE" dirty="0"/>
               <a:t>Denna del av manuset är ofta en processkarta med tillhörande beskrivning/förklaring.</a:t>
             </a:r>
-            <a:endParaRPr lang="sv-SE" dirty="0"/>
           </a:p>
         </p:txBody>
       </p:sp>
@@ -17895,10 +17593,9 @@
           <a:lstStyle/>
           <a:p>
             <a:r>
-              <a:rPr lang="sv-SE" dirty="0" smtClean="0"/>
+              <a:rPr lang="sv-SE" dirty="0"/>
               <a:t>Workflow - arbetsflödet i blanketten</a:t>
             </a:r>
-            <a:endParaRPr lang="sv-SE" dirty="0"/>
           </a:p>
         </p:txBody>
       </p:sp>
@@ -17934,13 +17631,6 @@
   <p:clrMapOvr>
     <a:masterClrMapping/>
   </p:clrMapOvr>
-  <p:timing>
-    <p:tnLst>
-      <p:par>
-        <p:cTn id="1" dur="indefinite" restart="never" nodeType="tmRoot"/>
-      </p:par>
-    </p:tnLst>
-  </p:timing>
 </p:sld>
 </file>
 
@@ -18059,13 +17749,6 @@
   <p:clrMapOvr>
     <a:masterClrMapping/>
   </p:clrMapOvr>
-  <p:timing>
-    <p:tnLst>
-      <p:par>
-        <p:cTn id="1" dur="indefinite" restart="never" nodeType="tmRoot"/>
-      </p:par>
-    </p:tnLst>
-  </p:timing>
 </p:sld>
 </file>
 
@@ -18114,29 +17797,9 @@
           </a:p>
           <a:p>
             <a:r>
-              <a:rPr lang="sv-SE" dirty="0" smtClean="0"/>
+              <a:rPr lang="sv-SE" dirty="0"/>
               <a:t>Hur ska man nyttja trädstrukturen?</a:t>
             </a:r>
-            <a:endParaRPr lang="sv-SE" dirty="0"/>
-          </a:p>
-        </p:txBody>
-      </p:sp>
-      <p:sp>
-        <p:nvSpPr>
-          <p:cNvPr id="3" name="Content Placeholder 2"/>
-          <p:cNvSpPr>
-            <a:spLocks noGrp="1"/>
-          </p:cNvSpPr>
-          <p:nvPr>
-            <p:ph idx="13"/>
-          </p:nvPr>
-        </p:nvSpPr>
-        <p:spPr/>
-        <p:txBody>
-          <a:bodyPr/>
-          <a:lstStyle/>
-          <a:p>
-            <a:endParaRPr lang="en-US" dirty="0"/>
           </a:p>
         </p:txBody>
       </p:sp>
@@ -18199,7 +17862,7 @@
           <a:lstStyle/>
           <a:p>
             <a:r>
-              <a:rPr lang="sv-SE" dirty="0" smtClean="0"/>
+              <a:rPr lang="sv-SE" dirty="0"/>
               <a:t>Navigation</a:t>
             </a:r>
             <a:endParaRPr lang="en-US" dirty="0"/>
@@ -18263,13 +17926,6 @@
   <p:clrMapOvr>
     <a:masterClrMapping/>
   </p:clrMapOvr>
-  <p:timing>
-    <p:tnLst>
-      <p:par>
-        <p:cTn id="1" dur="indefinite" restart="never" nodeType="tmRoot"/>
-      </p:par>
-    </p:tnLst>
-  </p:timing>
 </p:sld>
 </file>
 
@@ -18306,22 +17962,21 @@
           <a:lstStyle/>
           <a:p>
             <a:r>
-              <a:rPr lang="sv-SE" dirty="0" smtClean="0"/>
+              <a:rPr lang="sv-SE" dirty="0"/>
               <a:t>Ligger till vänster om blanketten och grupperar fälten</a:t>
             </a:r>
           </a:p>
           <a:p>
             <a:r>
-              <a:rPr lang="sv-SE" dirty="0" smtClean="0"/>
+              <a:rPr lang="sv-SE" dirty="0"/>
               <a:t>Kan i manuset definieras klickbart för länkning till detta fält i blanketten</a:t>
             </a:r>
           </a:p>
           <a:p>
             <a:r>
-              <a:rPr lang="sv-SE" dirty="0" smtClean="0"/>
+              <a:rPr lang="sv-SE" dirty="0"/>
               <a:t>Det finns även händelser i blanketten som kan påverka ikoner i trädet - t.ex. vid signering</a:t>
             </a:r>
-            <a:endParaRPr lang="sv-SE" dirty="0"/>
           </a:p>
         </p:txBody>
       </p:sp>
@@ -18344,19 +17999,19 @@
               <a:buNone/>
             </a:pPr>
             <a:r>
-              <a:rPr lang="sv-SE" u="sng" dirty="0" smtClean="0"/>
+              <a:rPr lang="sv-SE" u="sng" dirty="0"/>
               <a:t>Kan göras på två sätt:</a:t>
             </a:r>
           </a:p>
           <a:p>
             <a:r>
-              <a:rPr lang="sv-SE" dirty="0" smtClean="0"/>
+              <a:rPr lang="sv-SE" dirty="0"/>
               <a:t>Som ett parallellt dokument</a:t>
             </a:r>
           </a:p>
           <a:p>
             <a:r>
-              <a:rPr lang="sv-SE" dirty="0" smtClean="0"/>
+              <a:rPr lang="sv-SE" dirty="0"/>
               <a:t>Markeras direkt i layoutmanuset</a:t>
             </a:r>
           </a:p>
@@ -18421,10 +18076,9 @@
           <a:lstStyle/>
           <a:p>
             <a:r>
-              <a:rPr lang="sv-SE" dirty="0" smtClean="0"/>
+              <a:rPr lang="sv-SE" dirty="0"/>
               <a:t>Navigationsträd</a:t>
             </a:r>
-            <a:endParaRPr lang="sv-SE" dirty="0"/>
           </a:p>
         </p:txBody>
       </p:sp>
@@ -18484,13 +18138,6 @@
   <p:clrMapOvr>
     <a:masterClrMapping/>
   </p:clrMapOvr>
-  <p:timing>
-    <p:tnLst>
-      <p:par>
-        <p:cTn id="1" dur="indefinite" restart="never" nodeType="tmRoot"/>
-      </p:par>
-    </p:tnLst>
-  </p:timing>
 </p:sld>
 </file>
 
@@ -18527,40 +18174,40 @@
           <a:lstStyle/>
           <a:p>
             <a:r>
-              <a:rPr lang="sv-SE" dirty="0" smtClean="0"/>
+              <a:rPr lang="sv-SE" dirty="0"/>
               <a:t>Kan liknas vid kravspecifikationen till ett projekt</a:t>
             </a:r>
           </a:p>
           <a:p>
             <a:r>
-              <a:rPr lang="sv-SE" dirty="0" smtClean="0"/>
+              <a:rPr lang="sv-SE" dirty="0"/>
               <a:t>Ett bra manus förkortar tiden i produktion</a:t>
             </a:r>
           </a:p>
           <a:p>
             <a:r>
-              <a:rPr lang="sv-SE" dirty="0" smtClean="0"/>
+              <a:rPr lang="sv-SE" dirty="0"/>
               <a:t>Ska säkerställa att:</a:t>
             </a:r>
           </a:p>
           <a:p>
             <a:pPr lvl="1"/>
             <a:r>
-              <a:rPr lang="sv-SE" dirty="0" smtClean="0"/>
+              <a:rPr lang="sv-SE" dirty="0"/>
               <a:t>Användarna förstår hur mallen fungerar</a:t>
             </a:r>
           </a:p>
           <a:p>
             <a:pPr lvl="1"/>
             <a:r>
-              <a:rPr lang="sv-SE" dirty="0" smtClean="0"/>
+              <a:rPr lang="sv-SE" dirty="0"/>
               <a:t>Att det är så lätt som möjligt att fylla i den korrekt</a:t>
             </a:r>
           </a:p>
           <a:p>
             <a:pPr lvl="1"/>
             <a:r>
-              <a:rPr lang="sv-SE" dirty="0" smtClean="0"/>
+              <a:rPr lang="sv-SE" dirty="0"/>
               <a:t>Att innehållet täcker verksamhetens behov</a:t>
             </a:r>
           </a:p>
@@ -18585,28 +18232,27 @@
               <a:buNone/>
             </a:pPr>
             <a:r>
-              <a:rPr lang="sv-SE" u="sng" dirty="0" smtClean="0"/>
+              <a:rPr lang="sv-SE" u="sng" dirty="0"/>
               <a:t>Med rätt manus vinner man:</a:t>
             </a:r>
           </a:p>
           <a:p>
             <a:r>
-              <a:rPr lang="sv-SE" dirty="0" smtClean="0"/>
+              <a:rPr lang="sv-SE" dirty="0"/>
               <a:t>Följsamhet till grafiska profiler</a:t>
             </a:r>
           </a:p>
           <a:p>
             <a:r>
-              <a:rPr lang="sv-SE" dirty="0" smtClean="0"/>
+              <a:rPr lang="sv-SE" dirty="0"/>
               <a:t>Likriktat arbetssätt för nyttjarna av mallen - samma sätt att arbeta</a:t>
             </a:r>
           </a:p>
           <a:p>
             <a:r>
-              <a:rPr lang="sv-SE" dirty="0" smtClean="0"/>
+              <a:rPr lang="sv-SE" dirty="0"/>
               <a:t>Lättare att återvinna manus från gång till gång</a:t>
             </a:r>
-            <a:endParaRPr lang="sv-SE" dirty="0"/>
           </a:p>
         </p:txBody>
       </p:sp>
@@ -18669,10 +18315,9 @@
           <a:lstStyle/>
           <a:p>
             <a:r>
-              <a:rPr lang="sv-SE" dirty="0" smtClean="0"/>
+              <a:rPr lang="sv-SE" dirty="0"/>
               <a:t>Manus – Varför?</a:t>
             </a:r>
-            <a:endParaRPr lang="sv-SE" dirty="0"/>
           </a:p>
         </p:txBody>
       </p:sp>
@@ -18708,13 +18353,6 @@
   <p:clrMapOvr>
     <a:masterClrMapping/>
   </p:clrMapOvr>
-  <p:timing>
-    <p:tnLst>
-      <p:par>
-        <p:cTn id="1" dur="indefinite" restart="never" nodeType="tmRoot"/>
-      </p:par>
-    </p:tnLst>
-  </p:timing>
 </p:sld>
 </file>
 
@@ -18770,10 +18408,9 @@
           <a:lstStyle/>
           <a:p>
             <a:r>
-              <a:rPr lang="sv-SE" dirty="0" smtClean="0"/>
+              <a:rPr lang="sv-SE" dirty="0"/>
               <a:t>Produktion</a:t>
             </a:r>
-            <a:endParaRPr lang="sv-SE" dirty="0"/>
           </a:p>
         </p:txBody>
       </p:sp>
@@ -18833,13 +18470,6 @@
   <p:clrMapOvr>
     <a:masterClrMapping/>
   </p:clrMapOvr>
-  <p:timing>
-    <p:tnLst>
-      <p:par>
-        <p:cTn id="1" dur="indefinite" restart="never" nodeType="tmRoot"/>
-      </p:par>
-    </p:tnLst>
-  </p:timing>
 </p:sld>
 </file>
 
@@ -18880,7 +18510,7 @@
               <a:buAutoNum type="arabicPeriod"/>
             </a:pPr>
             <a:r>
-              <a:rPr lang="sv-SE" sz="1200" dirty="0" smtClean="0"/>
+              <a:rPr lang="sv-SE" sz="1200" dirty="0"/>
               <a:t>Skicka in manus till produktion</a:t>
             </a:r>
           </a:p>
@@ -18890,7 +18520,7 @@
               <a:buAutoNum type="arabicPeriod"/>
             </a:pPr>
             <a:r>
-              <a:rPr lang="sv-SE" sz="1200" dirty="0" smtClean="0"/>
+              <a:rPr lang="sv-SE" sz="1200" dirty="0"/>
               <a:t>Produktion av blankett</a:t>
             </a:r>
           </a:p>
@@ -18900,7 +18530,7 @@
               <a:buAutoNum type="arabicPeriod"/>
             </a:pPr>
             <a:r>
-              <a:rPr lang="sv-SE" sz="1200" dirty="0" smtClean="0"/>
+              <a:rPr lang="sv-SE" sz="1200" dirty="0"/>
               <a:t>Kvalitetsgranskning</a:t>
             </a:r>
           </a:p>
@@ -18910,7 +18540,7 @@
               <a:buAutoNum type="arabicPeriod"/>
             </a:pPr>
             <a:r>
-              <a:rPr lang="sv-SE" sz="1200" dirty="0" smtClean="0"/>
+              <a:rPr lang="sv-SE" sz="1200" dirty="0"/>
               <a:t>Leverans till testmiljö</a:t>
             </a:r>
           </a:p>
@@ -18920,7 +18550,7 @@
               <a:buAutoNum type="arabicPeriod"/>
             </a:pPr>
             <a:r>
-              <a:rPr lang="sv-SE" sz="1200" dirty="0" smtClean="0"/>
+              <a:rPr lang="sv-SE" sz="1200" dirty="0"/>
               <a:t>Test av manusförfattare</a:t>
             </a:r>
           </a:p>
@@ -18930,7 +18560,7 @@
               <a:buAutoNum type="arabicPeriod"/>
             </a:pPr>
             <a:r>
-              <a:rPr lang="sv-SE" sz="1200" dirty="0" smtClean="0"/>
+              <a:rPr lang="sv-SE" sz="1200" dirty="0"/>
               <a:t>OK enligt manus – Publicering till driftsmiljö (punkt 8)</a:t>
             </a:r>
           </a:p>
@@ -18940,7 +18570,7 @@
               <a:buAutoNum type="arabicPeriod"/>
             </a:pPr>
             <a:r>
-              <a:rPr lang="sv-SE" sz="1200" dirty="0" smtClean="0"/>
+              <a:rPr lang="sv-SE" sz="1200" dirty="0"/>
               <a:t>Fel enligt manus – Återkoppling till produktionsresurs (punkt 2)</a:t>
             </a:r>
           </a:p>
@@ -18950,7 +18580,7 @@
               <a:buAutoNum type="arabicPeriod"/>
             </a:pPr>
             <a:r>
-              <a:rPr lang="sv-SE" sz="1200" dirty="0" smtClean="0"/>
+              <a:rPr lang="sv-SE" sz="1200" dirty="0"/>
               <a:t>Publicering i driftmiljö</a:t>
             </a:r>
           </a:p>
@@ -19022,10 +18652,9 @@
           <a:lstStyle/>
           <a:p>
             <a:r>
-              <a:rPr lang="sv-SE" dirty="0" smtClean="0"/>
+              <a:rPr lang="sv-SE" dirty="0"/>
               <a:t>Rutin för produktion</a:t>
             </a:r>
-            <a:endParaRPr lang="sv-SE" dirty="0"/>
           </a:p>
         </p:txBody>
       </p:sp>
@@ -19046,13 +18675,8 @@
           <a:p>
             <a:r>
               <a:rPr lang="sv-SE" dirty="0"/>
-              <a:t>Blankettutbildning - </a:t>
-            </a:r>
-            <a:r>
-              <a:rPr lang="sv-SE" dirty="0" smtClean="0"/>
-              <a:t>Manus</a:t>
-            </a:r>
-            <a:endParaRPr lang="sv-SE" dirty="0"/>
+              <a:t>Blankettutbildning - Manus</a:t>
+            </a:r>
           </a:p>
         </p:txBody>
       </p:sp>
@@ -19067,7 +18691,7 @@
           </p:nvPr>
         </p:nvPicPr>
         <p:blipFill>
-          <a:blip r:embed="rId2"/>
+          <a:blip r:embed="rId3"/>
           <a:stretch>
             <a:fillRect/>
           </a:stretch>
@@ -19092,13 +18716,6 @@
   <p:clrMapOvr>
     <a:masterClrMapping/>
   </p:clrMapOvr>
-  <p:timing>
-    <p:tnLst>
-      <p:par>
-        <p:cTn id="1" dur="indefinite" restart="never" nodeType="tmRoot"/>
-      </p:par>
-    </p:tnLst>
-  </p:timing>
 </p:sld>
 </file>
 
@@ -19135,10 +18752,9 @@
           <a:lstStyle/>
           <a:p>
             <a:r>
-              <a:rPr lang="nb-NO" dirty="0" smtClean="0"/>
+              <a:rPr lang="nb-NO" dirty="0"/>
               <a:t>Grupparbete</a:t>
             </a:r>
-            <a:endParaRPr lang="nb-NO" dirty="0"/>
           </a:p>
         </p:txBody>
       </p:sp>
@@ -19181,10 +18797,9 @@
           <a:lstStyle/>
           <a:p>
             <a:r>
-              <a:rPr lang="nb-NO" dirty="0" smtClean="0"/>
+              <a:rPr lang="nb-NO" dirty="0"/>
               <a:t>2015-06-16</a:t>
             </a:r>
-            <a:endParaRPr lang="nb-NO" dirty="0"/>
           </a:p>
         </p:txBody>
       </p:sp>
@@ -19198,13 +18813,6 @@
   <p:clrMapOvr>
     <a:masterClrMapping/>
   </p:clrMapOvr>
-  <p:timing>
-    <p:tnLst>
-      <p:par>
-        <p:cTn id="1" dur="indefinite" restart="never" nodeType="tmRoot"/>
-      </p:par>
-    </p:tnLst>
-  </p:timing>
 </p:sld>
 </file>
 
@@ -19241,10 +18849,9 @@
           <a:lstStyle/>
           <a:p>
             <a:r>
-              <a:rPr lang="nb-NO" dirty="0" smtClean="0"/>
+              <a:rPr lang="nb-NO" dirty="0"/>
               <a:t>Grupparbete</a:t>
             </a:r>
-            <a:endParaRPr lang="nb-NO" dirty="0"/>
           </a:p>
         </p:txBody>
       </p:sp>
@@ -19268,7 +18875,7 @@
               <a:buAutoNum type="arabicPeriod"/>
             </a:pPr>
             <a:r>
-              <a:rPr lang="nb-NO" dirty="0" smtClean="0"/>
+              <a:rPr lang="nb-NO" dirty="0"/>
               <a:t>Gör ett manus över fält för en blankett</a:t>
             </a:r>
           </a:p>
@@ -19278,7 +18885,7 @@
               <a:buAutoNum type="arabicPeriod"/>
             </a:pPr>
             <a:r>
-              <a:rPr lang="nb-NO" dirty="0" smtClean="0"/>
+              <a:rPr lang="nb-NO" dirty="0"/>
               <a:t>Vilka fälttyper ska användas, ska vissa fälts värden har ett speciellt format?</a:t>
             </a:r>
           </a:p>
@@ -19288,7 +18895,7 @@
               <a:buAutoNum type="arabicPeriod"/>
             </a:pPr>
             <a:r>
-              <a:rPr lang="nb-NO" dirty="0" smtClean="0"/>
+              <a:rPr lang="nb-NO" dirty="0"/>
               <a:t>Gör ett trädmanus – antingen som wordfil eller direkt i layouten</a:t>
             </a:r>
           </a:p>
@@ -19298,7 +18905,7 @@
               <a:buAutoNum type="arabicPeriod"/>
             </a:pPr>
             <a:r>
-              <a:rPr lang="nb-NO" dirty="0" smtClean="0"/>
+              <a:rPr lang="nb-NO" dirty="0"/>
               <a:t>Definiera förifyllnad och kopiefält</a:t>
             </a:r>
           </a:p>
@@ -19308,7 +18915,7 @@
               <a:buAutoNum type="arabicPeriod"/>
             </a:pPr>
             <a:r>
-              <a:rPr lang="nb-NO" dirty="0" smtClean="0"/>
+              <a:rPr lang="nb-NO" dirty="0"/>
               <a:t>Behövs någon ytterligare beskrivning av hur blanketten ska fungera eller vilka funktioner som ska användas?</a:t>
             </a:r>
           </a:p>
@@ -19331,13 +18938,8 @@
           <a:p>
             <a:r>
               <a:rPr lang="sv-SE" dirty="0"/>
-              <a:t>Blankettutbildning - </a:t>
-            </a:r>
-            <a:r>
-              <a:rPr lang="sv-SE" dirty="0" smtClean="0"/>
-              <a:t>Manus</a:t>
-            </a:r>
-            <a:endParaRPr lang="sv-SE" dirty="0"/>
+              <a:t>Blankettutbildning - Manus</a:t>
+            </a:r>
           </a:p>
         </p:txBody>
       </p:sp>
@@ -19394,13 +18996,6 @@
   <p:clrMapOvr>
     <a:masterClrMapping/>
   </p:clrMapOvr>
-  <p:timing>
-    <p:tnLst>
-      <p:par>
-        <p:cTn id="1" dur="indefinite" restart="never" nodeType="tmRoot"/>
-      </p:par>
-    </p:tnLst>
-  </p:timing>
 </p:sld>
 </file>
 
@@ -19474,13 +19069,6 @@
   <p:clrMapOvr>
     <a:masterClrMapping/>
   </p:clrMapOvr>
-  <p:timing>
-    <p:tnLst>
-      <p:par>
-        <p:cTn id="1" dur="indefinite" restart="never" nodeType="tmRoot"/>
-      </p:par>
-    </p:tnLst>
-  </p:timing>
 </p:sld>
 </file>
 
@@ -19522,81 +19110,56 @@
             </a:r>
             <a:r>
               <a:rPr lang="sv-SE" dirty="0"/>
-              <a:t> - Beskrivning över hur </a:t>
-            </a:r>
-            <a:r>
-              <a:rPr lang="sv-SE" dirty="0" smtClean="0"/>
-              <a:t>blankettmallen </a:t>
-            </a:r>
+              <a:t> - Beskrivning över hur blankettmallen ska se ut</a:t>
+            </a:r>
+          </a:p>
+          <a:p>
+            <a:pPr lvl="1"/>
             <a:r>
               <a:rPr lang="sv-SE" dirty="0"/>
-              <a:t>ska se </a:t>
-            </a:r>
-            <a:r>
-              <a:rPr lang="sv-SE" dirty="0" smtClean="0"/>
-              <a:t>ut</a:t>
+              <a:t>Fonter och stilar</a:t>
             </a:r>
           </a:p>
           <a:p>
             <a:pPr lvl="1"/>
             <a:r>
-              <a:rPr lang="sv-SE" dirty="0" smtClean="0"/>
-              <a:t>Fonter och stilar</a:t>
+              <a:rPr lang="sv-SE" dirty="0"/>
+              <a:t>Strukturering/inramning av innehåll</a:t>
             </a:r>
           </a:p>
           <a:p>
             <a:pPr lvl="1"/>
             <a:r>
-              <a:rPr lang="sv-SE" dirty="0" smtClean="0"/>
-              <a:t>Strukturering/inramning av innehåll</a:t>
+              <a:rPr lang="sv-SE" dirty="0"/>
+              <a:t>Logotyp och annan grafik</a:t>
             </a:r>
           </a:p>
           <a:p>
             <a:pPr lvl="1"/>
             <a:r>
-              <a:rPr lang="sv-SE" dirty="0" smtClean="0"/>
-              <a:t>Logotyp och annan grafik</a:t>
+              <a:rPr lang="sv-SE" dirty="0"/>
+              <a:t>Flöde och navigation</a:t>
             </a:r>
           </a:p>
           <a:p>
             <a:pPr lvl="1"/>
             <a:r>
-              <a:rPr lang="sv-SE" dirty="0" smtClean="0"/>
-              <a:t>Flöde </a:t>
-            </a:r>
-            <a:r>
               <a:rPr lang="sv-SE" dirty="0"/>
-              <a:t>och </a:t>
-            </a:r>
-            <a:r>
-              <a:rPr lang="sv-SE" dirty="0" smtClean="0"/>
-              <a:t>navigation</a:t>
+              <a:t>Ledtexter</a:t>
             </a:r>
           </a:p>
           <a:p>
             <a:pPr lvl="1"/>
-            <a:r>
-              <a:rPr lang="sv-SE" dirty="0" smtClean="0"/>
-              <a:t>Ledtexter</a:t>
-            </a:r>
             <a:endParaRPr lang="sv-SE" dirty="0"/>
           </a:p>
           <a:p>
-            <a:pPr lvl="1"/>
-            <a:endParaRPr lang="sv-SE" dirty="0" smtClean="0"/>
-          </a:p>
-          <a:p>
-            <a:r>
-              <a:rPr lang="sv-SE" b="1" dirty="0" smtClean="0"/>
+            <a:r>
+              <a:rPr lang="sv-SE" b="1" dirty="0"/>
               <a:t>Funktionalitet</a:t>
             </a:r>
             <a:r>
-              <a:rPr lang="sv-SE" dirty="0" smtClean="0"/>
-              <a:t> </a:t>
-            </a:r>
-            <a:r>
               <a:rPr lang="sv-SE" dirty="0"/>
-              <a:t>- Vilken typ av tilläggsfunktionalitet ska användas</a:t>
+              <a:t> - Vilken typ av tilläggsfunktionalitet ska användas</a:t>
             </a:r>
           </a:p>
           <a:p>
@@ -19687,14 +19250,14 @@
           <a:p>
             <a:pPr lvl="1"/>
             <a:r>
-              <a:rPr lang="sv-SE" dirty="0" smtClean="0"/>
+              <a:rPr lang="sv-SE" dirty="0"/>
               <a:t>Förifyllnad och kopiefält</a:t>
             </a:r>
           </a:p>
           <a:p>
             <a:pPr lvl="1"/>
             <a:r>
-              <a:rPr lang="sv-SE" dirty="0" err="1" smtClean="0"/>
+              <a:rPr lang="sv-SE" dirty="0" err="1"/>
               <a:t>Tooltip</a:t>
             </a:r>
             <a:endParaRPr lang="sv-SE" dirty="0"/>
@@ -19703,11 +19266,7 @@
             <a:pPr lvl="1"/>
             <a:r>
               <a:rPr lang="sv-SE" dirty="0"/>
-              <a:t>Gömda fält och </a:t>
-            </a:r>
-            <a:r>
-              <a:rPr lang="sv-SE" dirty="0" smtClean="0"/>
-              <a:t>områden</a:t>
+              <a:t>Gömda fält och områden</a:t>
             </a:r>
           </a:p>
           <a:p>
@@ -19742,13 +19301,8 @@
             <a:pPr lvl="1"/>
             <a:r>
               <a:rPr lang="sv-SE" dirty="0"/>
-              <a:t>Format - Personnummer/ICD10 o.s.v</a:t>
-            </a:r>
-            <a:r>
-              <a:rPr lang="sv-SE" dirty="0" smtClean="0"/>
-              <a:t>.</a:t>
-            </a:r>
-            <a:endParaRPr lang="sv-SE" dirty="0"/>
+              <a:t>Format - Personnummer/ICD10 o.s.v.</a:t>
+            </a:r>
           </a:p>
         </p:txBody>
       </p:sp>
@@ -19811,10 +19365,9 @@
           <a:lstStyle/>
           <a:p>
             <a:r>
-              <a:rPr lang="sv-SE" dirty="0" smtClean="0"/>
+              <a:rPr lang="sv-SE" dirty="0"/>
               <a:t>Manus – Vad?</a:t>
             </a:r>
-            <a:endParaRPr lang="sv-SE" dirty="0"/>
           </a:p>
         </p:txBody>
       </p:sp>
@@ -19835,13 +19388,8 @@
           <a:p>
             <a:r>
               <a:rPr lang="sv-SE" dirty="0"/>
-              <a:t>Blankettutbildning - </a:t>
-            </a:r>
-            <a:r>
-              <a:rPr lang="sv-SE" dirty="0" smtClean="0"/>
-              <a:t>Manus</a:t>
-            </a:r>
-            <a:endParaRPr lang="sv-SE" dirty="0"/>
+              <a:t>Blankettutbildning - Manus</a:t>
+            </a:r>
           </a:p>
         </p:txBody>
       </p:sp>
@@ -19855,13 +19403,6 @@
   <p:clrMapOvr>
     <a:masterClrMapping/>
   </p:clrMapOvr>
-  <p:timing>
-    <p:tnLst>
-      <p:par>
-        <p:cTn id="1" dur="indefinite" restart="never" nodeType="tmRoot"/>
-      </p:par>
-    </p:tnLst>
-  </p:timing>
 </p:sld>
 </file>
 
@@ -19907,17 +19448,12 @@
             </a:r>
             <a:r>
               <a:rPr lang="sv-SE" dirty="0"/>
-              <a:t> dokument som kompletterar </a:t>
-            </a:r>
-            <a:r>
-              <a:rPr lang="sv-SE" dirty="0" smtClean="0"/>
-              <a:t>varandra</a:t>
-            </a:r>
-            <a:endParaRPr lang="sv-SE" dirty="0"/>
-          </a:p>
-          <a:p>
-            <a:r>
-              <a:rPr lang="sv-SE" dirty="0" smtClean="0"/>
+              <a:t> dokument som kompletterar varandra</a:t>
+            </a:r>
+          </a:p>
+          <a:p>
+            <a:r>
+              <a:rPr lang="sv-SE" dirty="0"/>
               <a:t>Det viktigaste är att manusförfattaren och blankettproducenten förstår varandra</a:t>
             </a:r>
           </a:p>
@@ -19944,7 +19480,7 @@
           <a:lstStyle/>
           <a:p>
             <a:r>
-              <a:rPr lang="sv-SE" dirty="0" smtClean="0"/>
+              <a:rPr lang="sv-SE" dirty="0"/>
               <a:t>Beskrivning av ifyllnad och fält</a:t>
             </a:r>
           </a:p>
@@ -19965,62 +19501,60 @@
           <a:p>
             <a:pPr lvl="1"/>
             <a:r>
-              <a:rPr lang="sv-SE" dirty="0" smtClean="0"/>
+              <a:rPr lang="sv-SE" dirty="0"/>
               <a:t>PDF-kommentarer</a:t>
             </a:r>
           </a:p>
           <a:p>
             <a:r>
-              <a:rPr lang="sv-SE" dirty="0" smtClean="0"/>
+              <a:rPr lang="sv-SE" dirty="0"/>
               <a:t>Regelverk</a:t>
             </a:r>
           </a:p>
           <a:p>
             <a:pPr lvl="1"/>
             <a:r>
-              <a:rPr lang="sv-SE" dirty="0" smtClean="0"/>
+              <a:rPr lang="sv-SE" dirty="0"/>
               <a:t>Enklare/grundläggande direkt på layout</a:t>
             </a:r>
           </a:p>
           <a:p>
             <a:pPr lvl="1"/>
             <a:r>
-              <a:rPr lang="sv-SE" dirty="0" smtClean="0"/>
+              <a:rPr lang="sv-SE" dirty="0"/>
               <a:t>Mer avancerat beskrivs vid sidan av</a:t>
             </a:r>
           </a:p>
           <a:p>
             <a:r>
-              <a:rPr lang="sv-SE" dirty="0" smtClean="0"/>
+              <a:rPr lang="sv-SE" dirty="0"/>
               <a:t>Navigation</a:t>
             </a:r>
           </a:p>
           <a:p>
             <a:pPr lvl="1"/>
             <a:r>
-              <a:rPr lang="sv-SE" dirty="0" smtClean="0"/>
+              <a:rPr lang="sv-SE" dirty="0"/>
               <a:t>På layout tillsammans med fält</a:t>
             </a:r>
           </a:p>
           <a:p>
             <a:pPr lvl="1"/>
             <a:r>
-              <a:rPr lang="sv-SE" dirty="0" smtClean="0"/>
+              <a:rPr lang="sv-SE" dirty="0"/>
               <a:t>I separat fil</a:t>
             </a:r>
-            <a:endParaRPr lang="sv-SE" dirty="0"/>
-          </a:p>
-          <a:p>
-            <a:r>
-              <a:rPr lang="sv-SE" dirty="0" smtClean="0"/>
+          </a:p>
+          <a:p>
+            <a:r>
+              <a:rPr lang="sv-SE" dirty="0"/>
               <a:t>Funktioner/övrigt</a:t>
             </a:r>
-            <a:endParaRPr lang="sv-SE" dirty="0"/>
           </a:p>
           <a:p>
             <a:pPr lvl="1"/>
             <a:r>
-              <a:rPr lang="sv-SE" dirty="0" smtClean="0"/>
+              <a:rPr lang="sv-SE" dirty="0"/>
               <a:t>Separat beskrivning vid sidan av</a:t>
             </a:r>
           </a:p>
@@ -20085,10 +19619,9 @@
           <a:lstStyle/>
           <a:p>
             <a:r>
-              <a:rPr lang="sv-SE" dirty="0" smtClean="0"/>
+              <a:rPr lang="sv-SE" dirty="0"/>
               <a:t>Manus – Hur?</a:t>
             </a:r>
-            <a:endParaRPr lang="sv-SE" dirty="0"/>
           </a:p>
         </p:txBody>
       </p:sp>
@@ -20109,13 +19642,8 @@
           <a:p>
             <a:r>
               <a:rPr lang="sv-SE" dirty="0"/>
-              <a:t>Blankettutbildning - </a:t>
-            </a:r>
-            <a:r>
-              <a:rPr lang="sv-SE" dirty="0" smtClean="0"/>
-              <a:t>Manus</a:t>
-            </a:r>
-            <a:endParaRPr lang="sv-SE" dirty="0"/>
+              <a:t>Blankettutbildning - Manus</a:t>
+            </a:r>
           </a:p>
         </p:txBody>
       </p:sp>
@@ -20129,13 +19657,6 @@
   <p:clrMapOvr>
     <a:masterClrMapping/>
   </p:clrMapOvr>
-  <p:timing>
-    <p:tnLst>
-      <p:par>
-        <p:cTn id="1" dur="indefinite" restart="never" nodeType="tmRoot"/>
-      </p:par>
-    </p:tnLst>
-  </p:timing>
 </p:sld>
 </file>
 
@@ -20191,7 +19712,7 @@
           <a:lstStyle/>
           <a:p>
             <a:r>
-              <a:rPr lang="sv-SE" dirty="0" smtClean="0">
+              <a:rPr lang="sv-SE" dirty="0">
                 <a:solidFill>
                   <a:schemeClr val="tx1">
                     <a:lumMod val="50000"/>
@@ -20202,11 +19723,11 @@
               <a:t>Text</a:t>
             </a:r>
             <a:r>
-              <a:rPr lang="sv-SE" dirty="0" smtClean="0"/>
+              <a:rPr lang="sv-SE" dirty="0"/>
               <a:t>, </a:t>
             </a:r>
             <a:r>
-              <a:rPr lang="sv-SE" dirty="0" smtClean="0">
+              <a:rPr lang="sv-SE" dirty="0">
                 <a:solidFill>
                   <a:schemeClr val="tx1">
                     <a:lumMod val="50000"/>
@@ -20217,11 +19738,11 @@
               <a:t>Heltal</a:t>
             </a:r>
             <a:r>
-              <a:rPr lang="sv-SE" dirty="0" smtClean="0"/>
+              <a:rPr lang="sv-SE" dirty="0"/>
               <a:t>, </a:t>
             </a:r>
             <a:r>
-              <a:rPr lang="sv-SE" dirty="0" err="1" smtClean="0">
+              <a:rPr lang="sv-SE" dirty="0" err="1">
                 <a:solidFill>
                   <a:schemeClr val="tx1">
                     <a:lumMod val="50000"/>
@@ -20232,11 +19753,11 @@
               <a:t>Enval</a:t>
             </a:r>
             <a:r>
-              <a:rPr lang="sv-SE" dirty="0" smtClean="0"/>
+              <a:rPr lang="sv-SE" dirty="0"/>
               <a:t>, </a:t>
             </a:r>
             <a:r>
-              <a:rPr lang="sv-SE" dirty="0" err="1" smtClean="0">
+              <a:rPr lang="sv-SE" dirty="0" err="1">
                 <a:solidFill>
                   <a:schemeClr val="tx1">
                     <a:lumMod val="50000"/>
@@ -20247,11 +19768,11 @@
               <a:t>Flerval</a:t>
             </a:r>
             <a:r>
-              <a:rPr lang="sv-SE" dirty="0" smtClean="0"/>
+              <a:rPr lang="sv-SE" dirty="0"/>
               <a:t>, </a:t>
             </a:r>
             <a:r>
-              <a:rPr lang="sv-SE" dirty="0" smtClean="0">
+              <a:rPr lang="sv-SE" dirty="0">
                 <a:solidFill>
                   <a:schemeClr val="tx1">
                     <a:lumMod val="50000"/>
@@ -20262,11 +19783,11 @@
               <a:t>Datum</a:t>
             </a:r>
             <a:r>
-              <a:rPr lang="sv-SE" dirty="0" smtClean="0"/>
+              <a:rPr lang="sv-SE" dirty="0"/>
               <a:t>, </a:t>
             </a:r>
             <a:r>
-              <a:rPr lang="sv-SE" dirty="0" smtClean="0">
+              <a:rPr lang="sv-SE" dirty="0">
                 <a:solidFill>
                   <a:schemeClr val="tx1">
                     <a:lumMod val="50000"/>
@@ -20287,31 +19808,12 @@
                   </a:schemeClr>
                 </a:solidFill>
               </a:rPr>
-              <a:t>&lt;Förifyllt fält</a:t>
-            </a:r>
-            <a:r>
-              <a:rPr lang="sv-SE" dirty="0" smtClean="0">
-                <a:solidFill>
-                  <a:schemeClr val="tx1">
-                    <a:lumMod val="50000"/>
-                    <a:lumOff val="50000"/>
-                  </a:schemeClr>
-                </a:solidFill>
-              </a:rPr>
-              <a:t>&gt;</a:t>
-            </a:r>
-            <a:endParaRPr lang="sv-SE" dirty="0">
-              <a:solidFill>
-                <a:schemeClr val="tx1">
-                  <a:lumMod val="50000"/>
-                  <a:lumOff val="50000"/>
-                </a:schemeClr>
-              </a:solidFill>
-            </a:endParaRPr>
-          </a:p>
-          <a:p>
-            <a:r>
-              <a:rPr lang="sv-SE" dirty="0" smtClean="0">
+              <a:t>&lt;Förifyllt fält&gt;</a:t>
+            </a:r>
+          </a:p>
+          <a:p>
+            <a:r>
+              <a:rPr lang="sv-SE" dirty="0">
                 <a:solidFill>
                   <a:schemeClr val="tx1">
                     <a:lumMod val="50000"/>
@@ -20324,7 +19826,7 @@
           </a:p>
           <a:p>
             <a:r>
-              <a:rPr lang="sv-SE" dirty="0" err="1" smtClean="0">
+              <a:rPr lang="sv-SE" dirty="0" err="1">
                 <a:solidFill>
                   <a:schemeClr val="accent4"/>
                 </a:solidFill>
@@ -20332,7 +19834,7 @@
               <a:t>kop</a:t>
             </a:r>
             <a:r>
-              <a:rPr lang="sv-SE" dirty="0" smtClean="0">
+              <a:rPr lang="sv-SE" dirty="0">
                 <a:solidFill>
                   <a:schemeClr val="accent4"/>
                 </a:solidFill>
@@ -20340,13 +19842,13 @@
               <a:t> </a:t>
             </a:r>
             <a:r>
-              <a:rPr lang="sv-SE" dirty="0" smtClean="0"/>
+              <a:rPr lang="sv-SE" dirty="0"/>
               <a:t>– Kopiefält</a:t>
             </a:r>
           </a:p>
           <a:p>
             <a:r>
-              <a:rPr lang="sv-SE" u="sng" dirty="0" smtClean="0">
+              <a:rPr lang="sv-SE" u="sng" dirty="0">
                 <a:solidFill>
                   <a:srgbClr val="FF0000"/>
                 </a:solidFill>
@@ -20354,7 +19856,7 @@
               <a:t>Hi/i </a:t>
             </a:r>
             <a:r>
-              <a:rPr lang="sv-SE" dirty="0" smtClean="0"/>
+              <a:rPr lang="sv-SE" dirty="0"/>
               <a:t>– Navigationsträd</a:t>
             </a:r>
           </a:p>
@@ -20419,10 +19921,9 @@
           <a:lstStyle/>
           <a:p>
             <a:r>
-              <a:rPr lang="sv-SE" dirty="0" smtClean="0"/>
+              <a:rPr lang="sv-SE" dirty="0"/>
               <a:t>Manus – Exempel</a:t>
             </a:r>
-            <a:endParaRPr lang="sv-SE" dirty="0"/>
           </a:p>
         </p:txBody>
       </p:sp>
@@ -20443,13 +19944,8 @@
           <a:p>
             <a:r>
               <a:rPr lang="sv-SE" dirty="0"/>
-              <a:t>Blankettutbildning - </a:t>
-            </a:r>
-            <a:r>
-              <a:rPr lang="sv-SE" dirty="0" smtClean="0"/>
-              <a:t>Manus</a:t>
-            </a:r>
-            <a:endParaRPr lang="sv-SE" dirty="0"/>
+              <a:t>Blankettutbildning - Manus</a:t>
+            </a:r>
           </a:p>
         </p:txBody>
       </p:sp>
@@ -20487,13 +19983,6 @@
   <p:clrMapOvr>
     <a:masterClrMapping/>
   </p:clrMapOvr>
-  <p:timing>
-    <p:tnLst>
-      <p:par>
-        <p:cTn id="1" dur="indefinite" restart="never" nodeType="tmRoot"/>
-      </p:par>
-    </p:tnLst>
-  </p:timing>
 </p:sld>
 </file>
 
@@ -20544,10 +20033,9 @@
               <a:rPr lang="sv-SE" sz="1400" b="1" dirty="0"/>
             </a:br>
             <a:r>
-              <a:rPr lang="sv-SE" sz="1400" dirty="0" smtClean="0"/>
+              <a:rPr lang="sv-SE" sz="1400" dirty="0"/>
               <a:t>Datum</a:t>
             </a:r>
-            <a:endParaRPr lang="sv-SE" sz="1400" dirty="0"/>
           </a:p>
           <a:p>
             <a:r>
@@ -20558,34 +20046,22 @@
               <a:rPr lang="sv-SE" sz="1400" b="1" dirty="0"/>
             </a:br>
             <a:r>
-              <a:rPr lang="sv-SE" sz="1400" dirty="0" smtClean="0"/>
+              <a:rPr lang="sv-SE" sz="1400" dirty="0"/>
               <a:t>Personnummer</a:t>
-            </a:r>
-            <a:r>
-              <a:rPr lang="sv-SE" sz="1400" dirty="0"/>
-              <a:t/>
             </a:r>
             <a:br>
               <a:rPr lang="sv-SE" sz="1400" dirty="0"/>
             </a:br>
             <a:r>
-              <a:rPr lang="sv-SE" sz="1400" dirty="0" smtClean="0"/>
+              <a:rPr lang="sv-SE" sz="1400" dirty="0"/>
               <a:t>Namn</a:t>
-            </a:r>
-            <a:r>
-              <a:rPr lang="sv-SE" sz="1400" dirty="0"/>
-              <a:t/>
             </a:r>
             <a:br>
               <a:rPr lang="sv-SE" sz="1400" dirty="0"/>
             </a:br>
             <a:r>
-              <a:rPr lang="sv-SE" sz="1400" dirty="0" smtClean="0"/>
+              <a:rPr lang="sv-SE" sz="1400" dirty="0"/>
               <a:t>Adress</a:t>
-            </a:r>
-            <a:r>
-              <a:rPr lang="sv-SE" sz="1400" dirty="0"/>
-              <a:t/>
             </a:r>
             <a:br>
               <a:rPr lang="sv-SE" sz="1400" dirty="0"/>
@@ -20611,65 +20087,44 @@
               <a:rPr lang="sv-SE" sz="1400" b="1" dirty="0"/>
             </a:br>
             <a:r>
-              <a:rPr lang="sv-SE" sz="1400" dirty="0" smtClean="0"/>
+              <a:rPr lang="sv-SE" sz="1400" dirty="0"/>
               <a:t>Nr</a:t>
-            </a:r>
-            <a:r>
-              <a:rPr lang="sv-SE" sz="1400" dirty="0"/>
-              <a:t/>
             </a:r>
             <a:br>
               <a:rPr lang="sv-SE" sz="1400" dirty="0"/>
             </a:br>
             <a:r>
-              <a:rPr lang="sv-SE" sz="1400" dirty="0" smtClean="0"/>
+              <a:rPr lang="sv-SE" sz="1400" dirty="0"/>
               <a:t>Ankomstdatum</a:t>
-            </a:r>
-            <a:r>
-              <a:rPr lang="sv-SE" sz="1400" dirty="0"/>
-              <a:t/>
             </a:r>
             <a:br>
               <a:rPr lang="sv-SE" sz="1400" dirty="0"/>
             </a:br>
             <a:r>
-              <a:rPr lang="sv-SE" sz="1400" dirty="0" smtClean="0"/>
-              <a:t>Planerad </a:t>
-            </a:r>
-            <a:r>
               <a:rPr lang="sv-SE" sz="1400" dirty="0"/>
-              <a:t>tid </a:t>
+              <a:t>Planerad tid </a:t>
             </a:r>
             <a:br>
               <a:rPr lang="sv-SE" sz="1400" dirty="0"/>
             </a:br>
             <a:r>
-              <a:rPr lang="sv-SE" sz="1400" dirty="0" smtClean="0"/>
+              <a:rPr lang="sv-SE" sz="1400" dirty="0"/>
               <a:t>Måldatum</a:t>
-            </a:r>
-            <a:r>
-              <a:rPr lang="sv-SE" sz="1400" dirty="0"/>
-              <a:t/>
             </a:r>
             <a:br>
               <a:rPr lang="sv-SE" sz="1400" dirty="0"/>
             </a:br>
             <a:r>
-              <a:rPr lang="sv-SE" sz="1400" dirty="0" smtClean="0"/>
-              <a:t>Önskad </a:t>
-            </a:r>
-            <a:r>
               <a:rPr lang="sv-SE" sz="1400" dirty="0"/>
-              <a:t>läkare</a:t>
+              <a:t>Önskad läkare</a:t>
             </a:r>
             <a:br>
               <a:rPr lang="sv-SE" sz="1400" dirty="0"/>
             </a:br>
             <a:r>
-              <a:rPr lang="sv-SE" sz="1400" dirty="0" smtClean="0"/>
+              <a:rPr lang="sv-SE" sz="1400" dirty="0"/>
               <a:t>Sign</a:t>
             </a:r>
-            <a:endParaRPr lang="sv-SE" sz="1400" dirty="0"/>
           </a:p>
           <a:p>
             <a:endParaRPr lang="sv-SE" sz="1400" dirty="0"/>
@@ -20699,61 +20154,43 @@
               <a:rPr lang="sv-SE" sz="1400" b="1" dirty="0"/>
             </a:br>
             <a:r>
-              <a:rPr lang="sv-SE" sz="1400" dirty="0" smtClean="0"/>
+              <a:rPr lang="sv-SE" sz="1400" dirty="0"/>
               <a:t>Aktivitet</a:t>
-            </a:r>
-            <a:r>
-              <a:rPr lang="sv-SE" sz="1400" dirty="0"/>
-              <a:t/>
             </a:r>
             <a:br>
               <a:rPr lang="sv-SE" sz="1400" dirty="0"/>
             </a:br>
             <a:r>
-              <a:rPr lang="sv-SE" sz="1400" dirty="0" smtClean="0"/>
+              <a:rPr lang="sv-SE" sz="1400" dirty="0"/>
               <a:t>Måldatum</a:t>
-            </a:r>
-            <a:r>
-              <a:rPr lang="sv-SE" sz="1400" dirty="0"/>
-              <a:t/>
             </a:r>
             <a:br>
               <a:rPr lang="sv-SE" sz="1400" dirty="0"/>
             </a:br>
             <a:r>
-              <a:rPr lang="sv-SE" sz="1400" dirty="0" smtClean="0"/>
+              <a:rPr lang="sv-SE" sz="1400" dirty="0"/>
               <a:t>Planering </a:t>
             </a:r>
-            <a:endParaRPr lang="sv-SE" sz="1400" dirty="0"/>
           </a:p>
           <a:p>
             <a:r>
               <a:rPr lang="sv-SE" sz="1400" b="1" dirty="0"/>
               <a:t>Återbesök</a:t>
-            </a:r>
-            <a:r>
-              <a:rPr lang="sv-SE" sz="1400" dirty="0"/>
-              <a:t/>
             </a:r>
             <a:br>
               <a:rPr lang="sv-SE" sz="1400" dirty="0"/>
             </a:br>
             <a:r>
-              <a:rPr lang="sv-SE" sz="1400" dirty="0" smtClean="0"/>
+              <a:rPr lang="sv-SE" sz="1400" dirty="0"/>
               <a:t>Kontaktorsak</a:t>
-            </a:r>
-            <a:r>
-              <a:rPr lang="sv-SE" sz="1400" dirty="0"/>
-              <a:t/>
             </a:r>
             <a:br>
               <a:rPr lang="sv-SE" sz="1400" dirty="0"/>
             </a:br>
             <a:r>
-              <a:rPr lang="sv-SE" sz="1400" dirty="0" smtClean="0"/>
+              <a:rPr lang="sv-SE" sz="1400" dirty="0"/>
               <a:t>Antal</a:t>
             </a:r>
-            <a:endParaRPr lang="sv-SE" sz="1400" dirty="0"/>
           </a:p>
           <a:p>
             <a:r>
@@ -20764,87 +20201,61 @@
               <a:rPr lang="sv-SE" sz="1400" b="1" dirty="0"/>
             </a:br>
             <a:r>
-              <a:rPr lang="sv-SE" sz="1400" dirty="0" err="1" smtClean="0"/>
+              <a:rPr lang="sv-SE" sz="1400" dirty="0" err="1"/>
               <a:t>Rtg</a:t>
-            </a:r>
-            <a:r>
-              <a:rPr lang="sv-SE" sz="1400" dirty="0"/>
-              <a:t/>
             </a:r>
             <a:br>
               <a:rPr lang="sv-SE" sz="1400" dirty="0"/>
             </a:br>
             <a:r>
-              <a:rPr lang="sv-SE" sz="1400" dirty="0" smtClean="0"/>
-              <a:t>Remiss </a:t>
-            </a:r>
-            <a:r>
               <a:rPr lang="sv-SE" sz="1400" dirty="0"/>
-              <a:t>nr</a:t>
+              <a:t>Remiss nr</a:t>
             </a:r>
             <a:br>
               <a:rPr lang="sv-SE" sz="1400" dirty="0"/>
             </a:br>
             <a:r>
-              <a:rPr lang="sv-SE" sz="1400" dirty="0" smtClean="0"/>
+              <a:rPr lang="sv-SE" sz="1400" dirty="0"/>
               <a:t>Tid</a:t>
-            </a:r>
-            <a:r>
-              <a:rPr lang="sv-SE" sz="1400" dirty="0"/>
-              <a:t/>
             </a:r>
             <a:br>
               <a:rPr lang="sv-SE" sz="1400" dirty="0"/>
             </a:br>
             <a:r>
-              <a:rPr lang="sv-SE" sz="1400" dirty="0" smtClean="0"/>
-              <a:t>Extra </a:t>
-            </a:r>
-            <a:r>
               <a:rPr lang="sv-SE" sz="1400" dirty="0"/>
-              <a:t>tid</a:t>
+              <a:t>Extra tid</a:t>
             </a:r>
             <a:br>
               <a:rPr lang="sv-SE" sz="1400" dirty="0"/>
             </a:br>
             <a:r>
-              <a:rPr lang="sv-SE" sz="1400" dirty="0" smtClean="0"/>
+              <a:rPr lang="sv-SE" sz="1400" dirty="0"/>
               <a:t>Övrigt</a:t>
             </a:r>
-            <a:endParaRPr lang="sv-SE" sz="1400" dirty="0"/>
           </a:p>
           <a:p>
             <a:r>
               <a:rPr lang="sv-SE" sz="1400" b="1" dirty="0"/>
               <a:t>Avslutad </a:t>
-            </a:r>
-            <a:r>
-              <a:rPr lang="sv-SE" sz="1400" dirty="0"/>
-              <a:t/>
             </a:r>
             <a:br>
               <a:rPr lang="sv-SE" sz="1400" dirty="0"/>
             </a:br>
             <a:r>
-              <a:rPr lang="sv-SE" sz="1400" dirty="0" smtClean="0"/>
+              <a:rPr lang="sv-SE" sz="1400" dirty="0"/>
               <a:t>Datum</a:t>
-            </a:r>
-            <a:r>
-              <a:rPr lang="sv-SE" sz="1400" dirty="0"/>
-              <a:t/>
             </a:r>
             <a:br>
               <a:rPr lang="sv-SE" sz="1400" dirty="0"/>
             </a:br>
             <a:r>
-              <a:rPr lang="sv-SE" sz="1400" dirty="0" smtClean="0"/>
+              <a:rPr lang="sv-SE" sz="1400" dirty="0"/>
               <a:t>Orsak </a:t>
             </a:r>
-            <a:endParaRPr lang="sv-SE" sz="1400" dirty="0"/>
-          </a:p>
-          <a:p>
-            <a:r>
-              <a:rPr lang="sv-SE" sz="1400" b="1" dirty="0" smtClean="0"/>
+          </a:p>
+          <a:p>
+            <a:r>
+              <a:rPr lang="sv-SE" sz="1400" b="1" dirty="0"/>
               <a:t>Kommentarer</a:t>
             </a:r>
             <a:endParaRPr lang="sv-SE" sz="1400" dirty="0"/>
@@ -20910,10 +20321,9 @@
           <a:lstStyle/>
           <a:p>
             <a:r>
-              <a:rPr lang="sv-SE" dirty="0" smtClean="0"/>
+              <a:rPr lang="sv-SE" dirty="0"/>
               <a:t>Navigationsträd – Exempel</a:t>
             </a:r>
-            <a:endParaRPr lang="sv-SE" dirty="0"/>
           </a:p>
         </p:txBody>
       </p:sp>
@@ -20934,13 +20344,8 @@
           <a:p>
             <a:r>
               <a:rPr lang="sv-SE" dirty="0"/>
-              <a:t>Blankettutbildning - </a:t>
-            </a:r>
-            <a:r>
-              <a:rPr lang="sv-SE" dirty="0" smtClean="0"/>
-              <a:t>Manus</a:t>
-            </a:r>
-            <a:endParaRPr lang="sv-SE" dirty="0"/>
+              <a:t>Blankettutbildning - Manus</a:t>
+            </a:r>
           </a:p>
         </p:txBody>
       </p:sp>
@@ -20954,13 +20359,6 @@
   <p:clrMapOvr>
     <a:masterClrMapping/>
   </p:clrMapOvr>
-  <p:timing>
-    <p:tnLst>
-      <p:par>
-        <p:cTn id="1" dur="indefinite" restart="never" nodeType="tmRoot"/>
-      </p:par>
-    </p:tnLst>
-  </p:timing>
 </p:sld>
 </file>
 
@@ -21016,10 +20414,9 @@
           <a:lstStyle/>
           <a:p>
             <a:r>
-              <a:rPr lang="sv-SE" dirty="0" smtClean="0"/>
+              <a:rPr lang="sv-SE" dirty="0"/>
               <a:t>Layout</a:t>
             </a:r>
-            <a:endParaRPr lang="sv-SE" dirty="0"/>
           </a:p>
         </p:txBody>
       </p:sp>
@@ -21039,10 +20436,9 @@
           <a:lstStyle/>
           <a:p>
             <a:r>
-              <a:rPr lang="sv-SE" dirty="0" smtClean="0"/>
+              <a:rPr lang="sv-SE" dirty="0"/>
               <a:t>Blankettutbildning - Manus</a:t>
             </a:r>
-            <a:endParaRPr lang="sv-SE" dirty="0"/>
           </a:p>
         </p:txBody>
       </p:sp>
@@ -21080,13 +20476,6 @@
   <p:clrMapOvr>
     <a:masterClrMapping/>
   </p:clrMapOvr>
-  <p:timing>
-    <p:tnLst>
-      <p:par>
-        <p:cTn id="1" dur="indefinite" restart="never" nodeType="tmRoot"/>
-      </p:par>
-    </p:tnLst>
-  </p:timing>
 </p:sld>
 </file>
 
@@ -21123,25 +20512,25 @@
           <a:lstStyle/>
           <a:p>
             <a:r>
-              <a:rPr lang="sv-SE" dirty="0" smtClean="0"/>
+              <a:rPr lang="sv-SE" dirty="0"/>
               <a:t>Utgångspunkten för en standardblankett är normalt XPS-formatet</a:t>
             </a:r>
           </a:p>
           <a:p>
             <a:r>
-              <a:rPr lang="sv-SE" dirty="0" smtClean="0"/>
+              <a:rPr lang="sv-SE" dirty="0"/>
               <a:t>Tillgång till originalet för att på effektivaste sätt kunna göra justeringar</a:t>
             </a:r>
           </a:p>
           <a:p>
             <a:r>
-              <a:rPr lang="sv-SE" dirty="0" smtClean="0"/>
+              <a:rPr lang="sv-SE" dirty="0"/>
               <a:t>Grafik måste vara i vektorformat för att kunna användas i EyeDoc</a:t>
             </a:r>
           </a:p>
           <a:p>
             <a:r>
-              <a:rPr lang="sv-SE" dirty="0" smtClean="0"/>
+              <a:rPr lang="sv-SE" dirty="0"/>
               <a:t>Det går inte att ta en scannad bild av en blankett som bakgrund till produktion</a:t>
             </a:r>
           </a:p>
@@ -21206,10 +20595,9 @@
           <a:lstStyle/>
           <a:p>
             <a:r>
-              <a:rPr lang="sv-SE" dirty="0" smtClean="0"/>
+              <a:rPr lang="sv-SE" dirty="0"/>
               <a:t>Layout</a:t>
             </a:r>
-            <a:endParaRPr lang="sv-SE" dirty="0"/>
           </a:p>
         </p:txBody>
       </p:sp>
@@ -21229,10 +20617,9 @@
           <a:lstStyle/>
           <a:p>
             <a:r>
-              <a:rPr lang="sv-SE" dirty="0" smtClean="0"/>
+              <a:rPr lang="sv-SE" dirty="0"/>
               <a:t>EyeDoc</a:t>
             </a:r>
-            <a:endParaRPr lang="sv-SE" dirty="0"/>
           </a:p>
         </p:txBody>
       </p:sp>
@@ -21295,18 +20682,7 @@
                   </a:schemeClr>
                 </a:solidFill>
               </a:rPr>
-              <a:t>Det är manusförfattaren som ska se till att alla förutsättningar inför produktionen finns </a:t>
-            </a:r>
-            <a:r>
-              <a:rPr lang="sv-SE" b="1" dirty="0" smtClean="0">
-                <a:solidFill>
-                  <a:schemeClr val="tx2">
-                    <a:lumMod val="75000"/>
-                    <a:lumOff val="25000"/>
-                  </a:schemeClr>
-                </a:solidFill>
-              </a:rPr>
-              <a:t>färdiga.</a:t>
+              <a:t>Det är manusförfattaren som ska se till att alla förutsättningar inför produktionen finns färdiga.</a:t>
             </a:r>
           </a:p>
         </p:txBody>
@@ -21321,13 +20697,6 @@
   <p:clrMapOvr>
     <a:masterClrMapping/>
   </p:clrMapOvr>
-  <p:timing>
-    <p:tnLst>
-      <p:par>
-        <p:cTn id="1" dur="indefinite" restart="never" nodeType="tmRoot"/>
-      </p:par>
-    </p:tnLst>
-  </p:timing>
 </p:sld>
 </file>
 

--- a/Utbildningsmaterial/Steg 1 - Manus/Utbildning Blankettproduktion Manus.pptx
+++ b/Utbildningsmaterial/Steg 1 - Manus/Utbildning Blankettproduktion Manus.pptx
@@ -248,7 +248,7 @@
           <a:p>
             <a:fld id="{B0CBC212-F8B5-4C2E-81E6-7E62664EE8E8}" type="datetimeFigureOut">
               <a:rPr lang="sv-SE" smtClean="0"/>
-              <a:t>2016-08-23</a:t>
+              <a:t>2016-08-24</a:t>
             </a:fld>
             <a:endParaRPr lang="sv-SE"/>
           </a:p>
@@ -414,7 +414,7 @@
             <a:fld id="{3E49C2C0-97DA-499D-9E25-C813C9F39A10}" type="datetimeFigureOut">
               <a:rPr lang="nb-NO" smtClean="0"/>
               <a:pPr/>
-              <a:t>23.08.2016</a:t>
+              <a:t>24.08.2016</a:t>
             </a:fld>
             <a:endParaRPr lang="nb-NO"/>
           </a:p>
@@ -930,6 +930,91 @@
 </file>
 
 <file path=ppt/notesSlides/notesSlide2.xml><?xml version="1.0" encoding="utf-8"?>
+<p:notes xmlns:a="http://schemas.openxmlformats.org/drawingml/2006/main" xmlns:r="http://schemas.openxmlformats.org/officeDocument/2006/relationships" xmlns:p="http://schemas.openxmlformats.org/presentationml/2006/main">
+  <p:cSld>
+    <p:spTree>
+      <p:nvGrpSpPr>
+        <p:cNvPr id="1" name=""/>
+        <p:cNvGrpSpPr/>
+        <p:nvPr/>
+      </p:nvGrpSpPr>
+      <p:grpSpPr>
+        <a:xfrm>
+          <a:off x="0" y="0"/>
+          <a:ext cx="0" cy="0"/>
+          <a:chOff x="0" y="0"/>
+          <a:chExt cx="0" cy="0"/>
+        </a:xfrm>
+      </p:grpSpPr>
+      <p:sp>
+        <p:nvSpPr>
+          <p:cNvPr id="2" name="Slide Image Placeholder 1"/>
+          <p:cNvSpPr>
+            <a:spLocks noGrp="1" noRot="1" noChangeAspect="1"/>
+          </p:cNvSpPr>
+          <p:nvPr>
+            <p:ph type="sldImg"/>
+          </p:nvPr>
+        </p:nvSpPr>
+        <p:spPr/>
+      </p:sp>
+      <p:sp>
+        <p:nvSpPr>
+          <p:cNvPr id="3" name="Notes Placeholder 2"/>
+          <p:cNvSpPr>
+            <a:spLocks noGrp="1"/>
+          </p:cNvSpPr>
+          <p:nvPr>
+            <p:ph type="body" idx="1"/>
+          </p:nvPr>
+        </p:nvSpPr>
+        <p:spPr/>
+        <p:txBody>
+          <a:bodyPr/>
+          <a:lstStyle/>
+          <a:p>
+            <a:endParaRPr lang="sv-SE" dirty="0"/>
+          </a:p>
+        </p:txBody>
+      </p:sp>
+      <p:sp>
+        <p:nvSpPr>
+          <p:cNvPr id="4" name="Slide Number Placeholder 3"/>
+          <p:cNvSpPr>
+            <a:spLocks noGrp="1"/>
+          </p:cNvSpPr>
+          <p:nvPr>
+            <p:ph type="sldNum" sz="quarter" idx="10"/>
+          </p:nvPr>
+        </p:nvSpPr>
+        <p:spPr/>
+        <p:txBody>
+          <a:bodyPr/>
+          <a:lstStyle/>
+          <a:p>
+            <a:fld id="{7579B03F-A892-4A67-8671-FE6AA3A6F0AE}" type="slidenum">
+              <a:rPr lang="nb-NO" smtClean="0"/>
+              <a:pPr/>
+              <a:t>22</a:t>
+            </a:fld>
+            <a:endParaRPr lang="nb-NO"/>
+          </a:p>
+        </p:txBody>
+      </p:sp>
+    </p:spTree>
+    <p:extLst>
+      <p:ext uri="{BB962C8B-B14F-4D97-AF65-F5344CB8AC3E}">
+        <p14:creationId xmlns:p14="http://schemas.microsoft.com/office/powerpoint/2010/main" val="819850663"/>
+      </p:ext>
+    </p:extLst>
+  </p:cSld>
+  <p:clrMapOvr>
+    <a:masterClrMapping/>
+  </p:clrMapOvr>
+</p:notes>
+</file>
+
+<file path=ppt/notesSlides/notesSlide3.xml><?xml version="1.0" encoding="utf-8"?>
 <p:notes xmlns:a="http://schemas.openxmlformats.org/drawingml/2006/main" xmlns:r="http://schemas.openxmlformats.org/officeDocument/2006/relationships" xmlns:p="http://schemas.openxmlformats.org/presentationml/2006/main">
   <p:cSld>
     <p:spTree>
@@ -12843,7 +12928,7 @@
                 </a:solidFill>
                 <a:latin typeface="Arial Narrow" pitchFamily="34" charset="0"/>
               </a:rPr>
-              <a:t>2016-08-23</a:t>
+              <a:t>2016-08-24</a:t>
             </a:r>
           </a:p>
         </p:txBody>
@@ -18796,10 +18881,7 @@
           <a:bodyPr/>
           <a:lstStyle/>
           <a:p>
-            <a:r>
-              <a:rPr lang="nb-NO" dirty="0"/>
-              <a:t>2015-06-16</a:t>
-            </a:r>
+            <a:endParaRPr lang="nb-NO" dirty="0"/>
           </a:p>
         </p:txBody>
       </p:sp>
